--- a/ClassMaterials/Continuations/21-continuations-and-CPS.pptx
+++ b/ClassMaterials/Continuations/21-continuations-and-CPS.pptx
@@ -5,34 +5,31 @@
     <p:sldMasterId id="2147483648" r:id="rId1"/>
   </p:sldMasterIdLst>
   <p:notesMasterIdLst>
-    <p:notesMasterId r:id="rId24"/>
+    <p:notesMasterId r:id="rId21"/>
   </p:notesMasterIdLst>
   <p:handoutMasterIdLst>
-    <p:handoutMasterId r:id="rId25"/>
+    <p:handoutMasterId r:id="rId22"/>
   </p:handoutMasterIdLst>
   <p:sldIdLst>
-    <p:sldId id="428" r:id="rId2"/>
-    <p:sldId id="304" r:id="rId3"/>
-    <p:sldId id="460" r:id="rId4"/>
-    <p:sldId id="461" r:id="rId5"/>
-    <p:sldId id="462" r:id="rId6"/>
-    <p:sldId id="438" r:id="rId7"/>
-    <p:sldId id="439" r:id="rId8"/>
-    <p:sldId id="440" r:id="rId9"/>
-    <p:sldId id="459" r:id="rId10"/>
-    <p:sldId id="419" r:id="rId11"/>
-    <p:sldId id="444" r:id="rId12"/>
-    <p:sldId id="448" r:id="rId13"/>
-    <p:sldId id="422" r:id="rId14"/>
-    <p:sldId id="457" r:id="rId15"/>
-    <p:sldId id="458" r:id="rId16"/>
-    <p:sldId id="400" r:id="rId17"/>
-    <p:sldId id="451" r:id="rId18"/>
-    <p:sldId id="387" r:id="rId19"/>
-    <p:sldId id="445" r:id="rId20"/>
-    <p:sldId id="449" r:id="rId21"/>
-    <p:sldId id="450" r:id="rId22"/>
-    <p:sldId id="447" r:id="rId23"/>
+    <p:sldId id="461" r:id="rId2"/>
+    <p:sldId id="462" r:id="rId3"/>
+    <p:sldId id="438" r:id="rId4"/>
+    <p:sldId id="439" r:id="rId5"/>
+    <p:sldId id="440" r:id="rId6"/>
+    <p:sldId id="459" r:id="rId7"/>
+    <p:sldId id="419" r:id="rId8"/>
+    <p:sldId id="444" r:id="rId9"/>
+    <p:sldId id="448" r:id="rId10"/>
+    <p:sldId id="422" r:id="rId11"/>
+    <p:sldId id="457" r:id="rId12"/>
+    <p:sldId id="458" r:id="rId13"/>
+    <p:sldId id="400" r:id="rId14"/>
+    <p:sldId id="451" r:id="rId15"/>
+    <p:sldId id="387" r:id="rId16"/>
+    <p:sldId id="445" r:id="rId17"/>
+    <p:sldId id="449" r:id="rId18"/>
+    <p:sldId id="450" r:id="rId19"/>
+    <p:sldId id="447" r:id="rId20"/>
   </p:sldIdLst>
   <p:sldSz cx="12192000" cy="6858000"/>
   <p:notesSz cx="7315200" cy="9601200"/>
@@ -178,6 +175,41 @@
     </p:ext>
   </p:extLst>
 </p:presentation>
+</file>
+
+<file path=ppt/changesInfos/changesInfo1.xml><?xml version="1.0" encoding="utf-8"?>
+<pc:chgInfo xmlns:a="http://schemas.openxmlformats.org/drawingml/2006/main" xmlns:r="http://schemas.openxmlformats.org/officeDocument/2006/relationships" xmlns:ac="http://schemas.microsoft.com/office/drawing/2013/main/command" xmlns:pc="http://schemas.microsoft.com/office/powerpoint/2013/main/command">
+  <pc:docChgLst>
+    <pc:chgData name="Hewner, Mike" userId="7f3f83dd-6dfb-4127-a87f-c1714bd4fac9" providerId="ADAL" clId="{1B3875F9-3950-45D4-A1C3-C3E907035BCC}"/>
+    <pc:docChg chg="delSld">
+      <pc:chgData name="Hewner, Mike" userId="7f3f83dd-6dfb-4127-a87f-c1714bd4fac9" providerId="ADAL" clId="{1B3875F9-3950-45D4-A1C3-C3E907035BCC}" dt="2022-01-17T18:39:18.195" v="0" actId="47"/>
+      <pc:docMkLst>
+        <pc:docMk/>
+      </pc:docMkLst>
+      <pc:sldChg chg="del">
+        <pc:chgData name="Hewner, Mike" userId="7f3f83dd-6dfb-4127-a87f-c1714bd4fac9" providerId="ADAL" clId="{1B3875F9-3950-45D4-A1C3-C3E907035BCC}" dt="2022-01-17T18:39:18.195" v="0" actId="47"/>
+        <pc:sldMkLst>
+          <pc:docMk/>
+          <pc:sldMk cId="0" sldId="304"/>
+        </pc:sldMkLst>
+      </pc:sldChg>
+      <pc:sldChg chg="del">
+        <pc:chgData name="Hewner, Mike" userId="7f3f83dd-6dfb-4127-a87f-c1714bd4fac9" providerId="ADAL" clId="{1B3875F9-3950-45D4-A1C3-C3E907035BCC}" dt="2022-01-17T18:39:18.195" v="0" actId="47"/>
+        <pc:sldMkLst>
+          <pc:docMk/>
+          <pc:sldMk cId="3638107811" sldId="428"/>
+        </pc:sldMkLst>
+      </pc:sldChg>
+      <pc:sldChg chg="del">
+        <pc:chgData name="Hewner, Mike" userId="7f3f83dd-6dfb-4127-a87f-c1714bd4fac9" providerId="ADAL" clId="{1B3875F9-3950-45D4-A1C3-C3E907035BCC}" dt="2022-01-17T18:39:18.195" v="0" actId="47"/>
+        <pc:sldMkLst>
+          <pc:docMk/>
+          <pc:sldMk cId="2818994641" sldId="460"/>
+        </pc:sldMkLst>
+      </pc:sldChg>
+    </pc:docChg>
+  </pc:docChgLst>
+</pc:chgInfo>
 </file>
 
 <file path=ppt/handoutMasters/handoutMaster1.xml><?xml version="1.0" encoding="utf-8"?>
@@ -856,12 +888,7 @@
             <p:ph type="sldImg"/>
           </p:nvPr>
         </p:nvSpPr>
-        <p:spPr>
-          <a:xfrm>
-            <a:off x="457200" y="720725"/>
-            <a:ext cx="6400800" cy="3602038"/>
-          </a:xfrm>
-        </p:spPr>
+        <p:spPr/>
       </p:sp>
       <p:sp>
         <p:nvSpPr>
@@ -900,7 +927,7 @@
             <a:fld id="{1DC98F7B-29CD-4C6A-9715-3270586611D1}" type="slidenum">
               <a:rPr lang="en-US" smtClean="0"/>
               <a:pPr/>
-              <a:t>2</a:t>
+              <a:t>1</a:t>
             </a:fld>
             <a:endParaRPr lang="en-US"/>
           </a:p>
@@ -909,7 +936,7 @@
     </p:spTree>
     <p:extLst>
       <p:ext uri="{BB962C8B-B14F-4D97-AF65-F5344CB8AC3E}">
-        <p14:creationId xmlns:p14="http://schemas.microsoft.com/office/powerpoint/2010/main" val="1742234681"/>
+        <p14:creationId xmlns:p14="http://schemas.microsoft.com/office/powerpoint/2010/main" val="3524695703"/>
       </p:ext>
     </p:extLst>
   </p:cSld>
@@ -963,6 +990,48 @@
           <a:bodyPr/>
           <a:lstStyle/>
           <a:p>
+            <a:r>
+              <a:rPr lang="en-US" dirty="0"/>
+              <a:t>Sequential</a:t>
+            </a:r>
+          </a:p>
+          <a:p>
+            <a:r>
+              <a:rPr lang="en-US" dirty="0"/>
+              <a:t>If</a:t>
+            </a:r>
+          </a:p>
+          <a:p>
+            <a:r>
+              <a:rPr lang="en-US" dirty="0"/>
+              <a:t>While</a:t>
+            </a:r>
+          </a:p>
+          <a:p>
+            <a:r>
+              <a:rPr lang="en-US" dirty="0"/>
+              <a:t>For</a:t>
+            </a:r>
+          </a:p>
+          <a:p>
+            <a:r>
+              <a:rPr lang="en-US" dirty="0"/>
+              <a:t>Do</a:t>
+            </a:r>
+          </a:p>
+          <a:p>
+            <a:r>
+              <a:rPr lang="en-US" dirty="0"/>
+              <a:t>Method call/return</a:t>
+            </a:r>
+          </a:p>
+          <a:p>
+            <a:r>
+              <a:rPr lang="en-US" dirty="0"/>
+              <a:t>Try/catch/throw/finally</a:t>
+            </a:r>
+          </a:p>
+          <a:p>
             <a:endParaRPr lang="en-US" dirty="0"/>
           </a:p>
         </p:txBody>
@@ -985,7 +1054,7 @@
             <a:fld id="{1DC98F7B-29CD-4C6A-9715-3270586611D1}" type="slidenum">
               <a:rPr lang="en-US" smtClean="0"/>
               <a:pPr/>
-              <a:t>4</a:t>
+              <a:t>2</a:t>
             </a:fld>
             <a:endParaRPr lang="en-US"/>
           </a:p>
@@ -994,7 +1063,7 @@
     </p:spTree>
     <p:extLst>
       <p:ext uri="{BB962C8B-B14F-4D97-AF65-F5344CB8AC3E}">
-        <p14:creationId xmlns:p14="http://schemas.microsoft.com/office/powerpoint/2010/main" val="3524695703"/>
+        <p14:creationId xmlns:p14="http://schemas.microsoft.com/office/powerpoint/2010/main" val="2506589093"/>
       </p:ext>
     </p:extLst>
   </p:cSld>
@@ -1031,7 +1100,12 @@
             <p:ph type="sldImg"/>
           </p:nvPr>
         </p:nvSpPr>
-        <p:spPr/>
+        <p:spPr>
+          <a:xfrm>
+            <a:off x="457200" y="720725"/>
+            <a:ext cx="6400800" cy="3602038"/>
+          </a:xfrm>
+        </p:spPr>
       </p:sp>
       <p:sp>
         <p:nvSpPr>
@@ -1050,47 +1124,8 @@
           <a:p>
             <a:r>
               <a:rPr lang="en-US" dirty="0"/>
-              <a:t>Sequential</a:t>
-            </a:r>
-          </a:p>
-          <a:p>
-            <a:r>
-              <a:rPr lang="en-US" dirty="0"/>
-              <a:t>If</a:t>
-            </a:r>
-          </a:p>
-          <a:p>
-            <a:r>
-              <a:rPr lang="en-US" dirty="0"/>
-              <a:t>While</a:t>
-            </a:r>
-          </a:p>
-          <a:p>
-            <a:r>
-              <a:rPr lang="en-US" dirty="0"/>
-              <a:t>For</a:t>
-            </a:r>
-          </a:p>
-          <a:p>
-            <a:r>
-              <a:rPr lang="en-US" dirty="0"/>
-              <a:t>Do</a:t>
-            </a:r>
-          </a:p>
-          <a:p>
-            <a:r>
-              <a:rPr lang="en-US" dirty="0"/>
-              <a:t>Method call/return</a:t>
-            </a:r>
-          </a:p>
-          <a:p>
-            <a:r>
-              <a:rPr lang="en-US" dirty="0"/>
-              <a:t>Try/catch/throw/finally</a:t>
-            </a:r>
-          </a:p>
-          <a:p>
-            <a:endParaRPr lang="en-US" dirty="0"/>
+              <a:t>Answer: (lambda (v) (* 5 (* 4 (* 3 v))))</a:t>
+            </a:r>
           </a:p>
         </p:txBody>
       </p:sp>
@@ -1112,7 +1147,7 @@
             <a:fld id="{1DC98F7B-29CD-4C6A-9715-3270586611D1}" type="slidenum">
               <a:rPr lang="en-US" smtClean="0"/>
               <a:pPr/>
-              <a:t>5</a:t>
+              <a:t>7</a:t>
             </a:fld>
             <a:endParaRPr lang="en-US"/>
           </a:p>
@@ -1121,7 +1156,7 @@
     </p:spTree>
     <p:extLst>
       <p:ext uri="{BB962C8B-B14F-4D97-AF65-F5344CB8AC3E}">
-        <p14:creationId xmlns:p14="http://schemas.microsoft.com/office/powerpoint/2010/main" val="2506589093"/>
+        <p14:creationId xmlns:p14="http://schemas.microsoft.com/office/powerpoint/2010/main" val="114690086"/>
       </p:ext>
     </p:extLst>
   </p:cSld>
@@ -1180,10 +1215,7 @@
           <a:bodyPr/>
           <a:lstStyle/>
           <a:p>
-            <a:r>
-              <a:rPr lang="en-US" dirty="0"/>
-              <a:t>Answer: (lambda (v) (* 5 (* 4 (* 3 v))))</a:t>
-            </a:r>
+            <a:endParaRPr lang="en-US" dirty="0"/>
           </a:p>
         </p:txBody>
       </p:sp>
@@ -1194,7 +1226,7 @@
             <a:spLocks noGrp="1"/>
           </p:cNvSpPr>
           <p:nvPr>
-            <p:ph type="sldNum" sz="quarter" idx="10"/>
+            <p:ph type="sldNum" sz="quarter" idx="5"/>
           </p:nvPr>
         </p:nvSpPr>
         <p:spPr/>
@@ -1205,7 +1237,7 @@
             <a:fld id="{1DC98F7B-29CD-4C6A-9715-3270586611D1}" type="slidenum">
               <a:rPr lang="en-US" smtClean="0"/>
               <a:pPr/>
-              <a:t>10</a:t>
+              <a:t>8</a:t>
             </a:fld>
             <a:endParaRPr lang="en-US"/>
           </a:p>
@@ -1214,7 +1246,7 @@
     </p:spTree>
     <p:extLst>
       <p:ext uri="{BB962C8B-B14F-4D97-AF65-F5344CB8AC3E}">
-        <p14:creationId xmlns:p14="http://schemas.microsoft.com/office/powerpoint/2010/main" val="114690086"/>
+        <p14:creationId xmlns:p14="http://schemas.microsoft.com/office/powerpoint/2010/main" val="4143508459"/>
       </p:ext>
     </p:extLst>
   </p:cSld>
@@ -1270,9 +1302,19 @@
         </p:nvSpPr>
         <p:spPr/>
         <p:txBody>
-          <a:bodyPr/>
+          <a:bodyPr>
+            <a:normAutofit/>
+          </a:bodyPr>
           <a:lstStyle/>
           <a:p>
+            <a:r>
+              <a:rPr lang="en-US" dirty="0"/>
+              <a:t>Hide this slide when making PFD</a:t>
+            </a:r>
+            <a:r>
+              <a:rPr lang="en-US" baseline="0" dirty="0"/>
+              <a:t> for students, then unhide for class</a:t>
+            </a:r>
             <a:endParaRPr lang="en-US" dirty="0"/>
           </a:p>
         </p:txBody>
@@ -1284,7 +1326,7 @@
             <a:spLocks noGrp="1"/>
           </p:cNvSpPr>
           <p:nvPr>
-            <p:ph type="sldNum" sz="quarter" idx="5"/>
+            <p:ph type="sldNum" sz="quarter" idx="10"/>
           </p:nvPr>
         </p:nvSpPr>
         <p:spPr/>
@@ -1295,7 +1337,7 @@
             <a:fld id="{1DC98F7B-29CD-4C6A-9715-3270586611D1}" type="slidenum">
               <a:rPr lang="en-US" smtClean="0"/>
               <a:pPr/>
-              <a:t>11</a:t>
+              <a:t>12</a:t>
             </a:fld>
             <a:endParaRPr lang="en-US"/>
           </a:p>
@@ -1304,7 +1346,7 @@
     </p:spTree>
     <p:extLst>
       <p:ext uri="{BB962C8B-B14F-4D97-AF65-F5344CB8AC3E}">
-        <p14:creationId xmlns:p14="http://schemas.microsoft.com/office/powerpoint/2010/main" val="4143508459"/>
+        <p14:creationId xmlns:p14="http://schemas.microsoft.com/office/powerpoint/2010/main" val="660345893"/>
       </p:ext>
     </p:extLst>
   </p:cSld>
@@ -1365,15 +1407,7 @@
           </a:bodyPr>
           <a:lstStyle/>
           <a:p>
-            <a:r>
-              <a:rPr lang="en-US" dirty="0"/>
-              <a:t>Hide this slide when making PFD</a:t>
-            </a:r>
-            <a:r>
-              <a:rPr lang="en-US" baseline="0" dirty="0"/>
-              <a:t> for students, then unhide for class</a:t>
-            </a:r>
-            <a:endParaRPr lang="en-US" dirty="0"/>
+            <a:endParaRPr lang="en-US"/>
           </a:p>
         </p:txBody>
       </p:sp>
@@ -1395,7 +1429,7 @@
             <a:fld id="{1DC98F7B-29CD-4C6A-9715-3270586611D1}" type="slidenum">
               <a:rPr lang="en-US" smtClean="0"/>
               <a:pPr/>
-              <a:t>15</a:t>
+              <a:t>13</a:t>
             </a:fld>
             <a:endParaRPr lang="en-US"/>
           </a:p>
@@ -1404,7 +1438,7 @@
     </p:spTree>
     <p:extLst>
       <p:ext uri="{BB962C8B-B14F-4D97-AF65-F5344CB8AC3E}">
-        <p14:creationId xmlns:p14="http://schemas.microsoft.com/office/powerpoint/2010/main" val="660345893"/>
+        <p14:creationId xmlns:p14="http://schemas.microsoft.com/office/powerpoint/2010/main" val="1722401218"/>
       </p:ext>
     </p:extLst>
   </p:cSld>
@@ -1460,12 +1494,10 @@
         </p:nvSpPr>
         <p:spPr/>
         <p:txBody>
-          <a:bodyPr>
-            <a:normAutofit/>
-          </a:bodyPr>
+          <a:bodyPr/>
           <a:lstStyle/>
           <a:p>
-            <a:endParaRPr lang="en-US"/>
+            <a:endParaRPr lang="en-US" dirty="0"/>
           </a:p>
         </p:txBody>
       </p:sp>
@@ -1484,10 +1516,10 @@
           <a:bodyPr/>
           <a:lstStyle/>
           <a:p>
-            <a:fld id="{1DC98F7B-29CD-4C6A-9715-3270586611D1}" type="slidenum">
+            <a:fld id="{51B6C25D-32DF-4D0B-A234-5B2E76B992BC}" type="slidenum">
               <a:rPr lang="en-US" smtClean="0"/>
               <a:pPr/>
-              <a:t>16</a:t>
+              <a:t>15</a:t>
             </a:fld>
             <a:endParaRPr lang="en-US"/>
           </a:p>
@@ -1496,7 +1528,7 @@
     </p:spTree>
     <p:extLst>
       <p:ext uri="{BB962C8B-B14F-4D97-AF65-F5344CB8AC3E}">
-        <p14:creationId xmlns:p14="http://schemas.microsoft.com/office/powerpoint/2010/main" val="1722401218"/>
+        <p14:creationId xmlns:p14="http://schemas.microsoft.com/office/powerpoint/2010/main" val="2425812474"/>
       </p:ext>
     </p:extLst>
   </p:cSld>
@@ -1566,96 +1598,6 @@
             <a:spLocks noGrp="1"/>
           </p:cNvSpPr>
           <p:nvPr>
-            <p:ph type="sldNum" sz="quarter" idx="10"/>
-          </p:nvPr>
-        </p:nvSpPr>
-        <p:spPr/>
-        <p:txBody>
-          <a:bodyPr/>
-          <a:lstStyle/>
-          <a:p>
-            <a:fld id="{51B6C25D-32DF-4D0B-A234-5B2E76B992BC}" type="slidenum">
-              <a:rPr lang="en-US" smtClean="0"/>
-              <a:pPr/>
-              <a:t>18</a:t>
-            </a:fld>
-            <a:endParaRPr lang="en-US"/>
-          </a:p>
-        </p:txBody>
-      </p:sp>
-    </p:spTree>
-    <p:extLst>
-      <p:ext uri="{BB962C8B-B14F-4D97-AF65-F5344CB8AC3E}">
-        <p14:creationId xmlns:p14="http://schemas.microsoft.com/office/powerpoint/2010/main" val="2425812474"/>
-      </p:ext>
-    </p:extLst>
-  </p:cSld>
-  <p:clrMapOvr>
-    <a:masterClrMapping/>
-  </p:clrMapOvr>
-</p:notes>
-</file>
-
-<file path=ppt/notesSlides/notesSlide9.xml><?xml version="1.0" encoding="utf-8"?>
-<p:notes xmlns:a="http://schemas.openxmlformats.org/drawingml/2006/main" xmlns:r="http://schemas.openxmlformats.org/officeDocument/2006/relationships" xmlns:p="http://schemas.openxmlformats.org/presentationml/2006/main">
-  <p:cSld>
-    <p:spTree>
-      <p:nvGrpSpPr>
-        <p:cNvPr id="1" name=""/>
-        <p:cNvGrpSpPr/>
-        <p:nvPr/>
-      </p:nvGrpSpPr>
-      <p:grpSpPr>
-        <a:xfrm>
-          <a:off x="0" y="0"/>
-          <a:ext cx="0" cy="0"/>
-          <a:chOff x="0" y="0"/>
-          <a:chExt cx="0" cy="0"/>
-        </a:xfrm>
-      </p:grpSpPr>
-      <p:sp>
-        <p:nvSpPr>
-          <p:cNvPr id="2" name="Slide Image Placeholder 1"/>
-          <p:cNvSpPr>
-            <a:spLocks noGrp="1" noRot="1" noChangeAspect="1"/>
-          </p:cNvSpPr>
-          <p:nvPr>
-            <p:ph type="sldImg"/>
-          </p:nvPr>
-        </p:nvSpPr>
-        <p:spPr>
-          <a:xfrm>
-            <a:off x="457200" y="720725"/>
-            <a:ext cx="6400800" cy="3602038"/>
-          </a:xfrm>
-        </p:spPr>
-      </p:sp>
-      <p:sp>
-        <p:nvSpPr>
-          <p:cNvPr id="3" name="Notes Placeholder 2"/>
-          <p:cNvSpPr>
-            <a:spLocks noGrp="1"/>
-          </p:cNvSpPr>
-          <p:nvPr>
-            <p:ph type="body" idx="1"/>
-          </p:nvPr>
-        </p:nvSpPr>
-        <p:spPr/>
-        <p:txBody>
-          <a:bodyPr/>
-          <a:lstStyle/>
-          <a:p>
-            <a:endParaRPr lang="en-US" dirty="0"/>
-          </a:p>
-        </p:txBody>
-      </p:sp>
-      <p:sp>
-        <p:nvSpPr>
-          <p:cNvPr id="4" name="Slide Number Placeholder 3"/>
-          <p:cNvSpPr>
-            <a:spLocks noGrp="1"/>
-          </p:cNvSpPr>
-          <p:nvPr>
             <p:ph type="sldNum" sz="quarter" idx="5"/>
           </p:nvPr>
         </p:nvSpPr>
@@ -1667,7 +1609,7 @@
             <a:fld id="{1DC98F7B-29CD-4C6A-9715-3270586611D1}" type="slidenum">
               <a:rPr lang="en-US" smtClean="0"/>
               <a:pPr/>
-              <a:t>22</a:t>
+              <a:t>19</a:t>
             </a:fld>
             <a:endParaRPr lang="en-US"/>
           </a:p>
@@ -3785,322 +3727,6 @@
 </file>
 
 <file path=ppt/slides/slide1.xml><?xml version="1.0" encoding="utf-8"?>
-<p:sld xmlns:a="http://schemas.openxmlformats.org/drawingml/2006/main" xmlns:r="http://schemas.openxmlformats.org/officeDocument/2006/relationships" xmlns:p="http://schemas.openxmlformats.org/presentationml/2006/main" show="0">
-  <p:cSld>
-    <p:spTree>
-      <p:nvGrpSpPr>
-        <p:cNvPr id="1" name=""/>
-        <p:cNvGrpSpPr/>
-        <p:nvPr/>
-      </p:nvGrpSpPr>
-      <p:grpSpPr>
-        <a:xfrm>
-          <a:off x="0" y="0"/>
-          <a:ext cx="0" cy="0"/>
-          <a:chOff x="0" y="0"/>
-          <a:chExt cx="0" cy="0"/>
-        </a:xfrm>
-      </p:grpSpPr>
-      <p:sp>
-        <p:nvSpPr>
-          <p:cNvPr id="60418" name="Rectangle 2"/>
-          <p:cNvSpPr>
-            <a:spLocks noGrp="1" noChangeArrowheads="1"/>
-          </p:cNvSpPr>
-          <p:nvPr>
-            <p:ph type="title"/>
-          </p:nvPr>
-        </p:nvSpPr>
-        <p:spPr>
-          <a:xfrm>
-            <a:off x="1524000" y="304800"/>
-            <a:ext cx="9144000" cy="1143000"/>
-          </a:xfrm>
-        </p:spPr>
-        <p:txBody>
-          <a:bodyPr/>
-          <a:lstStyle/>
-          <a:p>
-            <a:r>
-              <a:rPr lang="en-US" sz="4000" dirty="0"/>
-              <a:t>Prelude:</a:t>
-            </a:r>
-            <a:br>
-              <a:rPr lang="en-US" sz="4000" dirty="0"/>
-            </a:br>
-            <a:r>
-              <a:rPr lang="en-US" sz="4000" dirty="0"/>
-              <a:t>Courtesy of Matt Ellis </a:t>
-            </a:r>
-            <a:r>
-              <a:rPr lang="en-US" sz="2400" dirty="0"/>
-              <a:t>and</a:t>
-            </a:r>
-            <a:r>
-              <a:rPr lang="en-US" sz="4000" dirty="0"/>
-              <a:t> Kyle </a:t>
-            </a:r>
-            <a:r>
-              <a:rPr lang="en-US" sz="4000" dirty="0" err="1"/>
-              <a:t>Gossman</a:t>
-            </a:r>
-            <a:endParaRPr lang="en-US" sz="4000" dirty="0"/>
-          </a:p>
-        </p:txBody>
-      </p:sp>
-      <p:sp>
-        <p:nvSpPr>
-          <p:cNvPr id="60419" name="Rectangle 3"/>
-          <p:cNvSpPr>
-            <a:spLocks noGrp="1" noChangeArrowheads="1"/>
-          </p:cNvSpPr>
-          <p:nvPr>
-            <p:ph type="body" idx="1"/>
-          </p:nvPr>
-        </p:nvSpPr>
-        <p:spPr>
-          <a:xfrm>
-            <a:off x="1905000" y="1905000"/>
-            <a:ext cx="8763000" cy="4953000"/>
-          </a:xfrm>
-        </p:spPr>
-        <p:txBody>
-          <a:bodyPr/>
-          <a:lstStyle/>
-          <a:p>
-            <a:pPr>
-              <a:buFontTx/>
-              <a:buNone/>
-            </a:pPr>
-            <a:r>
-              <a:rPr lang="en-US" sz="2800" b="1" dirty="0">
-                <a:latin typeface="Courier New" pitchFamily="49" charset="0"/>
-              </a:rPr>
-              <a:t>(define evil </a:t>
-            </a:r>
-            <a:r>
-              <a:rPr lang="en-US" sz="2400" b="1" dirty="0">
-                <a:solidFill>
-                  <a:srgbClr val="FF3300"/>
-                </a:solidFill>
-                <a:latin typeface="Courier New" pitchFamily="49" charset="0"/>
-              </a:rPr>
-              <a:t>; their name for it, not mine!</a:t>
-            </a:r>
-          </a:p>
-          <a:p>
-            <a:pPr>
-              <a:buFontTx/>
-              <a:buNone/>
-            </a:pPr>
-            <a:r>
-              <a:rPr lang="en-US" sz="2800" b="1" dirty="0">
-                <a:latin typeface="Courier New" pitchFamily="49" charset="0"/>
-              </a:rPr>
-              <a:t>  ((lambda (lambda)</a:t>
-            </a:r>
-          </a:p>
-          <a:p>
-            <a:pPr>
-              <a:buFontTx/>
-              <a:buNone/>
-            </a:pPr>
-            <a:r>
-              <a:rPr lang="en-US" sz="2800" b="1" dirty="0">
-                <a:latin typeface="Courier New" pitchFamily="49" charset="0"/>
-              </a:rPr>
-              <a:t>     ((lambda </a:t>
-            </a:r>
-            <a:r>
-              <a:rPr lang="en-US" sz="2800" b="1" dirty="0" err="1">
-                <a:latin typeface="Courier New" pitchFamily="49" charset="0"/>
-              </a:rPr>
-              <a:t>lambda</a:t>
-            </a:r>
-            <a:r>
-              <a:rPr lang="en-US" sz="2800" b="1" dirty="0">
-                <a:latin typeface="Courier New" pitchFamily="49" charset="0"/>
-              </a:rPr>
-              <a:t>) lambda))</a:t>
-            </a:r>
-          </a:p>
-          <a:p>
-            <a:pPr>
-              <a:buFontTx/>
-              <a:buNone/>
-            </a:pPr>
-            <a:r>
-              <a:rPr lang="en-US" sz="2800" b="1" dirty="0">
-                <a:latin typeface="Courier New" pitchFamily="49" charset="0"/>
-              </a:rPr>
-              <a:t>   ((lambda 'lambda 'lambda)</a:t>
-            </a:r>
-          </a:p>
-          <a:p>
-            <a:pPr>
-              <a:buFontTx/>
-              <a:buNone/>
-            </a:pPr>
-            <a:r>
-              <a:rPr lang="en-US" sz="2800" b="1" dirty="0">
-                <a:latin typeface="Courier New" pitchFamily="49" charset="0"/>
-              </a:rPr>
-              <a:t>    (lambda (lambda)</a:t>
-            </a:r>
-          </a:p>
-          <a:p>
-            <a:pPr>
-              <a:buFontTx/>
-              <a:buNone/>
-            </a:pPr>
-            <a:r>
-              <a:rPr lang="en-US" sz="2800" b="1" dirty="0">
-                <a:latin typeface="Courier New" pitchFamily="49" charset="0"/>
-              </a:rPr>
-              <a:t>      (lambda </a:t>
-            </a:r>
-            <a:r>
-              <a:rPr lang="en-US" sz="2800" b="1" dirty="0" err="1">
-                <a:latin typeface="Courier New" pitchFamily="49" charset="0"/>
-              </a:rPr>
-              <a:t>lambda</a:t>
-            </a:r>
-            <a:r>
-              <a:rPr lang="en-US" sz="2800" b="1" dirty="0">
-                <a:latin typeface="Courier New" pitchFamily="49" charset="0"/>
-              </a:rPr>
-              <a:t>))</a:t>
-            </a:r>
-          </a:p>
-          <a:p>
-            <a:pPr>
-              <a:buFontTx/>
-              <a:buNone/>
-            </a:pPr>
-            <a:r>
-              <a:rPr lang="en-US" sz="2800" b="1" dirty="0">
-                <a:latin typeface="Courier New" pitchFamily="49" charset="0"/>
-              </a:rPr>
-              <a:t>    (lambda (lambda)</a:t>
-            </a:r>
-          </a:p>
-          <a:p>
-            <a:pPr>
-              <a:buFontTx/>
-              <a:buNone/>
-            </a:pPr>
-            <a:r>
-              <a:rPr lang="en-US" sz="2800" b="1" dirty="0">
-                <a:latin typeface="Courier New" pitchFamily="49" charset="0"/>
-              </a:rPr>
-              <a:t>      lambda))))</a:t>
-            </a:r>
-            <a:br>
-              <a:rPr lang="en-US" sz="2800" b="1" dirty="0">
-                <a:latin typeface="Courier New" pitchFamily="49" charset="0"/>
-              </a:rPr>
-            </a:br>
-            <a:br>
-              <a:rPr lang="en-US" sz="2000" b="1" dirty="0">
-                <a:latin typeface="Courier New" pitchFamily="49" charset="0"/>
-              </a:rPr>
-            </a:br>
-            <a:r>
-              <a:rPr lang="en-US" b="1" dirty="0">
-                <a:latin typeface="Courier New" pitchFamily="49" charset="0"/>
-                <a:cs typeface="Courier New" pitchFamily="49" charset="0"/>
-              </a:rPr>
-              <a:t>evil</a:t>
-            </a:r>
-            <a:r>
-              <a:rPr lang="en-US" b="1" dirty="0"/>
-              <a:t> is legal in Scheme!  What does it do?</a:t>
-            </a:r>
-            <a:endParaRPr lang="en-US" b="1" dirty="0">
-              <a:latin typeface="Courier New" pitchFamily="49" charset="0"/>
-            </a:endParaRPr>
-          </a:p>
-          <a:p>
-            <a:pPr>
-              <a:buFontTx/>
-              <a:buNone/>
-            </a:pPr>
-            <a:endParaRPr lang="en-US" sz="3600" b="1" dirty="0">
-              <a:latin typeface="Courier New" pitchFamily="49" charset="0"/>
-            </a:endParaRPr>
-          </a:p>
-        </p:txBody>
-      </p:sp>
-      <p:sp>
-        <p:nvSpPr>
-          <p:cNvPr id="4" name="TextBox 3"/>
-          <p:cNvSpPr txBox="1"/>
-          <p:nvPr/>
-        </p:nvSpPr>
-        <p:spPr>
-          <a:xfrm>
-            <a:off x="6629400" y="3962402"/>
-            <a:ext cx="3962400" cy="2292935"/>
-          </a:xfrm>
-          <a:prstGeom prst="rect">
-            <a:avLst/>
-          </a:prstGeom>
-          <a:noFill/>
-          <a:ln w="22225">
-            <a:solidFill>
-              <a:srgbClr val="FF0000"/>
-            </a:solidFill>
-          </a:ln>
-        </p:spPr>
-        <p:txBody>
-          <a:bodyPr wrap="square" rtlCol="0">
-            <a:spAutoFit/>
-          </a:bodyPr>
-          <a:lstStyle/>
-          <a:p>
-            <a:r>
-              <a:rPr lang="en-US" sz="2200" b="1" dirty="0">
-                <a:solidFill>
-                  <a:srgbClr val="0033CC"/>
-                </a:solidFill>
-              </a:rPr>
-              <a:t>Perhaps the use of trace-lambda will help you figure it out.</a:t>
-            </a:r>
-          </a:p>
-          <a:p>
-            <a:endParaRPr lang="en-US" sz="1100" b="1" dirty="0">
-              <a:solidFill>
-                <a:srgbClr val="FF3300"/>
-              </a:solidFill>
-            </a:endParaRPr>
-          </a:p>
-          <a:p>
-            <a:r>
-              <a:rPr lang="en-US" sz="2200" b="1" dirty="0">
-                <a:solidFill>
-                  <a:srgbClr val="FF3300"/>
-                </a:solidFill>
-              </a:rPr>
-              <a:t>Matt and Kyle are 2005 CS alumni whose legacy lives on.</a:t>
-            </a:r>
-          </a:p>
-        </p:txBody>
-      </p:sp>
-    </p:spTree>
-    <p:extLst>
-      <p:ext uri="{BB962C8B-B14F-4D97-AF65-F5344CB8AC3E}">
-        <p14:creationId xmlns:p14="http://schemas.microsoft.com/office/powerpoint/2010/main" val="3638107811"/>
-      </p:ext>
-    </p:extLst>
-  </p:cSld>
-  <p:clrMapOvr>
-    <a:masterClrMapping/>
-  </p:clrMapOvr>
-  <p:transition/>
-</p:sld>
-</file>
-
-<file path=ppt/slides/slide10.xml><?xml version="1.0" encoding="utf-8"?>
 <p:sld xmlns:a="http://schemas.openxmlformats.org/drawingml/2006/main" xmlns:r="http://schemas.openxmlformats.org/officeDocument/2006/relationships" xmlns:p="http://schemas.openxmlformats.org/presentationml/2006/main">
   <p:cSld>
     <p:spTree>
@@ -4119,985 +3745,7 @@
       </p:grpSpPr>
       <p:sp>
         <p:nvSpPr>
-          <p:cNvPr id="109570" name="Rectangle 2"/>
-          <p:cNvSpPr>
-            <a:spLocks noGrp="1" noChangeArrowheads="1"/>
-          </p:cNvSpPr>
-          <p:nvPr>
-            <p:ph type="title"/>
-          </p:nvPr>
-        </p:nvSpPr>
-        <p:spPr>
-          <a:xfrm>
-            <a:off x="609600" y="76200"/>
-            <a:ext cx="10972800" cy="1143000"/>
-          </a:xfrm>
-        </p:spPr>
-        <p:txBody>
-          <a:bodyPr/>
-          <a:lstStyle/>
-          <a:p>
-            <a:r>
-              <a:rPr lang="en-US" dirty="0"/>
-              <a:t>A more practical  example</a:t>
-            </a:r>
-          </a:p>
-        </p:txBody>
-      </p:sp>
-      <p:sp>
-        <p:nvSpPr>
-          <p:cNvPr id="109571" name="Rectangle 3"/>
-          <p:cNvSpPr>
-            <a:spLocks noGrp="1" noChangeArrowheads="1"/>
-          </p:cNvSpPr>
-          <p:nvPr>
-            <p:ph type="body" idx="1"/>
-          </p:nvPr>
-        </p:nvSpPr>
-        <p:spPr>
-          <a:xfrm>
-            <a:off x="641252" y="990600"/>
-            <a:ext cx="10941148" cy="5181600"/>
-          </a:xfrm>
-        </p:spPr>
-        <p:txBody>
-          <a:bodyPr/>
-          <a:lstStyle/>
-          <a:p>
-            <a:pPr>
-              <a:lnSpc>
-                <a:spcPct val="90000"/>
-              </a:lnSpc>
-              <a:spcBef>
-                <a:spcPct val="5000"/>
-              </a:spcBef>
-              <a:buFontTx/>
-              <a:buNone/>
-            </a:pPr>
-            <a:r>
-              <a:rPr lang="en-US" b="1" dirty="0">
-                <a:solidFill>
-                  <a:srgbClr val="0033CC"/>
-                </a:solidFill>
-                <a:latin typeface="Courier New" pitchFamily="49" charset="0"/>
-              </a:rPr>
-              <a:t>(define fact</a:t>
-            </a:r>
-          </a:p>
-          <a:p>
-            <a:pPr>
-              <a:lnSpc>
-                <a:spcPct val="90000"/>
-              </a:lnSpc>
-              <a:spcBef>
-                <a:spcPct val="5000"/>
-              </a:spcBef>
-              <a:buFontTx/>
-              <a:buNone/>
-            </a:pPr>
-            <a:r>
-              <a:rPr lang="en-US" b="1" dirty="0">
-                <a:solidFill>
-                  <a:srgbClr val="0033CC"/>
-                </a:solidFill>
-                <a:latin typeface="Courier New" pitchFamily="49" charset="0"/>
-              </a:rPr>
-              <a:t>  (lambda (n)</a:t>
-            </a:r>
-          </a:p>
-          <a:p>
-            <a:pPr>
-              <a:lnSpc>
-                <a:spcPct val="90000"/>
-              </a:lnSpc>
-              <a:spcBef>
-                <a:spcPct val="5000"/>
-              </a:spcBef>
-              <a:buFontTx/>
-              <a:buNone/>
-            </a:pPr>
-            <a:r>
-              <a:rPr lang="en-US" b="1" dirty="0">
-                <a:solidFill>
-                  <a:srgbClr val="0033CC"/>
-                </a:solidFill>
-                <a:latin typeface="Courier New" pitchFamily="49" charset="0"/>
-              </a:rPr>
-              <a:t>    (if (zero? n) </a:t>
-            </a:r>
-          </a:p>
-          <a:p>
-            <a:pPr>
-              <a:lnSpc>
-                <a:spcPct val="90000"/>
-              </a:lnSpc>
-              <a:spcBef>
-                <a:spcPct val="5000"/>
-              </a:spcBef>
-              <a:buFontTx/>
-              <a:buNone/>
-            </a:pPr>
-            <a:r>
-              <a:rPr lang="en-US" b="1" dirty="0">
-                <a:solidFill>
-                  <a:srgbClr val="0033CC"/>
-                </a:solidFill>
-                <a:latin typeface="Courier New" pitchFamily="49" charset="0"/>
-              </a:rPr>
-              <a:t>        1 </a:t>
-            </a:r>
-          </a:p>
-          <a:p>
-            <a:pPr>
-              <a:lnSpc>
-                <a:spcPct val="90000"/>
-              </a:lnSpc>
-              <a:spcBef>
-                <a:spcPct val="5000"/>
-              </a:spcBef>
-              <a:buFontTx/>
-              <a:buNone/>
-            </a:pPr>
-            <a:r>
-              <a:rPr lang="en-US" b="1" dirty="0">
-                <a:solidFill>
-                  <a:srgbClr val="0033CC"/>
-                </a:solidFill>
-                <a:latin typeface="Courier New" pitchFamily="49" charset="0"/>
-              </a:rPr>
-              <a:t>        (* n (fact (- n 1))))))</a:t>
-            </a:r>
-          </a:p>
-          <a:p>
-            <a:pPr>
-              <a:lnSpc>
-                <a:spcPct val="90000"/>
-              </a:lnSpc>
-            </a:pPr>
-            <a:r>
-              <a:rPr lang="en-US" dirty="0"/>
-              <a:t>In the evaluation of </a:t>
-            </a:r>
-            <a:r>
-              <a:rPr lang="en-US" b="1" dirty="0">
-                <a:solidFill>
-                  <a:srgbClr val="CC0099"/>
-                </a:solidFill>
-                <a:latin typeface="Courier New" pitchFamily="49" charset="0"/>
-              </a:rPr>
-              <a:t>(fact 5)</a:t>
-            </a:r>
-            <a:r>
-              <a:rPr lang="en-US" dirty="0"/>
-              <a:t>,</a:t>
-            </a:r>
-            <a:r>
-              <a:rPr lang="en-US" b="1" dirty="0">
-                <a:solidFill>
-                  <a:srgbClr val="7030A0"/>
-                </a:solidFill>
-              </a:rPr>
-              <a:t> </a:t>
-            </a:r>
-            <a:br>
-              <a:rPr lang="en-US" b="1" dirty="0">
-                <a:solidFill>
-                  <a:srgbClr val="7030A0"/>
-                </a:solidFill>
-              </a:rPr>
-            </a:br>
-            <a:r>
-              <a:rPr lang="en-US" dirty="0"/>
-              <a:t>what is the continuation of the call to </a:t>
-            </a:r>
-            <a:r>
-              <a:rPr lang="en-US" b="1" dirty="0">
-                <a:solidFill>
-                  <a:srgbClr val="CC0099"/>
-                </a:solidFill>
-                <a:latin typeface="Courier New" pitchFamily="49" charset="0"/>
-              </a:rPr>
-              <a:t>(fact 2)</a:t>
-            </a:r>
-            <a:r>
-              <a:rPr lang="en-US" dirty="0"/>
-              <a:t>?</a:t>
-            </a:r>
-            <a:br>
-              <a:rPr lang="en-US" dirty="0"/>
-            </a:br>
-            <a:endParaRPr lang="en-US" dirty="0"/>
-          </a:p>
-          <a:p>
-            <a:pPr marL="0" indent="0">
-              <a:lnSpc>
-                <a:spcPct val="90000"/>
-              </a:lnSpc>
-              <a:buNone/>
-            </a:pPr>
-            <a:br>
-              <a:rPr lang="en-US" dirty="0"/>
-            </a:br>
-            <a:endParaRPr lang="en-US" dirty="0"/>
-          </a:p>
-          <a:p>
-            <a:pPr>
-              <a:lnSpc>
-                <a:spcPct val="90000"/>
-              </a:lnSpc>
-            </a:pPr>
-            <a:r>
-              <a:rPr lang="en-US" dirty="0"/>
-              <a:t>We see here that </a:t>
-            </a:r>
-            <a:r>
-              <a:rPr lang="en-US" i="1" dirty="0"/>
-              <a:t>continuation</a:t>
-            </a:r>
-            <a:r>
-              <a:rPr lang="en-US" dirty="0"/>
-              <a:t> is not merely a syntactic notion.</a:t>
-            </a:r>
-          </a:p>
-        </p:txBody>
-      </p:sp>
-    </p:spTree>
-    <p:extLst>
-      <p:ext uri="{BB962C8B-B14F-4D97-AF65-F5344CB8AC3E}">
-        <p14:creationId xmlns:p14="http://schemas.microsoft.com/office/powerpoint/2010/main" val="2116846056"/>
-      </p:ext>
-    </p:extLst>
-  </p:cSld>
-  <p:clrMapOvr>
-    <a:masterClrMapping/>
-  </p:clrMapOvr>
-  <p:timing>
-    <p:tnLst>
-      <p:par>
-        <p:cTn id="1" dur="indefinite" restart="never" nodeType="tmRoot">
-          <p:childTnLst>
-            <p:seq concurrent="1" nextAc="seek">
-              <p:cTn id="2" dur="indefinite" nodeType="mainSeq">
-                <p:childTnLst>
-                  <p:par>
-                    <p:cTn id="3" fill="hold">
-                      <p:stCondLst>
-                        <p:cond delay="indefinite"/>
-                        <p:cond evt="onBegin" delay="0">
-                          <p:tn val="2"/>
-                        </p:cond>
-                      </p:stCondLst>
-                      <p:childTnLst>
-                        <p:par>
-                          <p:cTn id="4" fill="hold">
-                            <p:stCondLst>
-                              <p:cond delay="0"/>
-                            </p:stCondLst>
-                            <p:childTnLst>
-                              <p:par>
-                                <p:cTn id="5" presetID="1" presetClass="entr" presetSubtype="0" fill="hold" grpId="0" nodeType="withEffect">
-                                  <p:stCondLst>
-                                    <p:cond delay="0"/>
-                                  </p:stCondLst>
-                                  <p:childTnLst>
-                                    <p:set>
-                                      <p:cBhvr>
-                                        <p:cTn id="6" dur="1" fill="hold">
-                                          <p:stCondLst>
-                                            <p:cond delay="0"/>
-                                          </p:stCondLst>
-                                        </p:cTn>
-                                        <p:tgtEl>
-                                          <p:spTgt spid="109571">
-                                            <p:txEl>
-                                              <p:pRg st="0" end="0"/>
-                                            </p:txEl>
-                                          </p:spTgt>
-                                        </p:tgtEl>
-                                        <p:attrNameLst>
-                                          <p:attrName>style.visibility</p:attrName>
-                                        </p:attrNameLst>
-                                      </p:cBhvr>
-                                      <p:to>
-                                        <p:strVal val="visible"/>
-                                      </p:to>
-                                    </p:set>
-                                  </p:childTnLst>
-                                </p:cTn>
-                              </p:par>
-                              <p:par>
-                                <p:cTn id="7" presetID="1" presetClass="entr" presetSubtype="0" fill="hold" grpId="0" nodeType="withEffect">
-                                  <p:stCondLst>
-                                    <p:cond delay="0"/>
-                                  </p:stCondLst>
-                                  <p:childTnLst>
-                                    <p:set>
-                                      <p:cBhvr>
-                                        <p:cTn id="8" dur="1" fill="hold">
-                                          <p:stCondLst>
-                                            <p:cond delay="0"/>
-                                          </p:stCondLst>
-                                        </p:cTn>
-                                        <p:tgtEl>
-                                          <p:spTgt spid="109571">
-                                            <p:txEl>
-                                              <p:pRg st="1" end="1"/>
-                                            </p:txEl>
-                                          </p:spTgt>
-                                        </p:tgtEl>
-                                        <p:attrNameLst>
-                                          <p:attrName>style.visibility</p:attrName>
-                                        </p:attrNameLst>
-                                      </p:cBhvr>
-                                      <p:to>
-                                        <p:strVal val="visible"/>
-                                      </p:to>
-                                    </p:set>
-                                  </p:childTnLst>
-                                </p:cTn>
-                              </p:par>
-                              <p:par>
-                                <p:cTn id="9" presetID="1" presetClass="entr" presetSubtype="0" fill="hold" grpId="0" nodeType="withEffect">
-                                  <p:stCondLst>
-                                    <p:cond delay="0"/>
-                                  </p:stCondLst>
-                                  <p:childTnLst>
-                                    <p:set>
-                                      <p:cBhvr>
-                                        <p:cTn id="10" dur="1" fill="hold">
-                                          <p:stCondLst>
-                                            <p:cond delay="0"/>
-                                          </p:stCondLst>
-                                        </p:cTn>
-                                        <p:tgtEl>
-                                          <p:spTgt spid="109571">
-                                            <p:txEl>
-                                              <p:pRg st="2" end="2"/>
-                                            </p:txEl>
-                                          </p:spTgt>
-                                        </p:tgtEl>
-                                        <p:attrNameLst>
-                                          <p:attrName>style.visibility</p:attrName>
-                                        </p:attrNameLst>
-                                      </p:cBhvr>
-                                      <p:to>
-                                        <p:strVal val="visible"/>
-                                      </p:to>
-                                    </p:set>
-                                  </p:childTnLst>
-                                </p:cTn>
-                              </p:par>
-                              <p:par>
-                                <p:cTn id="11" presetID="1" presetClass="entr" presetSubtype="0" fill="hold" grpId="0" nodeType="withEffect">
-                                  <p:stCondLst>
-                                    <p:cond delay="0"/>
-                                  </p:stCondLst>
-                                  <p:childTnLst>
-                                    <p:set>
-                                      <p:cBhvr>
-                                        <p:cTn id="12" dur="1" fill="hold">
-                                          <p:stCondLst>
-                                            <p:cond delay="0"/>
-                                          </p:stCondLst>
-                                        </p:cTn>
-                                        <p:tgtEl>
-                                          <p:spTgt spid="109571">
-                                            <p:txEl>
-                                              <p:pRg st="3" end="3"/>
-                                            </p:txEl>
-                                          </p:spTgt>
-                                        </p:tgtEl>
-                                        <p:attrNameLst>
-                                          <p:attrName>style.visibility</p:attrName>
-                                        </p:attrNameLst>
-                                      </p:cBhvr>
-                                      <p:to>
-                                        <p:strVal val="visible"/>
-                                      </p:to>
-                                    </p:set>
-                                  </p:childTnLst>
-                                </p:cTn>
-                              </p:par>
-                              <p:par>
-                                <p:cTn id="13" presetID="1" presetClass="entr" presetSubtype="0" fill="hold" grpId="0" nodeType="withEffect">
-                                  <p:stCondLst>
-                                    <p:cond delay="0"/>
-                                  </p:stCondLst>
-                                  <p:childTnLst>
-                                    <p:set>
-                                      <p:cBhvr>
-                                        <p:cTn id="14" dur="1" fill="hold">
-                                          <p:stCondLst>
-                                            <p:cond delay="0"/>
-                                          </p:stCondLst>
-                                        </p:cTn>
-                                        <p:tgtEl>
-                                          <p:spTgt spid="109571">
-                                            <p:txEl>
-                                              <p:pRg st="4" end="4"/>
-                                            </p:txEl>
-                                          </p:spTgt>
-                                        </p:tgtEl>
-                                        <p:attrNameLst>
-                                          <p:attrName>style.visibility</p:attrName>
-                                        </p:attrNameLst>
-                                      </p:cBhvr>
-                                      <p:to>
-                                        <p:strVal val="visible"/>
-                                      </p:to>
-                                    </p:set>
-                                  </p:childTnLst>
-                                </p:cTn>
-                              </p:par>
-                              <p:par>
-                                <p:cTn id="15" presetID="1" presetClass="entr" presetSubtype="0" fill="hold" grpId="0" nodeType="withEffect">
-                                  <p:stCondLst>
-                                    <p:cond delay="0"/>
-                                  </p:stCondLst>
-                                  <p:childTnLst>
-                                    <p:set>
-                                      <p:cBhvr>
-                                        <p:cTn id="16" dur="1" fill="hold">
-                                          <p:stCondLst>
-                                            <p:cond delay="0"/>
-                                          </p:stCondLst>
-                                        </p:cTn>
-                                        <p:tgtEl>
-                                          <p:spTgt spid="109571">
-                                            <p:txEl>
-                                              <p:pRg st="5" end="5"/>
-                                            </p:txEl>
-                                          </p:spTgt>
-                                        </p:tgtEl>
-                                        <p:attrNameLst>
-                                          <p:attrName>style.visibility</p:attrName>
-                                        </p:attrNameLst>
-                                      </p:cBhvr>
-                                      <p:to>
-                                        <p:strVal val="visible"/>
-                                      </p:to>
-                                    </p:set>
-                                  </p:childTnLst>
-                                </p:cTn>
-                              </p:par>
-                              <p:par>
-                                <p:cTn id="17" presetID="1" presetClass="entr" presetSubtype="0" fill="hold" grpId="0" nodeType="withEffect">
-                                  <p:stCondLst>
-                                    <p:cond delay="0"/>
-                                  </p:stCondLst>
-                                  <p:childTnLst>
-                                    <p:set>
-                                      <p:cBhvr>
-                                        <p:cTn id="18" dur="1" fill="hold">
-                                          <p:stCondLst>
-                                            <p:cond delay="0"/>
-                                          </p:stCondLst>
-                                        </p:cTn>
-                                        <p:tgtEl>
-                                          <p:spTgt spid="109571">
-                                            <p:txEl>
-                                              <p:pRg st="6" end="6"/>
-                                            </p:txEl>
-                                          </p:spTgt>
-                                        </p:tgtEl>
-                                        <p:attrNameLst>
-                                          <p:attrName>style.visibility</p:attrName>
-                                        </p:attrNameLst>
-                                      </p:cBhvr>
-                                      <p:to>
-                                        <p:strVal val="visible"/>
-                                      </p:to>
-                                    </p:set>
-                                  </p:childTnLst>
-                                </p:cTn>
-                              </p:par>
-                            </p:childTnLst>
-                          </p:cTn>
-                        </p:par>
-                      </p:childTnLst>
-                    </p:cTn>
-                  </p:par>
-                  <p:par>
-                    <p:cTn id="19" fill="hold">
-                      <p:stCondLst>
-                        <p:cond delay="indefinite"/>
-                      </p:stCondLst>
-                      <p:childTnLst>
-                        <p:par>
-                          <p:cTn id="20" fill="hold">
-                            <p:stCondLst>
-                              <p:cond delay="0"/>
-                            </p:stCondLst>
-                            <p:childTnLst>
-                              <p:par>
-                                <p:cTn id="21" presetID="1" presetClass="entr" presetSubtype="0" fill="hold" grpId="0" nodeType="clickEffect">
-                                  <p:stCondLst>
-                                    <p:cond delay="0"/>
-                                  </p:stCondLst>
-                                  <p:childTnLst>
-                                    <p:set>
-                                      <p:cBhvr>
-                                        <p:cTn id="22" dur="1" fill="hold">
-                                          <p:stCondLst>
-                                            <p:cond delay="0"/>
-                                          </p:stCondLst>
-                                        </p:cTn>
-                                        <p:tgtEl>
-                                          <p:spTgt spid="109571">
-                                            <p:txEl>
-                                              <p:pRg st="7" end="7"/>
-                                            </p:txEl>
-                                          </p:spTgt>
-                                        </p:tgtEl>
-                                        <p:attrNameLst>
-                                          <p:attrName>style.visibility</p:attrName>
-                                        </p:attrNameLst>
-                                      </p:cBhvr>
-                                      <p:to>
-                                        <p:strVal val="visible"/>
-                                      </p:to>
-                                    </p:set>
-                                  </p:childTnLst>
-                                </p:cTn>
-                              </p:par>
-                            </p:childTnLst>
-                          </p:cTn>
-                        </p:par>
-                      </p:childTnLst>
-                    </p:cTn>
-                  </p:par>
-                </p:childTnLst>
-              </p:cTn>
-              <p:prevCondLst>
-                <p:cond evt="onPrev" delay="0">
-                  <p:tgtEl>
-                    <p:sldTgt/>
-                  </p:tgtEl>
-                </p:cond>
-              </p:prevCondLst>
-              <p:nextCondLst>
-                <p:cond evt="onNext" delay="0">
-                  <p:tgtEl>
-                    <p:sldTgt/>
-                  </p:tgtEl>
-                </p:cond>
-              </p:nextCondLst>
-            </p:seq>
-          </p:childTnLst>
-        </p:cTn>
-      </p:par>
-    </p:tnLst>
-    <p:bldLst>
-      <p:bldP spid="109571" grpId="0" build="p"/>
-    </p:bldLst>
-  </p:timing>
-</p:sld>
-</file>
-
-<file path=ppt/slides/slide11.xml><?xml version="1.0" encoding="utf-8"?>
-<p:sld xmlns:a="http://schemas.openxmlformats.org/drawingml/2006/main" xmlns:r="http://schemas.openxmlformats.org/officeDocument/2006/relationships" xmlns:p="http://schemas.openxmlformats.org/presentationml/2006/main" showMasterPhAnim="0">
-  <p:cSld>
-    <p:spTree>
-      <p:nvGrpSpPr>
-        <p:cNvPr id="1" name=""/>
-        <p:cNvGrpSpPr/>
-        <p:nvPr/>
-      </p:nvGrpSpPr>
-      <p:grpSpPr>
-        <a:xfrm>
-          <a:off x="0" y="0"/>
-          <a:ext cx="0" cy="0"/>
-          <a:chOff x="0" y="0"/>
-          <a:chExt cx="0" cy="0"/>
-        </a:xfrm>
-      </p:grpSpPr>
-      <p:sp>
-        <p:nvSpPr>
-          <p:cNvPr id="116738" name="Rectangle 2"/>
-          <p:cNvSpPr>
-            <a:spLocks noGrp="1" noChangeArrowheads="1"/>
-          </p:cNvSpPr>
-          <p:nvPr>
-            <p:ph type="title"/>
-          </p:nvPr>
-        </p:nvSpPr>
-        <p:spPr>
-          <a:xfrm>
-            <a:off x="1981200" y="-76200"/>
-            <a:ext cx="8305800" cy="1143000"/>
-          </a:xfrm>
-        </p:spPr>
-        <p:txBody>
-          <a:bodyPr/>
-          <a:lstStyle/>
-          <a:p>
-            <a:r>
-              <a:rPr lang="en-US" dirty="0"/>
-              <a:t>Explicit Continuations</a:t>
-            </a:r>
-          </a:p>
-        </p:txBody>
-      </p:sp>
-      <p:sp>
-        <p:nvSpPr>
-          <p:cNvPr id="116739" name="Rectangle 3"/>
-          <p:cNvSpPr>
-            <a:spLocks noGrp="1" noChangeArrowheads="1"/>
-          </p:cNvSpPr>
-          <p:nvPr>
-            <p:ph type="body" idx="1"/>
-          </p:nvPr>
-        </p:nvSpPr>
-        <p:spPr>
-          <a:xfrm>
-            <a:off x="228600" y="1219200"/>
-            <a:ext cx="10363200" cy="3581400"/>
-          </a:xfrm>
-        </p:spPr>
-        <p:txBody>
-          <a:bodyPr/>
-          <a:lstStyle/>
-          <a:p>
-            <a:r>
-              <a:rPr lang="en-US" sz="2800" dirty="0"/>
-              <a:t>In "normal language" interpreters,  continuations are represented by stack frames.</a:t>
-            </a:r>
-          </a:p>
-          <a:p>
-            <a:r>
-              <a:rPr lang="en-US" sz="2800" dirty="0"/>
-              <a:t>But we may (for various reasons) want to do "</a:t>
-            </a:r>
-            <a:r>
-              <a:rPr lang="en-US" sz="2800" dirty="0" err="1"/>
-              <a:t>stackless</a:t>
-            </a:r>
-            <a:r>
-              <a:rPr lang="en-US" sz="2800" dirty="0"/>
-              <a:t>" programming.</a:t>
-            </a:r>
-          </a:p>
-          <a:p>
-            <a:r>
-              <a:rPr lang="en-US" sz="2800" dirty="0"/>
-              <a:t>We </a:t>
-            </a:r>
-            <a:r>
-              <a:rPr lang="en-US" sz="2800" dirty="0">
-                <a:solidFill>
-                  <a:srgbClr val="CC0099"/>
-                </a:solidFill>
-              </a:rPr>
-              <a:t>pass</a:t>
-            </a:r>
-            <a:r>
-              <a:rPr lang="en-US" sz="2800" dirty="0"/>
-              <a:t> an explicit </a:t>
-            </a:r>
-            <a:r>
-              <a:rPr lang="en-US" sz="2800" dirty="0">
-                <a:solidFill>
-                  <a:srgbClr val="CC0099"/>
-                </a:solidFill>
-              </a:rPr>
-              <a:t>continuation </a:t>
-            </a:r>
-            <a:r>
-              <a:rPr lang="en-US" sz="2800" dirty="0"/>
-              <a:t>to each procedure call, in order to keep the code in tail-form.</a:t>
-            </a:r>
-          </a:p>
-          <a:p>
-            <a:r>
-              <a:rPr lang="en-US" sz="2800" dirty="0"/>
-              <a:t>Thus it is </a:t>
-            </a:r>
-            <a:r>
-              <a:rPr lang="en-US" sz="2800" dirty="0">
-                <a:solidFill>
-                  <a:srgbClr val="CC0099"/>
-                </a:solidFill>
-              </a:rPr>
-              <a:t>continuation-passing</a:t>
-            </a:r>
-            <a:r>
-              <a:rPr lang="en-US" sz="2800" dirty="0"/>
-              <a:t> style (CPS)</a:t>
-            </a:r>
-          </a:p>
-        </p:txBody>
-      </p:sp>
-    </p:spTree>
-    <p:extLst>
-      <p:ext uri="{BB962C8B-B14F-4D97-AF65-F5344CB8AC3E}">
-        <p14:creationId xmlns:p14="http://schemas.microsoft.com/office/powerpoint/2010/main" val="3352355528"/>
-      </p:ext>
-    </p:extLst>
-  </p:cSld>
-  <p:clrMapOvr>
-    <a:masterClrMapping/>
-  </p:clrMapOvr>
-  <p:timing>
-    <p:tnLst>
-      <p:par>
-        <p:cTn id="1" dur="indefinite" restart="never" nodeType="tmRoot">
-          <p:childTnLst>
-            <p:seq concurrent="1" nextAc="seek">
-              <p:cTn id="2" dur="indefinite" nodeType="mainSeq">
-                <p:childTnLst>
-                  <p:par>
-                    <p:cTn id="3" fill="hold">
-                      <p:stCondLst>
-                        <p:cond delay="indefinite"/>
-                        <p:cond evt="onBegin" delay="0">
-                          <p:tn val="2"/>
-                        </p:cond>
-                      </p:stCondLst>
-                      <p:childTnLst>
-                        <p:par>
-                          <p:cTn id="4" fill="hold">
-                            <p:stCondLst>
-                              <p:cond delay="0"/>
-                            </p:stCondLst>
-                            <p:childTnLst>
-                              <p:par>
-                                <p:cTn id="5" presetID="1" presetClass="entr" presetSubtype="0" fill="hold" grpId="0" nodeType="withEffect">
-                                  <p:stCondLst>
-                                    <p:cond delay="0"/>
-                                  </p:stCondLst>
-                                  <p:childTnLst>
-                                    <p:set>
-                                      <p:cBhvr>
-                                        <p:cTn id="6" dur="1" fill="hold">
-                                          <p:stCondLst>
-                                            <p:cond delay="0"/>
-                                          </p:stCondLst>
-                                        </p:cTn>
-                                        <p:tgtEl>
-                                          <p:spTgt spid="116739">
-                                            <p:txEl>
-                                              <p:pRg st="0" end="0"/>
-                                            </p:txEl>
-                                          </p:spTgt>
-                                        </p:tgtEl>
-                                        <p:attrNameLst>
-                                          <p:attrName>style.visibility</p:attrName>
-                                        </p:attrNameLst>
-                                      </p:cBhvr>
-                                      <p:to>
-                                        <p:strVal val="visible"/>
-                                      </p:to>
-                                    </p:set>
-                                  </p:childTnLst>
-                                </p:cTn>
-                              </p:par>
-                            </p:childTnLst>
-                          </p:cTn>
-                        </p:par>
-                      </p:childTnLst>
-                    </p:cTn>
-                  </p:par>
-                  <p:par>
-                    <p:cTn id="7" fill="hold">
-                      <p:stCondLst>
-                        <p:cond delay="indefinite"/>
-                      </p:stCondLst>
-                      <p:childTnLst>
-                        <p:par>
-                          <p:cTn id="8" fill="hold">
-                            <p:stCondLst>
-                              <p:cond delay="0"/>
-                            </p:stCondLst>
-                            <p:childTnLst>
-                              <p:par>
-                                <p:cTn id="9" presetID="1" presetClass="entr" presetSubtype="0" fill="hold" grpId="0" nodeType="clickEffect">
-                                  <p:stCondLst>
-                                    <p:cond delay="0"/>
-                                  </p:stCondLst>
-                                  <p:childTnLst>
-                                    <p:set>
-                                      <p:cBhvr>
-                                        <p:cTn id="10" dur="1" fill="hold">
-                                          <p:stCondLst>
-                                            <p:cond delay="0"/>
-                                          </p:stCondLst>
-                                        </p:cTn>
-                                        <p:tgtEl>
-                                          <p:spTgt spid="116739">
-                                            <p:txEl>
-                                              <p:pRg st="1" end="1"/>
-                                            </p:txEl>
-                                          </p:spTgt>
-                                        </p:tgtEl>
-                                        <p:attrNameLst>
-                                          <p:attrName>style.visibility</p:attrName>
-                                        </p:attrNameLst>
-                                      </p:cBhvr>
-                                      <p:to>
-                                        <p:strVal val="visible"/>
-                                      </p:to>
-                                    </p:set>
-                                  </p:childTnLst>
-                                </p:cTn>
-                              </p:par>
-                            </p:childTnLst>
-                          </p:cTn>
-                        </p:par>
-                      </p:childTnLst>
-                    </p:cTn>
-                  </p:par>
-                  <p:par>
-                    <p:cTn id="11" fill="hold">
-                      <p:stCondLst>
-                        <p:cond delay="indefinite"/>
-                      </p:stCondLst>
-                      <p:childTnLst>
-                        <p:par>
-                          <p:cTn id="12" fill="hold">
-                            <p:stCondLst>
-                              <p:cond delay="0"/>
-                            </p:stCondLst>
-                            <p:childTnLst>
-                              <p:par>
-                                <p:cTn id="13" presetID="1" presetClass="entr" presetSubtype="0" fill="hold" grpId="0" nodeType="clickEffect">
-                                  <p:stCondLst>
-                                    <p:cond delay="0"/>
-                                  </p:stCondLst>
-                                  <p:childTnLst>
-                                    <p:set>
-                                      <p:cBhvr>
-                                        <p:cTn id="14" dur="1" fill="hold">
-                                          <p:stCondLst>
-                                            <p:cond delay="0"/>
-                                          </p:stCondLst>
-                                        </p:cTn>
-                                        <p:tgtEl>
-                                          <p:spTgt spid="116739">
-                                            <p:txEl>
-                                              <p:pRg st="2" end="2"/>
-                                            </p:txEl>
-                                          </p:spTgt>
-                                        </p:tgtEl>
-                                        <p:attrNameLst>
-                                          <p:attrName>style.visibility</p:attrName>
-                                        </p:attrNameLst>
-                                      </p:cBhvr>
-                                      <p:to>
-                                        <p:strVal val="visible"/>
-                                      </p:to>
-                                    </p:set>
-                                  </p:childTnLst>
-                                </p:cTn>
-                              </p:par>
-                            </p:childTnLst>
-                          </p:cTn>
-                        </p:par>
-                      </p:childTnLst>
-                    </p:cTn>
-                  </p:par>
-                  <p:par>
-                    <p:cTn id="15" fill="hold">
-                      <p:stCondLst>
-                        <p:cond delay="indefinite"/>
-                      </p:stCondLst>
-                      <p:childTnLst>
-                        <p:par>
-                          <p:cTn id="16" fill="hold">
-                            <p:stCondLst>
-                              <p:cond delay="0"/>
-                            </p:stCondLst>
-                            <p:childTnLst>
-                              <p:par>
-                                <p:cTn id="17" presetID="1" presetClass="entr" presetSubtype="0" fill="hold" grpId="0" nodeType="clickEffect">
-                                  <p:stCondLst>
-                                    <p:cond delay="0"/>
-                                  </p:stCondLst>
-                                  <p:childTnLst>
-                                    <p:set>
-                                      <p:cBhvr>
-                                        <p:cTn id="18" dur="1" fill="hold">
-                                          <p:stCondLst>
-                                            <p:cond delay="0"/>
-                                          </p:stCondLst>
-                                        </p:cTn>
-                                        <p:tgtEl>
-                                          <p:spTgt spid="116739">
-                                            <p:txEl>
-                                              <p:pRg st="3" end="3"/>
-                                            </p:txEl>
-                                          </p:spTgt>
-                                        </p:tgtEl>
-                                        <p:attrNameLst>
-                                          <p:attrName>style.visibility</p:attrName>
-                                        </p:attrNameLst>
-                                      </p:cBhvr>
-                                      <p:to>
-                                        <p:strVal val="visible"/>
-                                      </p:to>
-                                    </p:set>
-                                  </p:childTnLst>
-                                </p:cTn>
-                              </p:par>
-                            </p:childTnLst>
-                          </p:cTn>
-                        </p:par>
-                      </p:childTnLst>
-                    </p:cTn>
-                  </p:par>
-                </p:childTnLst>
-              </p:cTn>
-              <p:prevCondLst>
-                <p:cond evt="onPrev" delay="0">
-                  <p:tgtEl>
-                    <p:sldTgt/>
-                  </p:tgtEl>
-                </p:cond>
-              </p:prevCondLst>
-              <p:nextCondLst>
-                <p:cond evt="onNext" delay="0">
-                  <p:tgtEl>
-                    <p:sldTgt/>
-                  </p:tgtEl>
-                </p:cond>
-              </p:nextCondLst>
-            </p:seq>
-          </p:childTnLst>
-        </p:cTn>
-      </p:par>
-    </p:tnLst>
-    <p:bldLst>
-      <p:bldP spid="116739" grpId="0" build="p"/>
-    </p:bldLst>
-  </p:timing>
-</p:sld>
-</file>
-
-<file path=ppt/slides/slide12.xml><?xml version="1.0" encoding="utf-8"?>
-<p:sld xmlns:a="http://schemas.openxmlformats.org/drawingml/2006/main" xmlns:r="http://schemas.openxmlformats.org/officeDocument/2006/relationships" xmlns:p="http://schemas.openxmlformats.org/presentationml/2006/main">
-  <p:cSld>
-    <p:spTree>
-      <p:nvGrpSpPr>
-        <p:cNvPr id="1" name=""/>
-        <p:cNvGrpSpPr/>
-        <p:nvPr/>
-      </p:nvGrpSpPr>
-      <p:grpSpPr>
-        <a:xfrm>
-          <a:off x="0" y="0"/>
-          <a:ext cx="0" cy="0"/>
-          <a:chOff x="0" y="0"/>
-          <a:chExt cx="0" cy="0"/>
-        </a:xfrm>
-      </p:grpSpPr>
-      <p:sp>
-        <p:nvSpPr>
-          <p:cNvPr id="4" name="Title 3">
-            <a:extLst>
-              <a:ext uri="{FF2B5EF4-FFF2-40B4-BE49-F238E27FC236}">
-                <a16:creationId xmlns:a16="http://schemas.microsoft.com/office/drawing/2014/main" id="{5C1786C3-9775-4C06-A740-F437044A6A1E}"/>
-              </a:ext>
-            </a:extLst>
-          </p:cNvPr>
+          <p:cNvPr id="4" name="Title 3"/>
           <p:cNvSpPr>
             <a:spLocks noGrp="1"/>
           </p:cNvSpPr>
@@ -5112,92 +3760,34 @@
           <a:p>
             <a:r>
               <a:rPr lang="en-US" dirty="0"/>
-              <a:t>Primitive vs. Substantial Procedures</a:t>
+              <a:t>continuations and CPS</a:t>
             </a:r>
           </a:p>
         </p:txBody>
       </p:sp>
       <p:sp>
         <p:nvSpPr>
-          <p:cNvPr id="5" name="Content Placeholder 4">
-            <a:extLst>
-              <a:ext uri="{FF2B5EF4-FFF2-40B4-BE49-F238E27FC236}">
-                <a16:creationId xmlns:a16="http://schemas.microsoft.com/office/drawing/2014/main" id="{0304A7FD-E433-43AB-965E-D7995732A6B5}"/>
-              </a:ext>
-            </a:extLst>
-          </p:cNvPr>
+          <p:cNvPr id="5" name="Text Placeholder 4"/>
           <p:cNvSpPr>
             <a:spLocks noGrp="1"/>
           </p:cNvSpPr>
           <p:nvPr>
-            <p:ph idx="1"/>
+            <p:ph type="body" idx="1"/>
           </p:nvPr>
         </p:nvSpPr>
-        <p:spPr/>
+        <p:spPr>
+          <a:xfrm>
+            <a:off x="3810000" y="1371600"/>
+            <a:ext cx="7772400" cy="1500187"/>
+          </a:xfrm>
+        </p:spPr>
         <p:txBody>
           <a:bodyPr/>
           <a:lstStyle/>
           <a:p>
             <a:r>
-              <a:rPr lang="en-US" sz="2800" dirty="0"/>
-              <a:t>When </a:t>
-            </a:r>
-            <a:r>
-              <a:rPr lang="en-US" sz="2800" dirty="0" err="1"/>
-              <a:t>CPSing</a:t>
-            </a:r>
-            <a:r>
-              <a:rPr lang="en-US" sz="2800" dirty="0"/>
-              <a:t> our code, we divide the set of procedures into two groups:</a:t>
-            </a:r>
-          </a:p>
-          <a:p>
-            <a:pPr lvl="1"/>
-            <a:r>
-              <a:rPr lang="en-US" sz="2400" b="1" dirty="0">
-                <a:solidFill>
-                  <a:srgbClr val="C00000"/>
-                </a:solidFill>
-              </a:rPr>
-              <a:t>Primitive</a:t>
-            </a:r>
-            <a:r>
-              <a:rPr lang="en-US" sz="2400" dirty="0"/>
-              <a:t> procedures can be called without a continuation argument.</a:t>
-            </a:r>
-            <a:br>
-              <a:rPr lang="en-US" sz="2400" dirty="0"/>
-            </a:br>
-            <a:r>
-              <a:rPr lang="en-US" sz="2400" dirty="0"/>
-              <a:t>This is a superset of what we call “primitive” procedures in our interpreter discussions.</a:t>
-            </a:r>
-          </a:p>
-          <a:p>
-            <a:pPr lvl="1"/>
-            <a:r>
-              <a:rPr lang="en-US" sz="2400" b="1" dirty="0">
-                <a:solidFill>
-                  <a:srgbClr val="C00000"/>
-                </a:solidFill>
-              </a:rPr>
-              <a:t>Substantial</a:t>
-            </a:r>
-            <a:r>
-              <a:rPr lang="en-US" sz="2400" dirty="0"/>
-              <a:t> procedures (I made up this name) expect a continuation argument.</a:t>
-            </a:r>
-          </a:p>
-          <a:p>
-            <a:r>
-              <a:rPr lang="en-US" sz="2800" dirty="0"/>
-              <a:t>By default, built-in procedures and non-recursive procedures will be considered primitive; recursive procedures are substantial.</a:t>
-            </a:r>
-          </a:p>
-          <a:p>
-            <a:r>
-              <a:rPr lang="en-US" sz="2800" dirty="0"/>
-              <a:t>Sometimes it will be useful to write a substantial version of a procedure that would normally be primitive.</a:t>
+              <a:rPr lang="en-US" sz="3200" dirty="0"/>
+              <a:t>For many students, this section is a significant step up in difficulty from anything that we have done previously in this course.</a:t>
             </a:r>
           </a:p>
         </p:txBody>
@@ -5205,7 +3795,7 @@
     </p:spTree>
     <p:extLst>
       <p:ext uri="{BB962C8B-B14F-4D97-AF65-F5344CB8AC3E}">
-        <p14:creationId xmlns:p14="http://schemas.microsoft.com/office/powerpoint/2010/main" val="691614542"/>
+        <p14:creationId xmlns:p14="http://schemas.microsoft.com/office/powerpoint/2010/main" val="782975094"/>
       </p:ext>
     </p:extLst>
   </p:cSld>
@@ -5215,7 +3805,7 @@
 </p:sld>
 </file>
 
-<file path=ppt/slides/slide13.xml><?xml version="1.0" encoding="utf-8"?>
+<file path=ppt/slides/slide10.xml><?xml version="1.0" encoding="utf-8"?>
 <p:sld xmlns:a="http://schemas.openxmlformats.org/drawingml/2006/main" xmlns:r="http://schemas.openxmlformats.org/officeDocument/2006/relationships" xmlns:p="http://schemas.openxmlformats.org/presentationml/2006/main">
   <p:cSld>
     <p:spTree>
@@ -5310,7 +3900,7 @@
 </p:sld>
 </file>
 
-<file path=ppt/slides/slide14.xml><?xml version="1.0" encoding="utf-8"?>
+<file path=ppt/slides/slide11.xml><?xml version="1.0" encoding="utf-8"?>
 <p:sld xmlns:a="http://schemas.openxmlformats.org/drawingml/2006/main" xmlns:r="http://schemas.openxmlformats.org/officeDocument/2006/relationships" xmlns:p="http://schemas.openxmlformats.org/presentationml/2006/main" showMasterPhAnim="0">
   <p:cSld>
     <p:spTree>
@@ -5942,7 +4532,7 @@
 </p:sld>
 </file>
 
-<file path=ppt/slides/slide15.xml><?xml version="1.0" encoding="utf-8"?>
+<file path=ppt/slides/slide12.xml><?xml version="1.0" encoding="utf-8"?>
 <p:sld xmlns:a="http://schemas.openxmlformats.org/drawingml/2006/main" xmlns:r="http://schemas.openxmlformats.org/officeDocument/2006/relationships" xmlns:p="http://schemas.openxmlformats.org/presentationml/2006/main" showMasterPhAnim="0">
   <p:cSld>
     <p:spTree>
@@ -6427,7 +5017,7 @@
 </p:sld>
 </file>
 
-<file path=ppt/slides/slide16.xml><?xml version="1.0" encoding="utf-8"?>
+<file path=ppt/slides/slide13.xml><?xml version="1.0" encoding="utf-8"?>
 <p:sld xmlns:a="http://schemas.openxmlformats.org/drawingml/2006/main" xmlns:r="http://schemas.openxmlformats.org/officeDocument/2006/relationships" xmlns:p="http://schemas.openxmlformats.org/presentationml/2006/main">
   <p:cSld>
     <p:spTree>
@@ -6615,7 +5205,7 @@
 </p:sld>
 </file>
 
-<file path=ppt/slides/slide17.xml><?xml version="1.0" encoding="utf-8"?>
+<file path=ppt/slides/slide14.xml><?xml version="1.0" encoding="utf-8"?>
 <p:sld xmlns:a="http://schemas.openxmlformats.org/drawingml/2006/main" xmlns:r="http://schemas.openxmlformats.org/officeDocument/2006/relationships" xmlns:p="http://schemas.openxmlformats.org/presentationml/2006/main">
   <p:cSld>
     <p:spTree>
@@ -6741,7 +5331,7 @@
 </p:sld>
 </file>
 
-<file path=ppt/slides/slide18.xml><?xml version="1.0" encoding="utf-8"?>
+<file path=ppt/slides/slide15.xml><?xml version="1.0" encoding="utf-8"?>
 <p:sld xmlns:a="http://schemas.openxmlformats.org/drawingml/2006/main" xmlns:r="http://schemas.openxmlformats.org/officeDocument/2006/relationships" xmlns:p="http://schemas.openxmlformats.org/presentationml/2006/main">
   <p:cSld>
     <p:spTree>
@@ -8068,7 +6658,7 @@
 </p:sld>
 </file>
 
-<file path=ppt/slides/slide19.xml><?xml version="1.0" encoding="utf-8"?>
+<file path=ppt/slides/slide16.xml><?xml version="1.0" encoding="utf-8"?>
 <p:sld xmlns:a="http://schemas.openxmlformats.org/drawingml/2006/main" xmlns:r="http://schemas.openxmlformats.org/officeDocument/2006/relationships" xmlns:p="http://schemas.openxmlformats.org/presentationml/2006/main" showMasterPhAnim="0">
   <p:cSld>
     <p:spTree>
@@ -8482,548 +7072,7 @@
 </p:sld>
 </file>
 
-<file path=ppt/slides/slide2.xml><?xml version="1.0" encoding="utf-8"?>
-<p:sld xmlns:a="http://schemas.openxmlformats.org/drawingml/2006/main" xmlns:r="http://schemas.openxmlformats.org/officeDocument/2006/relationships" xmlns:p="http://schemas.openxmlformats.org/presentationml/2006/main">
-  <p:cSld>
-    <p:spTree>
-      <p:nvGrpSpPr>
-        <p:cNvPr id="1" name=""/>
-        <p:cNvGrpSpPr/>
-        <p:nvPr/>
-      </p:nvGrpSpPr>
-      <p:grpSpPr>
-        <a:xfrm>
-          <a:off x="0" y="0"/>
-          <a:ext cx="0" cy="0"/>
-          <a:chOff x="0" y="0"/>
-          <a:chExt cx="0" cy="0"/>
-        </a:xfrm>
-      </p:grpSpPr>
-      <p:sp>
-        <p:nvSpPr>
-          <p:cNvPr id="61442" name="Rectangle 2"/>
-          <p:cNvSpPr>
-            <a:spLocks noGrp="1" noChangeArrowheads="1"/>
-          </p:cNvSpPr>
-          <p:nvPr>
-            <p:ph type="ctrTitle"/>
-          </p:nvPr>
-        </p:nvSpPr>
-        <p:spPr>
-          <a:xfrm>
-            <a:off x="2590800" y="-762000"/>
-            <a:ext cx="6477000" cy="3505200"/>
-          </a:xfrm>
-        </p:spPr>
-        <p:txBody>
-          <a:bodyPr/>
-          <a:lstStyle/>
-          <a:p>
-            <a:r>
-              <a:rPr lang="en-US" dirty="0"/>
-              <a:t>CSSE 304   Day 21</a:t>
-            </a:r>
-            <a:br>
-              <a:rPr lang="en-US" dirty="0"/>
-            </a:br>
-            <a:endParaRPr lang="en-US" dirty="0"/>
-          </a:p>
-        </p:txBody>
-      </p:sp>
-      <p:sp>
-        <p:nvSpPr>
-          <p:cNvPr id="61443" name="Rectangle 3"/>
-          <p:cNvSpPr>
-            <a:spLocks noGrp="1" noChangeArrowheads="1"/>
-          </p:cNvSpPr>
-          <p:nvPr>
-            <p:ph type="subTitle" idx="1"/>
-          </p:nvPr>
-        </p:nvSpPr>
-        <p:spPr>
-          <a:xfrm>
-            <a:off x="381000" y="1447800"/>
-            <a:ext cx="7924800" cy="3962400"/>
-          </a:xfrm>
-        </p:spPr>
-        <p:txBody>
-          <a:bodyPr/>
-          <a:lstStyle/>
-          <a:p>
-            <a:pPr algn="l">
-              <a:lnSpc>
-                <a:spcPct val="80000"/>
-              </a:lnSpc>
-              <a:spcAft>
-                <a:spcPct val="20000"/>
-              </a:spcAft>
-            </a:pPr>
-            <a:r>
-              <a:rPr lang="en-US" sz="3600" b="1" dirty="0"/>
-              <a:t>Student questions</a:t>
-            </a:r>
-          </a:p>
-          <a:p>
-            <a:pPr algn="l">
-              <a:lnSpc>
-                <a:spcPct val="80000"/>
-              </a:lnSpc>
-              <a:spcAft>
-                <a:spcPct val="20000"/>
-              </a:spcAft>
-            </a:pPr>
-            <a:br>
-              <a:rPr lang="en-US" sz="3600" b="1" dirty="0"/>
-            </a:br>
-            <a:r>
-              <a:rPr lang="en-US" sz="3600" b="1" dirty="0"/>
-              <a:t>Puzzle</a:t>
-            </a:r>
-          </a:p>
-          <a:p>
-            <a:pPr algn="l">
-              <a:lnSpc>
-                <a:spcPct val="80000"/>
-              </a:lnSpc>
-              <a:spcAft>
-                <a:spcPct val="20000"/>
-              </a:spcAft>
-            </a:pPr>
-            <a:r>
-              <a:rPr lang="en-US" sz="3600" b="1" dirty="0"/>
-              <a:t>Continuations</a:t>
-            </a:r>
-            <a:br>
-              <a:rPr lang="en-US" sz="3600" b="1" dirty="0"/>
-            </a:br>
-            <a:br>
-              <a:rPr lang="en-US" sz="3600" b="1" dirty="0"/>
-            </a:br>
-            <a:r>
-              <a:rPr lang="en-US" sz="3600" b="1" dirty="0"/>
-              <a:t>CPS</a:t>
-            </a:r>
-            <a:endParaRPr lang="en-US" sz="3600" dirty="0"/>
-          </a:p>
-          <a:p>
-            <a:pPr algn="l">
-              <a:lnSpc>
-                <a:spcPct val="80000"/>
-              </a:lnSpc>
-            </a:pPr>
-            <a:endParaRPr lang="en-US" sz="2800" dirty="0"/>
-          </a:p>
-        </p:txBody>
-      </p:sp>
-      <p:graphicFrame>
-        <p:nvGraphicFramePr>
-          <p:cNvPr id="2" name="Table 2">
-            <a:extLst>
-              <a:ext uri="{FF2B5EF4-FFF2-40B4-BE49-F238E27FC236}">
-                <a16:creationId xmlns:a16="http://schemas.microsoft.com/office/drawing/2014/main" id="{DF23EECC-EA68-4110-91C9-C6C5EA4381BD}"/>
-              </a:ext>
-            </a:extLst>
-          </p:cNvPr>
-          <p:cNvGraphicFramePr>
-            <a:graphicFrameLocks noGrp="1"/>
-          </p:cNvGraphicFramePr>
-          <p:nvPr>
-            <p:extLst>
-              <p:ext uri="{D42A27DB-BD31-4B8C-83A1-F6EECF244321}">
-                <p14:modId xmlns:p14="http://schemas.microsoft.com/office/powerpoint/2010/main" val="786795058"/>
-              </p:ext>
-            </p:extLst>
-          </p:nvPr>
-        </p:nvGraphicFramePr>
-        <p:xfrm>
-          <a:off x="5257800" y="2133600"/>
-          <a:ext cx="2933700" cy="4602480"/>
-        </p:xfrm>
-        <a:graphic>
-          <a:graphicData uri="http://schemas.openxmlformats.org/drawingml/2006/table">
-            <a:tbl>
-              <a:tblPr firstRow="1" bandRow="1">
-                <a:tableStyleId>{5940675A-B579-460E-94D1-54222C63F5DA}</a:tableStyleId>
-              </a:tblPr>
-              <a:tblGrid>
-                <a:gridCol w="1371600">
-                  <a:extLst>
-                    <a:ext uri="{9D8B030D-6E8A-4147-A177-3AD203B41FA5}">
-                      <a16:colId xmlns:a16="http://schemas.microsoft.com/office/drawing/2014/main" val="370195237"/>
-                    </a:ext>
-                  </a:extLst>
-                </a:gridCol>
-                <a:gridCol w="1562100">
-                  <a:extLst>
-                    <a:ext uri="{9D8B030D-6E8A-4147-A177-3AD203B41FA5}">
-                      <a16:colId xmlns:a16="http://schemas.microsoft.com/office/drawing/2014/main" val="3158484159"/>
-                    </a:ext>
-                  </a:extLst>
-                </a:gridCol>
-              </a:tblGrid>
-              <a:tr h="370840">
-                <a:tc>
-                  <a:txBody>
-                    <a:bodyPr/>
-                    <a:lstStyle/>
-                    <a:p>
-                      <a:pPr algn="ctr"/>
-                      <a:r>
-                        <a:rPr lang="en-US" sz="2400" b="1" dirty="0"/>
-                        <a:t>Midterm</a:t>
-                      </a:r>
-                    </a:p>
-                  </a:txBody>
-                  <a:tcPr/>
-                </a:tc>
-                <a:tc>
-                  <a:txBody>
-                    <a:bodyPr/>
-                    <a:lstStyle/>
-                    <a:p>
-                      <a:pPr algn="ctr"/>
-                      <a:r>
-                        <a:rPr lang="en-US" sz="2400" b="1" dirty="0"/>
-                        <a:t>Students</a:t>
-                      </a:r>
-                    </a:p>
-                  </a:txBody>
-                  <a:tcPr/>
-                </a:tc>
-                <a:extLst>
-                  <a:ext uri="{0D108BD9-81ED-4DB2-BD59-A6C34878D82A}">
-                    <a16:rowId xmlns:a16="http://schemas.microsoft.com/office/drawing/2014/main" val="3572216246"/>
-                  </a:ext>
-                </a:extLst>
-              </a:tr>
-              <a:tr h="370840">
-                <a:tc>
-                  <a:txBody>
-                    <a:bodyPr/>
-                    <a:lstStyle/>
-                    <a:p>
-                      <a:pPr algn="ctr"/>
-                      <a:r>
-                        <a:rPr lang="en-US" sz="2800" dirty="0"/>
-                        <a:t>A</a:t>
-                      </a:r>
-                    </a:p>
-                  </a:txBody>
-                  <a:tcPr/>
-                </a:tc>
-                <a:tc>
-                  <a:txBody>
-                    <a:bodyPr/>
-                    <a:lstStyle/>
-                    <a:p>
-                      <a:pPr algn="ctr"/>
-                      <a:r>
-                        <a:rPr lang="en-US" sz="2800" dirty="0"/>
-                        <a:t>34</a:t>
-                      </a:r>
-                    </a:p>
-                  </a:txBody>
-                  <a:tcPr/>
-                </a:tc>
-                <a:extLst>
-                  <a:ext uri="{0D108BD9-81ED-4DB2-BD59-A6C34878D82A}">
-                    <a16:rowId xmlns:a16="http://schemas.microsoft.com/office/drawing/2014/main" val="4145895695"/>
-                  </a:ext>
-                </a:extLst>
-              </a:tr>
-              <a:tr h="370840">
-                <a:tc>
-                  <a:txBody>
-                    <a:bodyPr/>
-                    <a:lstStyle/>
-                    <a:p>
-                      <a:pPr algn="ctr"/>
-                      <a:r>
-                        <a:rPr lang="en-US" sz="2800" dirty="0"/>
-                        <a:t>B+</a:t>
-                      </a:r>
-                    </a:p>
-                  </a:txBody>
-                  <a:tcPr/>
-                </a:tc>
-                <a:tc>
-                  <a:txBody>
-                    <a:bodyPr/>
-                    <a:lstStyle/>
-                    <a:p>
-                      <a:pPr algn="ctr"/>
-                      <a:r>
-                        <a:rPr lang="en-US" sz="2800" dirty="0"/>
-                        <a:t>8</a:t>
-                      </a:r>
-                    </a:p>
-                  </a:txBody>
-                  <a:tcPr/>
-                </a:tc>
-                <a:extLst>
-                  <a:ext uri="{0D108BD9-81ED-4DB2-BD59-A6C34878D82A}">
-                    <a16:rowId xmlns:a16="http://schemas.microsoft.com/office/drawing/2014/main" val="1702852766"/>
-                  </a:ext>
-                </a:extLst>
-              </a:tr>
-              <a:tr h="370840">
-                <a:tc>
-                  <a:txBody>
-                    <a:bodyPr/>
-                    <a:lstStyle/>
-                    <a:p>
-                      <a:pPr algn="ctr"/>
-                      <a:r>
-                        <a:rPr lang="en-US" sz="2800" dirty="0"/>
-                        <a:t>B</a:t>
-                      </a:r>
-                    </a:p>
-                  </a:txBody>
-                  <a:tcPr/>
-                </a:tc>
-                <a:tc>
-                  <a:txBody>
-                    <a:bodyPr/>
-                    <a:lstStyle/>
-                    <a:p>
-                      <a:pPr algn="ctr"/>
-                      <a:r>
-                        <a:rPr lang="en-US" sz="2800" dirty="0"/>
-                        <a:t>6</a:t>
-                      </a:r>
-                    </a:p>
-                  </a:txBody>
-                  <a:tcPr/>
-                </a:tc>
-                <a:extLst>
-                  <a:ext uri="{0D108BD9-81ED-4DB2-BD59-A6C34878D82A}">
-                    <a16:rowId xmlns:a16="http://schemas.microsoft.com/office/drawing/2014/main" val="2721641557"/>
-                  </a:ext>
-                </a:extLst>
-              </a:tr>
-              <a:tr h="370840">
-                <a:tc>
-                  <a:txBody>
-                    <a:bodyPr/>
-                    <a:lstStyle/>
-                    <a:p>
-                      <a:pPr algn="ctr"/>
-                      <a:r>
-                        <a:rPr lang="en-US" sz="2800" dirty="0"/>
-                        <a:t>C+</a:t>
-                      </a:r>
-                    </a:p>
-                  </a:txBody>
-                  <a:tcPr/>
-                </a:tc>
-                <a:tc>
-                  <a:txBody>
-                    <a:bodyPr/>
-                    <a:lstStyle/>
-                    <a:p>
-                      <a:pPr algn="ctr"/>
-                      <a:r>
-                        <a:rPr lang="en-US" sz="2800" dirty="0"/>
-                        <a:t>3</a:t>
-                      </a:r>
-                    </a:p>
-                  </a:txBody>
-                  <a:tcPr/>
-                </a:tc>
-                <a:extLst>
-                  <a:ext uri="{0D108BD9-81ED-4DB2-BD59-A6C34878D82A}">
-                    <a16:rowId xmlns:a16="http://schemas.microsoft.com/office/drawing/2014/main" val="1938131204"/>
-                  </a:ext>
-                </a:extLst>
-              </a:tr>
-              <a:tr h="370840">
-                <a:tc>
-                  <a:txBody>
-                    <a:bodyPr/>
-                    <a:lstStyle/>
-                    <a:p>
-                      <a:pPr algn="ctr"/>
-                      <a:r>
-                        <a:rPr lang="en-US" sz="2800" dirty="0"/>
-                        <a:t>C</a:t>
-                      </a:r>
-                    </a:p>
-                  </a:txBody>
-                  <a:tcPr/>
-                </a:tc>
-                <a:tc>
-                  <a:txBody>
-                    <a:bodyPr/>
-                    <a:lstStyle/>
-                    <a:p>
-                      <a:pPr algn="ctr"/>
-                      <a:r>
-                        <a:rPr lang="en-US" sz="2800" dirty="0"/>
-                        <a:t>0</a:t>
-                      </a:r>
-                    </a:p>
-                  </a:txBody>
-                  <a:tcPr/>
-                </a:tc>
-                <a:extLst>
-                  <a:ext uri="{0D108BD9-81ED-4DB2-BD59-A6C34878D82A}">
-                    <a16:rowId xmlns:a16="http://schemas.microsoft.com/office/drawing/2014/main" val="2732213085"/>
-                  </a:ext>
-                </a:extLst>
-              </a:tr>
-              <a:tr h="370840">
-                <a:tc>
-                  <a:txBody>
-                    <a:bodyPr/>
-                    <a:lstStyle/>
-                    <a:p>
-                      <a:pPr algn="ctr"/>
-                      <a:r>
-                        <a:rPr lang="en-US" sz="2800" dirty="0"/>
-                        <a:t>D+</a:t>
-                      </a:r>
-                    </a:p>
-                  </a:txBody>
-                  <a:tcPr/>
-                </a:tc>
-                <a:tc>
-                  <a:txBody>
-                    <a:bodyPr/>
-                    <a:lstStyle/>
-                    <a:p>
-                      <a:pPr algn="ctr"/>
-                      <a:r>
-                        <a:rPr lang="en-US" sz="2800" dirty="0"/>
-                        <a:t>3</a:t>
-                      </a:r>
-                    </a:p>
-                  </a:txBody>
-                  <a:tcPr/>
-                </a:tc>
-                <a:extLst>
-                  <a:ext uri="{0D108BD9-81ED-4DB2-BD59-A6C34878D82A}">
-                    <a16:rowId xmlns:a16="http://schemas.microsoft.com/office/drawing/2014/main" val="646212305"/>
-                  </a:ext>
-                </a:extLst>
-              </a:tr>
-              <a:tr h="370840">
-                <a:tc>
-                  <a:txBody>
-                    <a:bodyPr/>
-                    <a:lstStyle/>
-                    <a:p>
-                      <a:pPr algn="ctr"/>
-                      <a:r>
-                        <a:rPr lang="en-US" sz="2800" dirty="0"/>
-                        <a:t>D</a:t>
-                      </a:r>
-                    </a:p>
-                  </a:txBody>
-                  <a:tcPr/>
-                </a:tc>
-                <a:tc>
-                  <a:txBody>
-                    <a:bodyPr/>
-                    <a:lstStyle/>
-                    <a:p>
-                      <a:pPr algn="ctr"/>
-                      <a:r>
-                        <a:rPr lang="en-US" sz="2800" dirty="0"/>
-                        <a:t>2</a:t>
-                      </a:r>
-                    </a:p>
-                  </a:txBody>
-                  <a:tcPr/>
-                </a:tc>
-                <a:extLst>
-                  <a:ext uri="{0D108BD9-81ED-4DB2-BD59-A6C34878D82A}">
-                    <a16:rowId xmlns:a16="http://schemas.microsoft.com/office/drawing/2014/main" val="3409066233"/>
-                  </a:ext>
-                </a:extLst>
-              </a:tr>
-              <a:tr h="370840">
-                <a:tc>
-                  <a:txBody>
-                    <a:bodyPr/>
-                    <a:lstStyle/>
-                    <a:p>
-                      <a:pPr algn="ctr"/>
-                      <a:r>
-                        <a:rPr lang="en-US" sz="2800" dirty="0"/>
-                        <a:t>F</a:t>
-                      </a:r>
-                    </a:p>
-                  </a:txBody>
-                  <a:tcPr/>
-                </a:tc>
-                <a:tc>
-                  <a:txBody>
-                    <a:bodyPr/>
-                    <a:lstStyle/>
-                    <a:p>
-                      <a:pPr algn="ctr"/>
-                      <a:r>
-                        <a:rPr lang="en-US" sz="2800" dirty="0"/>
-                        <a:t>2</a:t>
-                      </a:r>
-                    </a:p>
-                  </a:txBody>
-                  <a:tcPr/>
-                </a:tc>
-                <a:extLst>
-                  <a:ext uri="{0D108BD9-81ED-4DB2-BD59-A6C34878D82A}">
-                    <a16:rowId xmlns:a16="http://schemas.microsoft.com/office/drawing/2014/main" val="3489929776"/>
-                  </a:ext>
-                </a:extLst>
-              </a:tr>
-            </a:tbl>
-          </a:graphicData>
-        </a:graphic>
-      </p:graphicFrame>
-      <p:sp>
-        <p:nvSpPr>
-          <p:cNvPr id="3" name="TextBox 2">
-            <a:extLst>
-              <a:ext uri="{FF2B5EF4-FFF2-40B4-BE49-F238E27FC236}">
-                <a16:creationId xmlns:a16="http://schemas.microsoft.com/office/drawing/2014/main" id="{4BF4B9B5-7EA0-4CA4-BAD4-5289DE160283}"/>
-              </a:ext>
-            </a:extLst>
-          </p:cNvPr>
-          <p:cNvSpPr txBox="1"/>
-          <p:nvPr/>
-        </p:nvSpPr>
-        <p:spPr>
-          <a:xfrm>
-            <a:off x="8991600" y="3276600"/>
-            <a:ext cx="3124200" cy="3046988"/>
-          </a:xfrm>
-          <a:prstGeom prst="rect">
-            <a:avLst/>
-          </a:prstGeom>
-          <a:noFill/>
-        </p:spPr>
-        <p:txBody>
-          <a:bodyPr wrap="square" rtlCol="0">
-            <a:spAutoFit/>
-          </a:bodyPr>
-          <a:lstStyle/>
-          <a:p>
-            <a:r>
-              <a:rPr lang="en-US" sz="2400" dirty="0"/>
-              <a:t>There are two more students who decided to drop the course but have not gotten around to doing it yet. They are not included in the table.</a:t>
-            </a:r>
-          </a:p>
-        </p:txBody>
-      </p:sp>
-    </p:spTree>
-  </p:cSld>
-  <p:clrMapOvr>
-    <a:masterClrMapping/>
-  </p:clrMapOvr>
-</p:sld>
-</file>
-
-<file path=ppt/slides/slide20.xml><?xml version="1.0" encoding="utf-8"?>
+<file path=ppt/slides/slide17.xml><?xml version="1.0" encoding="utf-8"?>
 <p:sld xmlns:a="http://schemas.openxmlformats.org/drawingml/2006/main" xmlns:r="http://schemas.openxmlformats.org/officeDocument/2006/relationships" xmlns:p="http://schemas.openxmlformats.org/presentationml/2006/main">
   <p:cSld>
     <p:spTree>
@@ -9163,7 +7212,7 @@
 </p:sld>
 </file>
 
-<file path=ppt/slides/slide21.xml><?xml version="1.0" encoding="utf-8"?>
+<file path=ppt/slides/slide18.xml><?xml version="1.0" encoding="utf-8"?>
 <p:sld xmlns:a="http://schemas.openxmlformats.org/drawingml/2006/main" xmlns:r="http://schemas.openxmlformats.org/officeDocument/2006/relationships" xmlns:p="http://schemas.openxmlformats.org/presentationml/2006/main">
   <p:cSld>
     <p:spTree>
@@ -9589,7 +7638,7 @@
 </p:sld>
 </file>
 
-<file path=ppt/slides/slide22.xml><?xml version="1.0" encoding="utf-8"?>
+<file path=ppt/slides/slide19.xml><?xml version="1.0" encoding="utf-8"?>
 <p:sld xmlns:a="http://schemas.openxmlformats.org/drawingml/2006/main" xmlns:r="http://schemas.openxmlformats.org/officeDocument/2006/relationships" xmlns:p="http://schemas.openxmlformats.org/presentationml/2006/main">
   <p:cSld>
     <p:spTree>
@@ -9690,213 +7739,7 @@
 </p:sld>
 </file>
 
-<file path=ppt/slides/slide3.xml><?xml version="1.0" encoding="utf-8"?>
-<p:sld xmlns:a="http://schemas.openxmlformats.org/drawingml/2006/main" xmlns:r="http://schemas.openxmlformats.org/officeDocument/2006/relationships" xmlns:p="http://schemas.openxmlformats.org/presentationml/2006/main">
-  <p:cSld>
-    <p:spTree>
-      <p:nvGrpSpPr>
-        <p:cNvPr id="1" name=""/>
-        <p:cNvGrpSpPr/>
-        <p:nvPr/>
-      </p:nvGrpSpPr>
-      <p:grpSpPr>
-        <a:xfrm>
-          <a:off x="0" y="0"/>
-          <a:ext cx="0" cy="0"/>
-          <a:chOff x="0" y="0"/>
-          <a:chExt cx="0" cy="0"/>
-        </a:xfrm>
-      </p:grpSpPr>
-      <p:sp>
-        <p:nvSpPr>
-          <p:cNvPr id="2" name="Title 1">
-            <a:extLst>
-              <a:ext uri="{FF2B5EF4-FFF2-40B4-BE49-F238E27FC236}">
-                <a16:creationId xmlns:a16="http://schemas.microsoft.com/office/drawing/2014/main" id="{EDBD568B-21AB-49E5-9A8D-0C3A56DDAD72}"/>
-              </a:ext>
-            </a:extLst>
-          </p:cNvPr>
-          <p:cNvSpPr>
-            <a:spLocks noGrp="1"/>
-          </p:cNvSpPr>
-          <p:nvPr>
-            <p:ph type="title"/>
-          </p:nvPr>
-        </p:nvSpPr>
-        <p:spPr/>
-        <p:txBody>
-          <a:bodyPr/>
-          <a:lstStyle/>
-          <a:p>
-            <a:r>
-              <a:rPr lang="en-US" dirty="0"/>
-              <a:t>Puzzle (3 minutes in a breakout room)</a:t>
-            </a:r>
-          </a:p>
-        </p:txBody>
-      </p:sp>
-      <p:sp>
-        <p:nvSpPr>
-          <p:cNvPr id="3" name="Content Placeholder 2">
-            <a:extLst>
-              <a:ext uri="{FF2B5EF4-FFF2-40B4-BE49-F238E27FC236}">
-                <a16:creationId xmlns:a16="http://schemas.microsoft.com/office/drawing/2014/main" id="{93637435-78B0-4FAF-9435-CE228E611242}"/>
-              </a:ext>
-            </a:extLst>
-          </p:cNvPr>
-          <p:cNvSpPr>
-            <a:spLocks noGrp="1"/>
-          </p:cNvSpPr>
-          <p:nvPr>
-            <p:ph idx="1"/>
-          </p:nvPr>
-        </p:nvSpPr>
-        <p:spPr>
-          <a:xfrm>
-            <a:off x="-76200" y="2133600"/>
-            <a:ext cx="12039600" cy="5410200"/>
-          </a:xfrm>
-        </p:spPr>
-        <p:txBody>
-          <a:bodyPr/>
-          <a:lstStyle/>
-          <a:p>
-            <a:pPr marL="0" indent="0">
-              <a:buNone/>
-            </a:pPr>
-            <a:r>
-              <a:rPr lang="en-US" b="1" dirty="0">
-                <a:solidFill>
-                  <a:srgbClr val="FF0000"/>
-                </a:solidFill>
-                <a:latin typeface="Courier New" panose="02070309020205020404" pitchFamily="49" charset="0"/>
-                <a:cs typeface="Courier New" panose="02070309020205020404" pitchFamily="49" charset="0"/>
-              </a:rPr>
-              <a:t>(define mystery (lambda ′x ′x))</a:t>
-            </a:r>
-          </a:p>
-          <a:p>
-            <a:r>
-              <a:rPr lang="en-US" dirty="0"/>
-              <a:t>Why doesn’t executing this code cause an error?</a:t>
-            </a:r>
-          </a:p>
-          <a:p>
-            <a:r>
-              <a:rPr lang="en-US" dirty="0"/>
-              <a:t>Can you find an argument (or arguments) such that applying mystery to it/them will run and give an answer, not an error?</a:t>
-            </a:r>
-          </a:p>
-          <a:p>
-            <a:r>
-              <a:rPr lang="en-US" dirty="0"/>
-              <a:t>Feel free to use a Scheme interpreter to help you discover the answers.</a:t>
-            </a:r>
-          </a:p>
-          <a:p>
-            <a:r>
-              <a:rPr lang="en-US" dirty="0"/>
-              <a:t>Hint: the reason for the answers combines two familiar Scheme ideas.</a:t>
-            </a:r>
-          </a:p>
-          <a:p>
-            <a:endParaRPr lang="en-US" dirty="0"/>
-          </a:p>
-        </p:txBody>
-      </p:sp>
-    </p:spTree>
-    <p:extLst>
-      <p:ext uri="{BB962C8B-B14F-4D97-AF65-F5344CB8AC3E}">
-        <p14:creationId xmlns:p14="http://schemas.microsoft.com/office/powerpoint/2010/main" val="2818994641"/>
-      </p:ext>
-    </p:extLst>
-  </p:cSld>
-  <p:clrMapOvr>
-    <a:masterClrMapping/>
-  </p:clrMapOvr>
-</p:sld>
-</file>
-
-<file path=ppt/slides/slide4.xml><?xml version="1.0" encoding="utf-8"?>
-<p:sld xmlns:a="http://schemas.openxmlformats.org/drawingml/2006/main" xmlns:r="http://schemas.openxmlformats.org/officeDocument/2006/relationships" xmlns:p="http://schemas.openxmlformats.org/presentationml/2006/main">
-  <p:cSld>
-    <p:spTree>
-      <p:nvGrpSpPr>
-        <p:cNvPr id="1" name=""/>
-        <p:cNvGrpSpPr/>
-        <p:nvPr/>
-      </p:nvGrpSpPr>
-      <p:grpSpPr>
-        <a:xfrm>
-          <a:off x="0" y="0"/>
-          <a:ext cx="0" cy="0"/>
-          <a:chOff x="0" y="0"/>
-          <a:chExt cx="0" cy="0"/>
-        </a:xfrm>
-      </p:grpSpPr>
-      <p:sp>
-        <p:nvSpPr>
-          <p:cNvPr id="4" name="Title 3"/>
-          <p:cNvSpPr>
-            <a:spLocks noGrp="1"/>
-          </p:cNvSpPr>
-          <p:nvPr>
-            <p:ph type="title"/>
-          </p:nvPr>
-        </p:nvSpPr>
-        <p:spPr/>
-        <p:txBody>
-          <a:bodyPr/>
-          <a:lstStyle/>
-          <a:p>
-            <a:r>
-              <a:rPr lang="en-US" dirty="0"/>
-              <a:t>continuations and CPS</a:t>
-            </a:r>
-          </a:p>
-        </p:txBody>
-      </p:sp>
-      <p:sp>
-        <p:nvSpPr>
-          <p:cNvPr id="5" name="Text Placeholder 4"/>
-          <p:cNvSpPr>
-            <a:spLocks noGrp="1"/>
-          </p:cNvSpPr>
-          <p:nvPr>
-            <p:ph type="body" idx="1"/>
-          </p:nvPr>
-        </p:nvSpPr>
-        <p:spPr>
-          <a:xfrm>
-            <a:off x="3810000" y="1371600"/>
-            <a:ext cx="7772400" cy="1500187"/>
-          </a:xfrm>
-        </p:spPr>
-        <p:txBody>
-          <a:bodyPr/>
-          <a:lstStyle/>
-          <a:p>
-            <a:r>
-              <a:rPr lang="en-US" sz="3200" dirty="0"/>
-              <a:t>For many students, this section is a significant step up in difficulty from anything that we have done previously in this course.</a:t>
-            </a:r>
-          </a:p>
-        </p:txBody>
-      </p:sp>
-    </p:spTree>
-    <p:extLst>
-      <p:ext uri="{BB962C8B-B14F-4D97-AF65-F5344CB8AC3E}">
-        <p14:creationId xmlns:p14="http://schemas.microsoft.com/office/powerpoint/2010/main" val="782975094"/>
-      </p:ext>
-    </p:extLst>
-  </p:cSld>
-  <p:clrMapOvr>
-    <a:masterClrMapping/>
-  </p:clrMapOvr>
-</p:sld>
-</file>
-
-<file path=ppt/slides/slide5.xml><?xml version="1.0" encoding="utf-8"?>
+<file path=ppt/slides/slide2.xml><?xml version="1.0" encoding="utf-8"?>
 <p:sld xmlns:a="http://schemas.openxmlformats.org/drawingml/2006/main" xmlns:r="http://schemas.openxmlformats.org/officeDocument/2006/relationships" xmlns:p="http://schemas.openxmlformats.org/presentationml/2006/main" showMasterPhAnim="0">
   <p:cSld>
     <p:spTree>
@@ -10337,7 +8180,7 @@
 </p:sld>
 </file>
 
-<file path=ppt/slides/slide6.xml><?xml version="1.0" encoding="utf-8"?>
+<file path=ppt/slides/slide3.xml><?xml version="1.0" encoding="utf-8"?>
 <p:sld xmlns:a="http://schemas.openxmlformats.org/drawingml/2006/main" xmlns:r="http://schemas.openxmlformats.org/officeDocument/2006/relationships" xmlns:p="http://schemas.openxmlformats.org/presentationml/2006/main" showMasterPhAnim="0">
   <p:cSld>
     <p:spTree>
@@ -10761,7 +8604,7 @@
 </p:sld>
 </file>
 
-<file path=ppt/slides/slide7.xml><?xml version="1.0" encoding="utf-8"?>
+<file path=ppt/slides/slide4.xml><?xml version="1.0" encoding="utf-8"?>
 <p:sld xmlns:a="http://schemas.openxmlformats.org/drawingml/2006/main" xmlns:r="http://schemas.openxmlformats.org/officeDocument/2006/relationships" xmlns:p="http://schemas.openxmlformats.org/presentationml/2006/main" showMasterPhAnim="0">
   <p:cSld>
     <p:spTree>
@@ -11561,7 +9404,7 @@
 </p:sld>
 </file>
 
-<file path=ppt/slides/slide8.xml><?xml version="1.0" encoding="utf-8"?>
+<file path=ppt/slides/slide5.xml><?xml version="1.0" encoding="utf-8"?>
 <p:sld xmlns:a="http://schemas.openxmlformats.org/drawingml/2006/main" xmlns:r="http://schemas.openxmlformats.org/officeDocument/2006/relationships" xmlns:p="http://schemas.openxmlformats.org/presentationml/2006/main">
   <p:cSld>
     <p:spTree>
@@ -11765,7 +9608,7 @@
 </p:sld>
 </file>
 
-<file path=ppt/slides/slide9.xml><?xml version="1.0" encoding="utf-8"?>
+<file path=ppt/slides/slide6.xml><?xml version="1.0" encoding="utf-8"?>
 <p:sld xmlns:a="http://schemas.openxmlformats.org/drawingml/2006/main" xmlns:r="http://schemas.openxmlformats.org/officeDocument/2006/relationships" xmlns:p="http://schemas.openxmlformats.org/presentationml/2006/main">
   <p:cSld>
     <p:spTree>
@@ -11990,6 +9833,1121 @@
     <p:extLst>
       <p:ext uri="{BB962C8B-B14F-4D97-AF65-F5344CB8AC3E}">
         <p14:creationId xmlns:p14="http://schemas.microsoft.com/office/powerpoint/2010/main" val="794553597"/>
+      </p:ext>
+    </p:extLst>
+  </p:cSld>
+  <p:clrMapOvr>
+    <a:masterClrMapping/>
+  </p:clrMapOvr>
+</p:sld>
+</file>
+
+<file path=ppt/slides/slide7.xml><?xml version="1.0" encoding="utf-8"?>
+<p:sld xmlns:a="http://schemas.openxmlformats.org/drawingml/2006/main" xmlns:r="http://schemas.openxmlformats.org/officeDocument/2006/relationships" xmlns:p="http://schemas.openxmlformats.org/presentationml/2006/main">
+  <p:cSld>
+    <p:spTree>
+      <p:nvGrpSpPr>
+        <p:cNvPr id="1" name=""/>
+        <p:cNvGrpSpPr/>
+        <p:nvPr/>
+      </p:nvGrpSpPr>
+      <p:grpSpPr>
+        <a:xfrm>
+          <a:off x="0" y="0"/>
+          <a:ext cx="0" cy="0"/>
+          <a:chOff x="0" y="0"/>
+          <a:chExt cx="0" cy="0"/>
+        </a:xfrm>
+      </p:grpSpPr>
+      <p:sp>
+        <p:nvSpPr>
+          <p:cNvPr id="109570" name="Rectangle 2"/>
+          <p:cNvSpPr>
+            <a:spLocks noGrp="1" noChangeArrowheads="1"/>
+          </p:cNvSpPr>
+          <p:nvPr>
+            <p:ph type="title"/>
+          </p:nvPr>
+        </p:nvSpPr>
+        <p:spPr>
+          <a:xfrm>
+            <a:off x="609600" y="76200"/>
+            <a:ext cx="10972800" cy="1143000"/>
+          </a:xfrm>
+        </p:spPr>
+        <p:txBody>
+          <a:bodyPr/>
+          <a:lstStyle/>
+          <a:p>
+            <a:r>
+              <a:rPr lang="en-US" dirty="0"/>
+              <a:t>A more practical  example</a:t>
+            </a:r>
+          </a:p>
+        </p:txBody>
+      </p:sp>
+      <p:sp>
+        <p:nvSpPr>
+          <p:cNvPr id="109571" name="Rectangle 3"/>
+          <p:cNvSpPr>
+            <a:spLocks noGrp="1" noChangeArrowheads="1"/>
+          </p:cNvSpPr>
+          <p:nvPr>
+            <p:ph type="body" idx="1"/>
+          </p:nvPr>
+        </p:nvSpPr>
+        <p:spPr>
+          <a:xfrm>
+            <a:off x="641252" y="990600"/>
+            <a:ext cx="10941148" cy="5181600"/>
+          </a:xfrm>
+        </p:spPr>
+        <p:txBody>
+          <a:bodyPr/>
+          <a:lstStyle/>
+          <a:p>
+            <a:pPr>
+              <a:lnSpc>
+                <a:spcPct val="90000"/>
+              </a:lnSpc>
+              <a:spcBef>
+                <a:spcPct val="5000"/>
+              </a:spcBef>
+              <a:buFontTx/>
+              <a:buNone/>
+            </a:pPr>
+            <a:r>
+              <a:rPr lang="en-US" b="1" dirty="0">
+                <a:solidFill>
+                  <a:srgbClr val="0033CC"/>
+                </a:solidFill>
+                <a:latin typeface="Courier New" pitchFamily="49" charset="0"/>
+              </a:rPr>
+              <a:t>(define fact</a:t>
+            </a:r>
+          </a:p>
+          <a:p>
+            <a:pPr>
+              <a:lnSpc>
+                <a:spcPct val="90000"/>
+              </a:lnSpc>
+              <a:spcBef>
+                <a:spcPct val="5000"/>
+              </a:spcBef>
+              <a:buFontTx/>
+              <a:buNone/>
+            </a:pPr>
+            <a:r>
+              <a:rPr lang="en-US" b="1" dirty="0">
+                <a:solidFill>
+                  <a:srgbClr val="0033CC"/>
+                </a:solidFill>
+                <a:latin typeface="Courier New" pitchFamily="49" charset="0"/>
+              </a:rPr>
+              <a:t>  (lambda (n)</a:t>
+            </a:r>
+          </a:p>
+          <a:p>
+            <a:pPr>
+              <a:lnSpc>
+                <a:spcPct val="90000"/>
+              </a:lnSpc>
+              <a:spcBef>
+                <a:spcPct val="5000"/>
+              </a:spcBef>
+              <a:buFontTx/>
+              <a:buNone/>
+            </a:pPr>
+            <a:r>
+              <a:rPr lang="en-US" b="1" dirty="0">
+                <a:solidFill>
+                  <a:srgbClr val="0033CC"/>
+                </a:solidFill>
+                <a:latin typeface="Courier New" pitchFamily="49" charset="0"/>
+              </a:rPr>
+              <a:t>    (if (zero? n) </a:t>
+            </a:r>
+          </a:p>
+          <a:p>
+            <a:pPr>
+              <a:lnSpc>
+                <a:spcPct val="90000"/>
+              </a:lnSpc>
+              <a:spcBef>
+                <a:spcPct val="5000"/>
+              </a:spcBef>
+              <a:buFontTx/>
+              <a:buNone/>
+            </a:pPr>
+            <a:r>
+              <a:rPr lang="en-US" b="1" dirty="0">
+                <a:solidFill>
+                  <a:srgbClr val="0033CC"/>
+                </a:solidFill>
+                <a:latin typeface="Courier New" pitchFamily="49" charset="0"/>
+              </a:rPr>
+              <a:t>        1 </a:t>
+            </a:r>
+          </a:p>
+          <a:p>
+            <a:pPr>
+              <a:lnSpc>
+                <a:spcPct val="90000"/>
+              </a:lnSpc>
+              <a:spcBef>
+                <a:spcPct val="5000"/>
+              </a:spcBef>
+              <a:buFontTx/>
+              <a:buNone/>
+            </a:pPr>
+            <a:r>
+              <a:rPr lang="en-US" b="1" dirty="0">
+                <a:solidFill>
+                  <a:srgbClr val="0033CC"/>
+                </a:solidFill>
+                <a:latin typeface="Courier New" pitchFamily="49" charset="0"/>
+              </a:rPr>
+              <a:t>        (* n (fact (- n 1))))))</a:t>
+            </a:r>
+          </a:p>
+          <a:p>
+            <a:pPr>
+              <a:lnSpc>
+                <a:spcPct val="90000"/>
+              </a:lnSpc>
+            </a:pPr>
+            <a:r>
+              <a:rPr lang="en-US" dirty="0"/>
+              <a:t>In the evaluation of </a:t>
+            </a:r>
+            <a:r>
+              <a:rPr lang="en-US" b="1" dirty="0">
+                <a:solidFill>
+                  <a:srgbClr val="CC0099"/>
+                </a:solidFill>
+                <a:latin typeface="Courier New" pitchFamily="49" charset="0"/>
+              </a:rPr>
+              <a:t>(fact 5)</a:t>
+            </a:r>
+            <a:r>
+              <a:rPr lang="en-US" dirty="0"/>
+              <a:t>,</a:t>
+            </a:r>
+            <a:r>
+              <a:rPr lang="en-US" b="1" dirty="0">
+                <a:solidFill>
+                  <a:srgbClr val="7030A0"/>
+                </a:solidFill>
+              </a:rPr>
+              <a:t> </a:t>
+            </a:r>
+            <a:br>
+              <a:rPr lang="en-US" b="1" dirty="0">
+                <a:solidFill>
+                  <a:srgbClr val="7030A0"/>
+                </a:solidFill>
+              </a:rPr>
+            </a:br>
+            <a:r>
+              <a:rPr lang="en-US" dirty="0"/>
+              <a:t>what is the continuation of the call to </a:t>
+            </a:r>
+            <a:r>
+              <a:rPr lang="en-US" b="1" dirty="0">
+                <a:solidFill>
+                  <a:srgbClr val="CC0099"/>
+                </a:solidFill>
+                <a:latin typeface="Courier New" pitchFamily="49" charset="0"/>
+              </a:rPr>
+              <a:t>(fact 2)</a:t>
+            </a:r>
+            <a:r>
+              <a:rPr lang="en-US" dirty="0"/>
+              <a:t>?</a:t>
+            </a:r>
+            <a:br>
+              <a:rPr lang="en-US" dirty="0"/>
+            </a:br>
+            <a:endParaRPr lang="en-US" dirty="0"/>
+          </a:p>
+          <a:p>
+            <a:pPr marL="0" indent="0">
+              <a:lnSpc>
+                <a:spcPct val="90000"/>
+              </a:lnSpc>
+              <a:buNone/>
+            </a:pPr>
+            <a:br>
+              <a:rPr lang="en-US" dirty="0"/>
+            </a:br>
+            <a:endParaRPr lang="en-US" dirty="0"/>
+          </a:p>
+          <a:p>
+            <a:pPr>
+              <a:lnSpc>
+                <a:spcPct val="90000"/>
+              </a:lnSpc>
+            </a:pPr>
+            <a:r>
+              <a:rPr lang="en-US" dirty="0"/>
+              <a:t>We see here that </a:t>
+            </a:r>
+            <a:r>
+              <a:rPr lang="en-US" i="1" dirty="0"/>
+              <a:t>continuation</a:t>
+            </a:r>
+            <a:r>
+              <a:rPr lang="en-US" dirty="0"/>
+              <a:t> is not merely a syntactic notion.</a:t>
+            </a:r>
+          </a:p>
+        </p:txBody>
+      </p:sp>
+    </p:spTree>
+    <p:extLst>
+      <p:ext uri="{BB962C8B-B14F-4D97-AF65-F5344CB8AC3E}">
+        <p14:creationId xmlns:p14="http://schemas.microsoft.com/office/powerpoint/2010/main" val="2116846056"/>
+      </p:ext>
+    </p:extLst>
+  </p:cSld>
+  <p:clrMapOvr>
+    <a:masterClrMapping/>
+  </p:clrMapOvr>
+  <p:timing>
+    <p:tnLst>
+      <p:par>
+        <p:cTn id="1" dur="indefinite" restart="never" nodeType="tmRoot">
+          <p:childTnLst>
+            <p:seq concurrent="1" nextAc="seek">
+              <p:cTn id="2" dur="indefinite" nodeType="mainSeq">
+                <p:childTnLst>
+                  <p:par>
+                    <p:cTn id="3" fill="hold">
+                      <p:stCondLst>
+                        <p:cond delay="indefinite"/>
+                        <p:cond evt="onBegin" delay="0">
+                          <p:tn val="2"/>
+                        </p:cond>
+                      </p:stCondLst>
+                      <p:childTnLst>
+                        <p:par>
+                          <p:cTn id="4" fill="hold">
+                            <p:stCondLst>
+                              <p:cond delay="0"/>
+                            </p:stCondLst>
+                            <p:childTnLst>
+                              <p:par>
+                                <p:cTn id="5" presetID="1" presetClass="entr" presetSubtype="0" fill="hold" grpId="0" nodeType="withEffect">
+                                  <p:stCondLst>
+                                    <p:cond delay="0"/>
+                                  </p:stCondLst>
+                                  <p:childTnLst>
+                                    <p:set>
+                                      <p:cBhvr>
+                                        <p:cTn id="6" dur="1" fill="hold">
+                                          <p:stCondLst>
+                                            <p:cond delay="0"/>
+                                          </p:stCondLst>
+                                        </p:cTn>
+                                        <p:tgtEl>
+                                          <p:spTgt spid="109571">
+                                            <p:txEl>
+                                              <p:pRg st="0" end="0"/>
+                                            </p:txEl>
+                                          </p:spTgt>
+                                        </p:tgtEl>
+                                        <p:attrNameLst>
+                                          <p:attrName>style.visibility</p:attrName>
+                                        </p:attrNameLst>
+                                      </p:cBhvr>
+                                      <p:to>
+                                        <p:strVal val="visible"/>
+                                      </p:to>
+                                    </p:set>
+                                  </p:childTnLst>
+                                </p:cTn>
+                              </p:par>
+                              <p:par>
+                                <p:cTn id="7" presetID="1" presetClass="entr" presetSubtype="0" fill="hold" grpId="0" nodeType="withEffect">
+                                  <p:stCondLst>
+                                    <p:cond delay="0"/>
+                                  </p:stCondLst>
+                                  <p:childTnLst>
+                                    <p:set>
+                                      <p:cBhvr>
+                                        <p:cTn id="8" dur="1" fill="hold">
+                                          <p:stCondLst>
+                                            <p:cond delay="0"/>
+                                          </p:stCondLst>
+                                        </p:cTn>
+                                        <p:tgtEl>
+                                          <p:spTgt spid="109571">
+                                            <p:txEl>
+                                              <p:pRg st="1" end="1"/>
+                                            </p:txEl>
+                                          </p:spTgt>
+                                        </p:tgtEl>
+                                        <p:attrNameLst>
+                                          <p:attrName>style.visibility</p:attrName>
+                                        </p:attrNameLst>
+                                      </p:cBhvr>
+                                      <p:to>
+                                        <p:strVal val="visible"/>
+                                      </p:to>
+                                    </p:set>
+                                  </p:childTnLst>
+                                </p:cTn>
+                              </p:par>
+                              <p:par>
+                                <p:cTn id="9" presetID="1" presetClass="entr" presetSubtype="0" fill="hold" grpId="0" nodeType="withEffect">
+                                  <p:stCondLst>
+                                    <p:cond delay="0"/>
+                                  </p:stCondLst>
+                                  <p:childTnLst>
+                                    <p:set>
+                                      <p:cBhvr>
+                                        <p:cTn id="10" dur="1" fill="hold">
+                                          <p:stCondLst>
+                                            <p:cond delay="0"/>
+                                          </p:stCondLst>
+                                        </p:cTn>
+                                        <p:tgtEl>
+                                          <p:spTgt spid="109571">
+                                            <p:txEl>
+                                              <p:pRg st="2" end="2"/>
+                                            </p:txEl>
+                                          </p:spTgt>
+                                        </p:tgtEl>
+                                        <p:attrNameLst>
+                                          <p:attrName>style.visibility</p:attrName>
+                                        </p:attrNameLst>
+                                      </p:cBhvr>
+                                      <p:to>
+                                        <p:strVal val="visible"/>
+                                      </p:to>
+                                    </p:set>
+                                  </p:childTnLst>
+                                </p:cTn>
+                              </p:par>
+                              <p:par>
+                                <p:cTn id="11" presetID="1" presetClass="entr" presetSubtype="0" fill="hold" grpId="0" nodeType="withEffect">
+                                  <p:stCondLst>
+                                    <p:cond delay="0"/>
+                                  </p:stCondLst>
+                                  <p:childTnLst>
+                                    <p:set>
+                                      <p:cBhvr>
+                                        <p:cTn id="12" dur="1" fill="hold">
+                                          <p:stCondLst>
+                                            <p:cond delay="0"/>
+                                          </p:stCondLst>
+                                        </p:cTn>
+                                        <p:tgtEl>
+                                          <p:spTgt spid="109571">
+                                            <p:txEl>
+                                              <p:pRg st="3" end="3"/>
+                                            </p:txEl>
+                                          </p:spTgt>
+                                        </p:tgtEl>
+                                        <p:attrNameLst>
+                                          <p:attrName>style.visibility</p:attrName>
+                                        </p:attrNameLst>
+                                      </p:cBhvr>
+                                      <p:to>
+                                        <p:strVal val="visible"/>
+                                      </p:to>
+                                    </p:set>
+                                  </p:childTnLst>
+                                </p:cTn>
+                              </p:par>
+                              <p:par>
+                                <p:cTn id="13" presetID="1" presetClass="entr" presetSubtype="0" fill="hold" grpId="0" nodeType="withEffect">
+                                  <p:stCondLst>
+                                    <p:cond delay="0"/>
+                                  </p:stCondLst>
+                                  <p:childTnLst>
+                                    <p:set>
+                                      <p:cBhvr>
+                                        <p:cTn id="14" dur="1" fill="hold">
+                                          <p:stCondLst>
+                                            <p:cond delay="0"/>
+                                          </p:stCondLst>
+                                        </p:cTn>
+                                        <p:tgtEl>
+                                          <p:spTgt spid="109571">
+                                            <p:txEl>
+                                              <p:pRg st="4" end="4"/>
+                                            </p:txEl>
+                                          </p:spTgt>
+                                        </p:tgtEl>
+                                        <p:attrNameLst>
+                                          <p:attrName>style.visibility</p:attrName>
+                                        </p:attrNameLst>
+                                      </p:cBhvr>
+                                      <p:to>
+                                        <p:strVal val="visible"/>
+                                      </p:to>
+                                    </p:set>
+                                  </p:childTnLst>
+                                </p:cTn>
+                              </p:par>
+                              <p:par>
+                                <p:cTn id="15" presetID="1" presetClass="entr" presetSubtype="0" fill="hold" grpId="0" nodeType="withEffect">
+                                  <p:stCondLst>
+                                    <p:cond delay="0"/>
+                                  </p:stCondLst>
+                                  <p:childTnLst>
+                                    <p:set>
+                                      <p:cBhvr>
+                                        <p:cTn id="16" dur="1" fill="hold">
+                                          <p:stCondLst>
+                                            <p:cond delay="0"/>
+                                          </p:stCondLst>
+                                        </p:cTn>
+                                        <p:tgtEl>
+                                          <p:spTgt spid="109571">
+                                            <p:txEl>
+                                              <p:pRg st="5" end="5"/>
+                                            </p:txEl>
+                                          </p:spTgt>
+                                        </p:tgtEl>
+                                        <p:attrNameLst>
+                                          <p:attrName>style.visibility</p:attrName>
+                                        </p:attrNameLst>
+                                      </p:cBhvr>
+                                      <p:to>
+                                        <p:strVal val="visible"/>
+                                      </p:to>
+                                    </p:set>
+                                  </p:childTnLst>
+                                </p:cTn>
+                              </p:par>
+                              <p:par>
+                                <p:cTn id="17" presetID="1" presetClass="entr" presetSubtype="0" fill="hold" grpId="0" nodeType="withEffect">
+                                  <p:stCondLst>
+                                    <p:cond delay="0"/>
+                                  </p:stCondLst>
+                                  <p:childTnLst>
+                                    <p:set>
+                                      <p:cBhvr>
+                                        <p:cTn id="18" dur="1" fill="hold">
+                                          <p:stCondLst>
+                                            <p:cond delay="0"/>
+                                          </p:stCondLst>
+                                        </p:cTn>
+                                        <p:tgtEl>
+                                          <p:spTgt spid="109571">
+                                            <p:txEl>
+                                              <p:pRg st="6" end="6"/>
+                                            </p:txEl>
+                                          </p:spTgt>
+                                        </p:tgtEl>
+                                        <p:attrNameLst>
+                                          <p:attrName>style.visibility</p:attrName>
+                                        </p:attrNameLst>
+                                      </p:cBhvr>
+                                      <p:to>
+                                        <p:strVal val="visible"/>
+                                      </p:to>
+                                    </p:set>
+                                  </p:childTnLst>
+                                </p:cTn>
+                              </p:par>
+                            </p:childTnLst>
+                          </p:cTn>
+                        </p:par>
+                      </p:childTnLst>
+                    </p:cTn>
+                  </p:par>
+                  <p:par>
+                    <p:cTn id="19" fill="hold">
+                      <p:stCondLst>
+                        <p:cond delay="indefinite"/>
+                      </p:stCondLst>
+                      <p:childTnLst>
+                        <p:par>
+                          <p:cTn id="20" fill="hold">
+                            <p:stCondLst>
+                              <p:cond delay="0"/>
+                            </p:stCondLst>
+                            <p:childTnLst>
+                              <p:par>
+                                <p:cTn id="21" presetID="1" presetClass="entr" presetSubtype="0" fill="hold" grpId="0" nodeType="clickEffect">
+                                  <p:stCondLst>
+                                    <p:cond delay="0"/>
+                                  </p:stCondLst>
+                                  <p:childTnLst>
+                                    <p:set>
+                                      <p:cBhvr>
+                                        <p:cTn id="22" dur="1" fill="hold">
+                                          <p:stCondLst>
+                                            <p:cond delay="0"/>
+                                          </p:stCondLst>
+                                        </p:cTn>
+                                        <p:tgtEl>
+                                          <p:spTgt spid="109571">
+                                            <p:txEl>
+                                              <p:pRg st="7" end="7"/>
+                                            </p:txEl>
+                                          </p:spTgt>
+                                        </p:tgtEl>
+                                        <p:attrNameLst>
+                                          <p:attrName>style.visibility</p:attrName>
+                                        </p:attrNameLst>
+                                      </p:cBhvr>
+                                      <p:to>
+                                        <p:strVal val="visible"/>
+                                      </p:to>
+                                    </p:set>
+                                  </p:childTnLst>
+                                </p:cTn>
+                              </p:par>
+                            </p:childTnLst>
+                          </p:cTn>
+                        </p:par>
+                      </p:childTnLst>
+                    </p:cTn>
+                  </p:par>
+                </p:childTnLst>
+              </p:cTn>
+              <p:prevCondLst>
+                <p:cond evt="onPrev" delay="0">
+                  <p:tgtEl>
+                    <p:sldTgt/>
+                  </p:tgtEl>
+                </p:cond>
+              </p:prevCondLst>
+              <p:nextCondLst>
+                <p:cond evt="onNext" delay="0">
+                  <p:tgtEl>
+                    <p:sldTgt/>
+                  </p:tgtEl>
+                </p:cond>
+              </p:nextCondLst>
+            </p:seq>
+          </p:childTnLst>
+        </p:cTn>
+      </p:par>
+    </p:tnLst>
+    <p:bldLst>
+      <p:bldP spid="109571" grpId="0" build="p"/>
+    </p:bldLst>
+  </p:timing>
+</p:sld>
+</file>
+
+<file path=ppt/slides/slide8.xml><?xml version="1.0" encoding="utf-8"?>
+<p:sld xmlns:a="http://schemas.openxmlformats.org/drawingml/2006/main" xmlns:r="http://schemas.openxmlformats.org/officeDocument/2006/relationships" xmlns:p="http://schemas.openxmlformats.org/presentationml/2006/main" showMasterPhAnim="0">
+  <p:cSld>
+    <p:spTree>
+      <p:nvGrpSpPr>
+        <p:cNvPr id="1" name=""/>
+        <p:cNvGrpSpPr/>
+        <p:nvPr/>
+      </p:nvGrpSpPr>
+      <p:grpSpPr>
+        <a:xfrm>
+          <a:off x="0" y="0"/>
+          <a:ext cx="0" cy="0"/>
+          <a:chOff x="0" y="0"/>
+          <a:chExt cx="0" cy="0"/>
+        </a:xfrm>
+      </p:grpSpPr>
+      <p:sp>
+        <p:nvSpPr>
+          <p:cNvPr id="116738" name="Rectangle 2"/>
+          <p:cNvSpPr>
+            <a:spLocks noGrp="1" noChangeArrowheads="1"/>
+          </p:cNvSpPr>
+          <p:nvPr>
+            <p:ph type="title"/>
+          </p:nvPr>
+        </p:nvSpPr>
+        <p:spPr>
+          <a:xfrm>
+            <a:off x="1981200" y="-76200"/>
+            <a:ext cx="8305800" cy="1143000"/>
+          </a:xfrm>
+        </p:spPr>
+        <p:txBody>
+          <a:bodyPr/>
+          <a:lstStyle/>
+          <a:p>
+            <a:r>
+              <a:rPr lang="en-US" dirty="0"/>
+              <a:t>Explicit Continuations</a:t>
+            </a:r>
+          </a:p>
+        </p:txBody>
+      </p:sp>
+      <p:sp>
+        <p:nvSpPr>
+          <p:cNvPr id="116739" name="Rectangle 3"/>
+          <p:cNvSpPr>
+            <a:spLocks noGrp="1" noChangeArrowheads="1"/>
+          </p:cNvSpPr>
+          <p:nvPr>
+            <p:ph type="body" idx="1"/>
+          </p:nvPr>
+        </p:nvSpPr>
+        <p:spPr>
+          <a:xfrm>
+            <a:off x="228600" y="1219200"/>
+            <a:ext cx="10363200" cy="3581400"/>
+          </a:xfrm>
+        </p:spPr>
+        <p:txBody>
+          <a:bodyPr/>
+          <a:lstStyle/>
+          <a:p>
+            <a:r>
+              <a:rPr lang="en-US" sz="2800" dirty="0"/>
+              <a:t>In "normal language" interpreters,  continuations are represented by stack frames.</a:t>
+            </a:r>
+          </a:p>
+          <a:p>
+            <a:r>
+              <a:rPr lang="en-US" sz="2800" dirty="0"/>
+              <a:t>But we may (for various reasons) want to do "</a:t>
+            </a:r>
+            <a:r>
+              <a:rPr lang="en-US" sz="2800" dirty="0" err="1"/>
+              <a:t>stackless</a:t>
+            </a:r>
+            <a:r>
+              <a:rPr lang="en-US" sz="2800" dirty="0"/>
+              <a:t>" programming.</a:t>
+            </a:r>
+          </a:p>
+          <a:p>
+            <a:r>
+              <a:rPr lang="en-US" sz="2800" dirty="0"/>
+              <a:t>We </a:t>
+            </a:r>
+            <a:r>
+              <a:rPr lang="en-US" sz="2800" dirty="0">
+                <a:solidFill>
+                  <a:srgbClr val="CC0099"/>
+                </a:solidFill>
+              </a:rPr>
+              <a:t>pass</a:t>
+            </a:r>
+            <a:r>
+              <a:rPr lang="en-US" sz="2800" dirty="0"/>
+              <a:t> an explicit </a:t>
+            </a:r>
+            <a:r>
+              <a:rPr lang="en-US" sz="2800" dirty="0">
+                <a:solidFill>
+                  <a:srgbClr val="CC0099"/>
+                </a:solidFill>
+              </a:rPr>
+              <a:t>continuation </a:t>
+            </a:r>
+            <a:r>
+              <a:rPr lang="en-US" sz="2800" dirty="0"/>
+              <a:t>to each procedure call, in order to keep the code in tail-form.</a:t>
+            </a:r>
+          </a:p>
+          <a:p>
+            <a:r>
+              <a:rPr lang="en-US" sz="2800" dirty="0"/>
+              <a:t>Thus it is </a:t>
+            </a:r>
+            <a:r>
+              <a:rPr lang="en-US" sz="2800" dirty="0">
+                <a:solidFill>
+                  <a:srgbClr val="CC0099"/>
+                </a:solidFill>
+              </a:rPr>
+              <a:t>continuation-passing</a:t>
+            </a:r>
+            <a:r>
+              <a:rPr lang="en-US" sz="2800" dirty="0"/>
+              <a:t> style (CPS)</a:t>
+            </a:r>
+          </a:p>
+        </p:txBody>
+      </p:sp>
+    </p:spTree>
+    <p:extLst>
+      <p:ext uri="{BB962C8B-B14F-4D97-AF65-F5344CB8AC3E}">
+        <p14:creationId xmlns:p14="http://schemas.microsoft.com/office/powerpoint/2010/main" val="3352355528"/>
+      </p:ext>
+    </p:extLst>
+  </p:cSld>
+  <p:clrMapOvr>
+    <a:masterClrMapping/>
+  </p:clrMapOvr>
+  <p:timing>
+    <p:tnLst>
+      <p:par>
+        <p:cTn id="1" dur="indefinite" restart="never" nodeType="tmRoot">
+          <p:childTnLst>
+            <p:seq concurrent="1" nextAc="seek">
+              <p:cTn id="2" dur="indefinite" nodeType="mainSeq">
+                <p:childTnLst>
+                  <p:par>
+                    <p:cTn id="3" fill="hold">
+                      <p:stCondLst>
+                        <p:cond delay="indefinite"/>
+                        <p:cond evt="onBegin" delay="0">
+                          <p:tn val="2"/>
+                        </p:cond>
+                      </p:stCondLst>
+                      <p:childTnLst>
+                        <p:par>
+                          <p:cTn id="4" fill="hold">
+                            <p:stCondLst>
+                              <p:cond delay="0"/>
+                            </p:stCondLst>
+                            <p:childTnLst>
+                              <p:par>
+                                <p:cTn id="5" presetID="1" presetClass="entr" presetSubtype="0" fill="hold" grpId="0" nodeType="withEffect">
+                                  <p:stCondLst>
+                                    <p:cond delay="0"/>
+                                  </p:stCondLst>
+                                  <p:childTnLst>
+                                    <p:set>
+                                      <p:cBhvr>
+                                        <p:cTn id="6" dur="1" fill="hold">
+                                          <p:stCondLst>
+                                            <p:cond delay="0"/>
+                                          </p:stCondLst>
+                                        </p:cTn>
+                                        <p:tgtEl>
+                                          <p:spTgt spid="116739">
+                                            <p:txEl>
+                                              <p:pRg st="0" end="0"/>
+                                            </p:txEl>
+                                          </p:spTgt>
+                                        </p:tgtEl>
+                                        <p:attrNameLst>
+                                          <p:attrName>style.visibility</p:attrName>
+                                        </p:attrNameLst>
+                                      </p:cBhvr>
+                                      <p:to>
+                                        <p:strVal val="visible"/>
+                                      </p:to>
+                                    </p:set>
+                                  </p:childTnLst>
+                                </p:cTn>
+                              </p:par>
+                            </p:childTnLst>
+                          </p:cTn>
+                        </p:par>
+                      </p:childTnLst>
+                    </p:cTn>
+                  </p:par>
+                  <p:par>
+                    <p:cTn id="7" fill="hold">
+                      <p:stCondLst>
+                        <p:cond delay="indefinite"/>
+                      </p:stCondLst>
+                      <p:childTnLst>
+                        <p:par>
+                          <p:cTn id="8" fill="hold">
+                            <p:stCondLst>
+                              <p:cond delay="0"/>
+                            </p:stCondLst>
+                            <p:childTnLst>
+                              <p:par>
+                                <p:cTn id="9" presetID="1" presetClass="entr" presetSubtype="0" fill="hold" grpId="0" nodeType="clickEffect">
+                                  <p:stCondLst>
+                                    <p:cond delay="0"/>
+                                  </p:stCondLst>
+                                  <p:childTnLst>
+                                    <p:set>
+                                      <p:cBhvr>
+                                        <p:cTn id="10" dur="1" fill="hold">
+                                          <p:stCondLst>
+                                            <p:cond delay="0"/>
+                                          </p:stCondLst>
+                                        </p:cTn>
+                                        <p:tgtEl>
+                                          <p:spTgt spid="116739">
+                                            <p:txEl>
+                                              <p:pRg st="1" end="1"/>
+                                            </p:txEl>
+                                          </p:spTgt>
+                                        </p:tgtEl>
+                                        <p:attrNameLst>
+                                          <p:attrName>style.visibility</p:attrName>
+                                        </p:attrNameLst>
+                                      </p:cBhvr>
+                                      <p:to>
+                                        <p:strVal val="visible"/>
+                                      </p:to>
+                                    </p:set>
+                                  </p:childTnLst>
+                                </p:cTn>
+                              </p:par>
+                            </p:childTnLst>
+                          </p:cTn>
+                        </p:par>
+                      </p:childTnLst>
+                    </p:cTn>
+                  </p:par>
+                  <p:par>
+                    <p:cTn id="11" fill="hold">
+                      <p:stCondLst>
+                        <p:cond delay="indefinite"/>
+                      </p:stCondLst>
+                      <p:childTnLst>
+                        <p:par>
+                          <p:cTn id="12" fill="hold">
+                            <p:stCondLst>
+                              <p:cond delay="0"/>
+                            </p:stCondLst>
+                            <p:childTnLst>
+                              <p:par>
+                                <p:cTn id="13" presetID="1" presetClass="entr" presetSubtype="0" fill="hold" grpId="0" nodeType="clickEffect">
+                                  <p:stCondLst>
+                                    <p:cond delay="0"/>
+                                  </p:stCondLst>
+                                  <p:childTnLst>
+                                    <p:set>
+                                      <p:cBhvr>
+                                        <p:cTn id="14" dur="1" fill="hold">
+                                          <p:stCondLst>
+                                            <p:cond delay="0"/>
+                                          </p:stCondLst>
+                                        </p:cTn>
+                                        <p:tgtEl>
+                                          <p:spTgt spid="116739">
+                                            <p:txEl>
+                                              <p:pRg st="2" end="2"/>
+                                            </p:txEl>
+                                          </p:spTgt>
+                                        </p:tgtEl>
+                                        <p:attrNameLst>
+                                          <p:attrName>style.visibility</p:attrName>
+                                        </p:attrNameLst>
+                                      </p:cBhvr>
+                                      <p:to>
+                                        <p:strVal val="visible"/>
+                                      </p:to>
+                                    </p:set>
+                                  </p:childTnLst>
+                                </p:cTn>
+                              </p:par>
+                            </p:childTnLst>
+                          </p:cTn>
+                        </p:par>
+                      </p:childTnLst>
+                    </p:cTn>
+                  </p:par>
+                  <p:par>
+                    <p:cTn id="15" fill="hold">
+                      <p:stCondLst>
+                        <p:cond delay="indefinite"/>
+                      </p:stCondLst>
+                      <p:childTnLst>
+                        <p:par>
+                          <p:cTn id="16" fill="hold">
+                            <p:stCondLst>
+                              <p:cond delay="0"/>
+                            </p:stCondLst>
+                            <p:childTnLst>
+                              <p:par>
+                                <p:cTn id="17" presetID="1" presetClass="entr" presetSubtype="0" fill="hold" grpId="0" nodeType="clickEffect">
+                                  <p:stCondLst>
+                                    <p:cond delay="0"/>
+                                  </p:stCondLst>
+                                  <p:childTnLst>
+                                    <p:set>
+                                      <p:cBhvr>
+                                        <p:cTn id="18" dur="1" fill="hold">
+                                          <p:stCondLst>
+                                            <p:cond delay="0"/>
+                                          </p:stCondLst>
+                                        </p:cTn>
+                                        <p:tgtEl>
+                                          <p:spTgt spid="116739">
+                                            <p:txEl>
+                                              <p:pRg st="3" end="3"/>
+                                            </p:txEl>
+                                          </p:spTgt>
+                                        </p:tgtEl>
+                                        <p:attrNameLst>
+                                          <p:attrName>style.visibility</p:attrName>
+                                        </p:attrNameLst>
+                                      </p:cBhvr>
+                                      <p:to>
+                                        <p:strVal val="visible"/>
+                                      </p:to>
+                                    </p:set>
+                                  </p:childTnLst>
+                                </p:cTn>
+                              </p:par>
+                            </p:childTnLst>
+                          </p:cTn>
+                        </p:par>
+                      </p:childTnLst>
+                    </p:cTn>
+                  </p:par>
+                </p:childTnLst>
+              </p:cTn>
+              <p:prevCondLst>
+                <p:cond evt="onPrev" delay="0">
+                  <p:tgtEl>
+                    <p:sldTgt/>
+                  </p:tgtEl>
+                </p:cond>
+              </p:prevCondLst>
+              <p:nextCondLst>
+                <p:cond evt="onNext" delay="0">
+                  <p:tgtEl>
+                    <p:sldTgt/>
+                  </p:tgtEl>
+                </p:cond>
+              </p:nextCondLst>
+            </p:seq>
+          </p:childTnLst>
+        </p:cTn>
+      </p:par>
+    </p:tnLst>
+    <p:bldLst>
+      <p:bldP spid="116739" grpId="0" build="p"/>
+    </p:bldLst>
+  </p:timing>
+</p:sld>
+</file>
+
+<file path=ppt/slides/slide9.xml><?xml version="1.0" encoding="utf-8"?>
+<p:sld xmlns:a="http://schemas.openxmlformats.org/drawingml/2006/main" xmlns:r="http://schemas.openxmlformats.org/officeDocument/2006/relationships" xmlns:p="http://schemas.openxmlformats.org/presentationml/2006/main">
+  <p:cSld>
+    <p:spTree>
+      <p:nvGrpSpPr>
+        <p:cNvPr id="1" name=""/>
+        <p:cNvGrpSpPr/>
+        <p:nvPr/>
+      </p:nvGrpSpPr>
+      <p:grpSpPr>
+        <a:xfrm>
+          <a:off x="0" y="0"/>
+          <a:ext cx="0" cy="0"/>
+          <a:chOff x="0" y="0"/>
+          <a:chExt cx="0" cy="0"/>
+        </a:xfrm>
+      </p:grpSpPr>
+      <p:sp>
+        <p:nvSpPr>
+          <p:cNvPr id="4" name="Title 3">
+            <a:extLst>
+              <a:ext uri="{FF2B5EF4-FFF2-40B4-BE49-F238E27FC236}">
+                <a16:creationId xmlns:a16="http://schemas.microsoft.com/office/drawing/2014/main" id="{5C1786C3-9775-4C06-A740-F437044A6A1E}"/>
+              </a:ext>
+            </a:extLst>
+          </p:cNvPr>
+          <p:cNvSpPr>
+            <a:spLocks noGrp="1"/>
+          </p:cNvSpPr>
+          <p:nvPr>
+            <p:ph type="title"/>
+          </p:nvPr>
+        </p:nvSpPr>
+        <p:spPr/>
+        <p:txBody>
+          <a:bodyPr/>
+          <a:lstStyle/>
+          <a:p>
+            <a:r>
+              <a:rPr lang="en-US" dirty="0"/>
+              <a:t>Primitive vs. Substantial Procedures</a:t>
+            </a:r>
+          </a:p>
+        </p:txBody>
+      </p:sp>
+      <p:sp>
+        <p:nvSpPr>
+          <p:cNvPr id="5" name="Content Placeholder 4">
+            <a:extLst>
+              <a:ext uri="{FF2B5EF4-FFF2-40B4-BE49-F238E27FC236}">
+                <a16:creationId xmlns:a16="http://schemas.microsoft.com/office/drawing/2014/main" id="{0304A7FD-E433-43AB-965E-D7995732A6B5}"/>
+              </a:ext>
+            </a:extLst>
+          </p:cNvPr>
+          <p:cNvSpPr>
+            <a:spLocks noGrp="1"/>
+          </p:cNvSpPr>
+          <p:nvPr>
+            <p:ph idx="1"/>
+          </p:nvPr>
+        </p:nvSpPr>
+        <p:spPr/>
+        <p:txBody>
+          <a:bodyPr/>
+          <a:lstStyle/>
+          <a:p>
+            <a:r>
+              <a:rPr lang="en-US" sz="2800" dirty="0"/>
+              <a:t>When </a:t>
+            </a:r>
+            <a:r>
+              <a:rPr lang="en-US" sz="2800" dirty="0" err="1"/>
+              <a:t>CPSing</a:t>
+            </a:r>
+            <a:r>
+              <a:rPr lang="en-US" sz="2800" dirty="0"/>
+              <a:t> our code, we divide the set of procedures into two groups:</a:t>
+            </a:r>
+          </a:p>
+          <a:p>
+            <a:pPr lvl="1"/>
+            <a:r>
+              <a:rPr lang="en-US" sz="2400" b="1" dirty="0">
+                <a:solidFill>
+                  <a:srgbClr val="C00000"/>
+                </a:solidFill>
+              </a:rPr>
+              <a:t>Primitive</a:t>
+            </a:r>
+            <a:r>
+              <a:rPr lang="en-US" sz="2400" dirty="0"/>
+              <a:t> procedures can be called without a continuation argument.</a:t>
+            </a:r>
+            <a:br>
+              <a:rPr lang="en-US" sz="2400" dirty="0"/>
+            </a:br>
+            <a:r>
+              <a:rPr lang="en-US" sz="2400" dirty="0"/>
+              <a:t>This is a superset of what we call “primitive” procedures in our interpreter discussions.</a:t>
+            </a:r>
+          </a:p>
+          <a:p>
+            <a:pPr lvl="1"/>
+            <a:r>
+              <a:rPr lang="en-US" sz="2400" b="1" dirty="0">
+                <a:solidFill>
+                  <a:srgbClr val="C00000"/>
+                </a:solidFill>
+              </a:rPr>
+              <a:t>Substantial</a:t>
+            </a:r>
+            <a:r>
+              <a:rPr lang="en-US" sz="2400" dirty="0"/>
+              <a:t> procedures (I made up this name) expect a continuation argument.</a:t>
+            </a:r>
+          </a:p>
+          <a:p>
+            <a:r>
+              <a:rPr lang="en-US" sz="2800" dirty="0"/>
+              <a:t>By default, built-in procedures and non-recursive procedures will be considered primitive; recursive procedures are substantial.</a:t>
+            </a:r>
+          </a:p>
+          <a:p>
+            <a:r>
+              <a:rPr lang="en-US" sz="2800" dirty="0"/>
+              <a:t>Sometimes it will be useful to write a substantial version of a procedure that would normally be primitive.</a:t>
+            </a:r>
+          </a:p>
+        </p:txBody>
+      </p:sp>
+    </p:spTree>
+    <p:extLst>
+      <p:ext uri="{BB962C8B-B14F-4D97-AF65-F5344CB8AC3E}">
+        <p14:creationId xmlns:p14="http://schemas.microsoft.com/office/powerpoint/2010/main" val="691614542"/>
       </p:ext>
     </p:extLst>
   </p:cSld>

--- a/ClassMaterials/Continuations/21-continuations-and-CPS.pptx
+++ b/ClassMaterials/Continuations/21-continuations-and-CPS.pptx
@@ -5,31 +5,32 @@
     <p:sldMasterId id="2147483648" r:id="rId1"/>
   </p:sldMasterIdLst>
   <p:notesMasterIdLst>
-    <p:notesMasterId r:id="rId21"/>
+    <p:notesMasterId r:id="rId22"/>
   </p:notesMasterIdLst>
   <p:handoutMasterIdLst>
-    <p:handoutMasterId r:id="rId22"/>
+    <p:handoutMasterId r:id="rId23"/>
   </p:handoutMasterIdLst>
   <p:sldIdLst>
     <p:sldId id="461" r:id="rId2"/>
     <p:sldId id="462" r:id="rId3"/>
-    <p:sldId id="438" r:id="rId4"/>
-    <p:sldId id="439" r:id="rId5"/>
-    <p:sldId id="440" r:id="rId6"/>
-    <p:sldId id="459" r:id="rId7"/>
-    <p:sldId id="419" r:id="rId8"/>
-    <p:sldId id="444" r:id="rId9"/>
-    <p:sldId id="448" r:id="rId10"/>
-    <p:sldId id="422" r:id="rId11"/>
-    <p:sldId id="457" r:id="rId12"/>
-    <p:sldId id="458" r:id="rId13"/>
-    <p:sldId id="400" r:id="rId14"/>
-    <p:sldId id="451" r:id="rId15"/>
-    <p:sldId id="387" r:id="rId16"/>
-    <p:sldId id="445" r:id="rId17"/>
-    <p:sldId id="449" r:id="rId18"/>
-    <p:sldId id="450" r:id="rId19"/>
-    <p:sldId id="447" r:id="rId20"/>
+    <p:sldId id="463" r:id="rId4"/>
+    <p:sldId id="464" r:id="rId5"/>
+    <p:sldId id="439" r:id="rId6"/>
+    <p:sldId id="440" r:id="rId7"/>
+    <p:sldId id="459" r:id="rId8"/>
+    <p:sldId id="419" r:id="rId9"/>
+    <p:sldId id="444" r:id="rId10"/>
+    <p:sldId id="448" r:id="rId11"/>
+    <p:sldId id="422" r:id="rId12"/>
+    <p:sldId id="457" r:id="rId13"/>
+    <p:sldId id="458" r:id="rId14"/>
+    <p:sldId id="400" r:id="rId15"/>
+    <p:sldId id="451" r:id="rId16"/>
+    <p:sldId id="387" r:id="rId17"/>
+    <p:sldId id="445" r:id="rId18"/>
+    <p:sldId id="449" r:id="rId19"/>
+    <p:sldId id="450" r:id="rId20"/>
+    <p:sldId id="447" r:id="rId21"/>
   </p:sldIdLst>
   <p:sldSz cx="12192000" cy="6858000"/>
   <p:notesSz cx="7315200" cy="9601200"/>
@@ -177,8 +178,133 @@
 </p:presentation>
 </file>
 
+<file path=ppt/revisionInfo.xml><?xml version="1.0" encoding="utf-8"?>
+<p1510:revInfo xmlns:a="http://schemas.openxmlformats.org/drawingml/2006/main" xmlns:r="http://schemas.openxmlformats.org/officeDocument/2006/relationships" xmlns:p1510="http://schemas.microsoft.com/office/powerpoint/2015/10/main">
+  <p1510:revLst>
+    <p1510:client id="{865AA570-E1FE-47B3-AF1D-D0139DB41B09}" v="4" dt="2023-01-16T17:35:43.742"/>
+  </p1510:revLst>
+</p1510:revInfo>
+</file>
+
 <file path=ppt/changesInfos/changesInfo1.xml><?xml version="1.0" encoding="utf-8"?>
 <pc:chgInfo xmlns:a="http://schemas.openxmlformats.org/drawingml/2006/main" xmlns:r="http://schemas.openxmlformats.org/officeDocument/2006/relationships" xmlns:ac="http://schemas.microsoft.com/office/drawing/2013/main/command" xmlns:pc="http://schemas.microsoft.com/office/powerpoint/2013/main/command">
+  <pc:docChgLst>
+    <pc:chgData name="Hewner, Mike" userId="7f3f83dd-6dfb-4127-a87f-c1714bd4fac9" providerId="ADAL" clId="{865AA570-E1FE-47B3-AF1D-D0139DB41B09}"/>
+    <pc:docChg chg="custSel addSld delSld modSld">
+      <pc:chgData name="Hewner, Mike" userId="7f3f83dd-6dfb-4127-a87f-c1714bd4fac9" providerId="ADAL" clId="{865AA570-E1FE-47B3-AF1D-D0139DB41B09}" dt="2023-01-16T17:39:46.953" v="474" actId="47"/>
+      <pc:docMkLst>
+        <pc:docMk/>
+      </pc:docMkLst>
+      <pc:sldChg chg="del">
+        <pc:chgData name="Hewner, Mike" userId="7f3f83dd-6dfb-4127-a87f-c1714bd4fac9" providerId="ADAL" clId="{865AA570-E1FE-47B3-AF1D-D0139DB41B09}" dt="2023-01-16T17:27:49.480" v="0" actId="47"/>
+        <pc:sldMkLst>
+          <pc:docMk/>
+          <pc:sldMk cId="1897043576" sldId="438"/>
+        </pc:sldMkLst>
+      </pc:sldChg>
+      <pc:sldChg chg="addSp modSp new mod">
+        <pc:chgData name="Hewner, Mike" userId="7f3f83dd-6dfb-4127-a87f-c1714bd4fac9" providerId="ADAL" clId="{865AA570-E1FE-47B3-AF1D-D0139DB41B09}" dt="2023-01-16T17:36:36.057" v="391" actId="20577"/>
+        <pc:sldMkLst>
+          <pc:docMk/>
+          <pc:sldMk cId="2638576382" sldId="463"/>
+        </pc:sldMkLst>
+        <pc:spChg chg="mod">
+          <ac:chgData name="Hewner, Mike" userId="7f3f83dd-6dfb-4127-a87f-c1714bd4fac9" providerId="ADAL" clId="{865AA570-E1FE-47B3-AF1D-D0139DB41B09}" dt="2023-01-16T17:35:34.736" v="356" actId="20577"/>
+          <ac:spMkLst>
+            <pc:docMk/>
+            <pc:sldMk cId="2638576382" sldId="463"/>
+            <ac:spMk id="2" creationId="{4A1AF2DB-45B4-74BD-9711-4D0997F44DD8}"/>
+          </ac:spMkLst>
+        </pc:spChg>
+        <pc:spChg chg="mod">
+          <ac:chgData name="Hewner, Mike" userId="7f3f83dd-6dfb-4127-a87f-c1714bd4fac9" providerId="ADAL" clId="{865AA570-E1FE-47B3-AF1D-D0139DB41B09}" dt="2023-01-16T17:30:37.376" v="185" actId="14100"/>
+          <ac:spMkLst>
+            <pc:docMk/>
+            <pc:sldMk cId="2638576382" sldId="463"/>
+            <ac:spMk id="3" creationId="{4028FB9B-8D80-77AA-77BF-6051FAF74642}"/>
+          </ac:spMkLst>
+        </pc:spChg>
+        <pc:spChg chg="add mod">
+          <ac:chgData name="Hewner, Mike" userId="7f3f83dd-6dfb-4127-a87f-c1714bd4fac9" providerId="ADAL" clId="{865AA570-E1FE-47B3-AF1D-D0139DB41B09}" dt="2023-01-16T17:36:23.728" v="377" actId="20577"/>
+          <ac:spMkLst>
+            <pc:docMk/>
+            <pc:sldMk cId="2638576382" sldId="463"/>
+            <ac:spMk id="4" creationId="{AB719111-1205-DE15-EE30-54658E95CA96}"/>
+          </ac:spMkLst>
+        </pc:spChg>
+        <pc:spChg chg="add mod">
+          <ac:chgData name="Hewner, Mike" userId="7f3f83dd-6dfb-4127-a87f-c1714bd4fac9" providerId="ADAL" clId="{865AA570-E1FE-47B3-AF1D-D0139DB41B09}" dt="2023-01-16T17:36:29.370" v="383" actId="20577"/>
+          <ac:spMkLst>
+            <pc:docMk/>
+            <pc:sldMk cId="2638576382" sldId="463"/>
+            <ac:spMk id="5" creationId="{BCA25D9C-B64A-0215-7002-B0689E8FAF2D}"/>
+          </ac:spMkLst>
+        </pc:spChg>
+        <pc:spChg chg="add mod">
+          <ac:chgData name="Hewner, Mike" userId="7f3f83dd-6dfb-4127-a87f-c1714bd4fac9" providerId="ADAL" clId="{865AA570-E1FE-47B3-AF1D-D0139DB41B09}" dt="2023-01-16T17:36:36.057" v="391" actId="20577"/>
+          <ac:spMkLst>
+            <pc:docMk/>
+            <pc:sldMk cId="2638576382" sldId="463"/>
+            <ac:spMk id="6" creationId="{8265366C-D741-7985-57C2-1851AA67A6A8}"/>
+          </ac:spMkLst>
+        </pc:spChg>
+      </pc:sldChg>
+      <pc:sldChg chg="delSp modSp add mod">
+        <pc:chgData name="Hewner, Mike" userId="7f3f83dd-6dfb-4127-a87f-c1714bd4fac9" providerId="ADAL" clId="{865AA570-E1FE-47B3-AF1D-D0139DB41B09}" dt="2023-01-16T17:37:53.488" v="458" actId="20577"/>
+        <pc:sldMkLst>
+          <pc:docMk/>
+          <pc:sldMk cId="3679751856" sldId="464"/>
+        </pc:sldMkLst>
+        <pc:spChg chg="mod">
+          <ac:chgData name="Hewner, Mike" userId="7f3f83dd-6dfb-4127-a87f-c1714bd4fac9" providerId="ADAL" clId="{865AA570-E1FE-47B3-AF1D-D0139DB41B09}" dt="2023-01-16T17:35:54.382" v="370" actId="20577"/>
+          <ac:spMkLst>
+            <pc:docMk/>
+            <pc:sldMk cId="3679751856" sldId="464"/>
+            <ac:spMk id="2" creationId="{4A1AF2DB-45B4-74BD-9711-4D0997F44DD8}"/>
+          </ac:spMkLst>
+        </pc:spChg>
+        <pc:spChg chg="del">
+          <ac:chgData name="Hewner, Mike" userId="7f3f83dd-6dfb-4127-a87f-c1714bd4fac9" providerId="ADAL" clId="{865AA570-E1FE-47B3-AF1D-D0139DB41B09}" dt="2023-01-16T17:37:01.538" v="392" actId="478"/>
+          <ac:spMkLst>
+            <pc:docMk/>
+            <pc:sldMk cId="3679751856" sldId="464"/>
+            <ac:spMk id="4" creationId="{AB719111-1205-DE15-EE30-54658E95CA96}"/>
+          </ac:spMkLst>
+        </pc:spChg>
+        <pc:spChg chg="mod">
+          <ac:chgData name="Hewner, Mike" userId="7f3f83dd-6dfb-4127-a87f-c1714bd4fac9" providerId="ADAL" clId="{865AA570-E1FE-47B3-AF1D-D0139DB41B09}" dt="2023-01-16T17:37:06.398" v="393" actId="1076"/>
+          <ac:spMkLst>
+            <pc:docMk/>
+            <pc:sldMk cId="3679751856" sldId="464"/>
+            <ac:spMk id="5" creationId="{BCA25D9C-B64A-0215-7002-B0689E8FAF2D}"/>
+          </ac:spMkLst>
+        </pc:spChg>
+        <pc:spChg chg="mod">
+          <ac:chgData name="Hewner, Mike" userId="7f3f83dd-6dfb-4127-a87f-c1714bd4fac9" providerId="ADAL" clId="{865AA570-E1FE-47B3-AF1D-D0139DB41B09}" dt="2023-01-16T17:37:53.488" v="458" actId="20577"/>
+          <ac:spMkLst>
+            <pc:docMk/>
+            <pc:sldMk cId="3679751856" sldId="464"/>
+            <ac:spMk id="6" creationId="{8265366C-D741-7985-57C2-1851AA67A6A8}"/>
+          </ac:spMkLst>
+        </pc:spChg>
+      </pc:sldChg>
+      <pc:sldChg chg="modSp new del mod">
+        <pc:chgData name="Hewner, Mike" userId="7f3f83dd-6dfb-4127-a87f-c1714bd4fac9" providerId="ADAL" clId="{865AA570-E1FE-47B3-AF1D-D0139DB41B09}" dt="2023-01-16T17:39:46.953" v="474" actId="47"/>
+        <pc:sldMkLst>
+          <pc:docMk/>
+          <pc:sldMk cId="2062315736" sldId="465"/>
+        </pc:sldMkLst>
+        <pc:spChg chg="mod">
+          <ac:chgData name="Hewner, Mike" userId="7f3f83dd-6dfb-4127-a87f-c1714bd4fac9" providerId="ADAL" clId="{865AA570-E1FE-47B3-AF1D-D0139DB41B09}" dt="2023-01-16T17:39:18.413" v="473" actId="20577"/>
+          <ac:spMkLst>
+            <pc:docMk/>
+            <pc:sldMk cId="2062315736" sldId="465"/>
+            <ac:spMk id="2" creationId="{81EACD4F-8BA7-8634-9564-99A2B09F086C}"/>
+          </ac:spMkLst>
+        </pc:spChg>
+      </pc:sldChg>
+    </pc:docChg>
+  </pc:docChgLst>
   <pc:docChgLst>
     <pc:chgData name="Hewner, Mike" userId="7f3f83dd-6dfb-4127-a87f-c1714bd4fac9" providerId="ADAL" clId="{1B3875F9-3950-45D4-A1C3-C3E907035BCC}"/>
     <pc:docChg chg="delSld">
@@ -1147,7 +1273,7 @@
             <a:fld id="{1DC98F7B-29CD-4C6A-9715-3270586611D1}" type="slidenum">
               <a:rPr lang="en-US" smtClean="0"/>
               <a:pPr/>
-              <a:t>7</a:t>
+              <a:t>8</a:t>
             </a:fld>
             <a:endParaRPr lang="en-US"/>
           </a:p>
@@ -1237,7 +1363,7 @@
             <a:fld id="{1DC98F7B-29CD-4C6A-9715-3270586611D1}" type="slidenum">
               <a:rPr lang="en-US" smtClean="0"/>
               <a:pPr/>
-              <a:t>8</a:t>
+              <a:t>9</a:t>
             </a:fld>
             <a:endParaRPr lang="en-US"/>
           </a:p>
@@ -1337,7 +1463,7 @@
             <a:fld id="{1DC98F7B-29CD-4C6A-9715-3270586611D1}" type="slidenum">
               <a:rPr lang="en-US" smtClean="0"/>
               <a:pPr/>
-              <a:t>12</a:t>
+              <a:t>13</a:t>
             </a:fld>
             <a:endParaRPr lang="en-US"/>
           </a:p>
@@ -1429,7 +1555,7 @@
             <a:fld id="{1DC98F7B-29CD-4C6A-9715-3270586611D1}" type="slidenum">
               <a:rPr lang="en-US" smtClean="0"/>
               <a:pPr/>
-              <a:t>13</a:t>
+              <a:t>14</a:t>
             </a:fld>
             <a:endParaRPr lang="en-US"/>
           </a:p>
@@ -1519,7 +1645,7 @@
             <a:fld id="{51B6C25D-32DF-4D0B-A234-5B2E76B992BC}" type="slidenum">
               <a:rPr lang="en-US" smtClean="0"/>
               <a:pPr/>
-              <a:t>15</a:t>
+              <a:t>16</a:t>
             </a:fld>
             <a:endParaRPr lang="en-US"/>
           </a:p>
@@ -1609,7 +1735,7 @@
             <a:fld id="{1DC98F7B-29CD-4C6A-9715-3270586611D1}" type="slidenum">
               <a:rPr lang="en-US" smtClean="0"/>
               <a:pPr/>
-              <a:t>19</a:t>
+              <a:t>20</a:t>
             </a:fld>
             <a:endParaRPr lang="en-US"/>
           </a:p>
@@ -3824,6 +3950,149 @@
       </p:grpSpPr>
       <p:sp>
         <p:nvSpPr>
+          <p:cNvPr id="4" name="Title 3">
+            <a:extLst>
+              <a:ext uri="{FF2B5EF4-FFF2-40B4-BE49-F238E27FC236}">
+                <a16:creationId xmlns:a16="http://schemas.microsoft.com/office/drawing/2014/main" id="{5C1786C3-9775-4C06-A740-F437044A6A1E}"/>
+              </a:ext>
+            </a:extLst>
+          </p:cNvPr>
+          <p:cNvSpPr>
+            <a:spLocks noGrp="1"/>
+          </p:cNvSpPr>
+          <p:nvPr>
+            <p:ph type="title"/>
+          </p:nvPr>
+        </p:nvSpPr>
+        <p:spPr/>
+        <p:txBody>
+          <a:bodyPr/>
+          <a:lstStyle/>
+          <a:p>
+            <a:r>
+              <a:rPr lang="en-US" dirty="0"/>
+              <a:t>Primitive vs. Substantial Procedures</a:t>
+            </a:r>
+          </a:p>
+        </p:txBody>
+      </p:sp>
+      <p:sp>
+        <p:nvSpPr>
+          <p:cNvPr id="5" name="Content Placeholder 4">
+            <a:extLst>
+              <a:ext uri="{FF2B5EF4-FFF2-40B4-BE49-F238E27FC236}">
+                <a16:creationId xmlns:a16="http://schemas.microsoft.com/office/drawing/2014/main" id="{0304A7FD-E433-43AB-965E-D7995732A6B5}"/>
+              </a:ext>
+            </a:extLst>
+          </p:cNvPr>
+          <p:cNvSpPr>
+            <a:spLocks noGrp="1"/>
+          </p:cNvSpPr>
+          <p:nvPr>
+            <p:ph idx="1"/>
+          </p:nvPr>
+        </p:nvSpPr>
+        <p:spPr/>
+        <p:txBody>
+          <a:bodyPr/>
+          <a:lstStyle/>
+          <a:p>
+            <a:r>
+              <a:rPr lang="en-US" sz="2800" dirty="0"/>
+              <a:t>When </a:t>
+            </a:r>
+            <a:r>
+              <a:rPr lang="en-US" sz="2800" dirty="0" err="1"/>
+              <a:t>CPSing</a:t>
+            </a:r>
+            <a:r>
+              <a:rPr lang="en-US" sz="2800" dirty="0"/>
+              <a:t> our code, we divide the set of procedures into two groups:</a:t>
+            </a:r>
+          </a:p>
+          <a:p>
+            <a:pPr lvl="1"/>
+            <a:r>
+              <a:rPr lang="en-US" sz="2400" b="1" dirty="0">
+                <a:solidFill>
+                  <a:srgbClr val="C00000"/>
+                </a:solidFill>
+              </a:rPr>
+              <a:t>Primitive</a:t>
+            </a:r>
+            <a:r>
+              <a:rPr lang="en-US" sz="2400" dirty="0"/>
+              <a:t> procedures can be called without a continuation argument.</a:t>
+            </a:r>
+            <a:br>
+              <a:rPr lang="en-US" sz="2400" dirty="0"/>
+            </a:br>
+            <a:r>
+              <a:rPr lang="en-US" sz="2400" dirty="0"/>
+              <a:t>This is a superset of what we call “primitive” procedures in our interpreter discussions.</a:t>
+            </a:r>
+          </a:p>
+          <a:p>
+            <a:pPr lvl="1"/>
+            <a:r>
+              <a:rPr lang="en-US" sz="2400" b="1" dirty="0">
+                <a:solidFill>
+                  <a:srgbClr val="C00000"/>
+                </a:solidFill>
+              </a:rPr>
+              <a:t>Substantial</a:t>
+            </a:r>
+            <a:r>
+              <a:rPr lang="en-US" sz="2400" dirty="0"/>
+              <a:t> procedures (I made up this name) expect a continuation argument.</a:t>
+            </a:r>
+          </a:p>
+          <a:p>
+            <a:r>
+              <a:rPr lang="en-US" sz="2800" dirty="0"/>
+              <a:t>By default, built-in procedures and non-recursive procedures will be considered primitive; recursive procedures are substantial.</a:t>
+            </a:r>
+          </a:p>
+          <a:p>
+            <a:r>
+              <a:rPr lang="en-US" sz="2800" dirty="0"/>
+              <a:t>Sometimes it will be useful to write a substantial version of a procedure that would normally be primitive.</a:t>
+            </a:r>
+          </a:p>
+        </p:txBody>
+      </p:sp>
+    </p:spTree>
+    <p:extLst>
+      <p:ext uri="{BB962C8B-B14F-4D97-AF65-F5344CB8AC3E}">
+        <p14:creationId xmlns:p14="http://schemas.microsoft.com/office/powerpoint/2010/main" val="691614542"/>
+      </p:ext>
+    </p:extLst>
+  </p:cSld>
+  <p:clrMapOvr>
+    <a:masterClrMapping/>
+  </p:clrMapOvr>
+</p:sld>
+</file>
+
+<file path=ppt/slides/slide11.xml><?xml version="1.0" encoding="utf-8"?>
+<p:sld xmlns:a="http://schemas.openxmlformats.org/drawingml/2006/main" xmlns:r="http://schemas.openxmlformats.org/officeDocument/2006/relationships" xmlns:p="http://schemas.openxmlformats.org/presentationml/2006/main">
+  <p:cSld>
+    <p:spTree>
+      <p:nvGrpSpPr>
+        <p:cNvPr id="1" name=""/>
+        <p:cNvGrpSpPr/>
+        <p:nvPr/>
+      </p:nvGrpSpPr>
+      <p:grpSpPr>
+        <a:xfrm>
+          <a:off x="0" y="0"/>
+          <a:ext cx="0" cy="0"/>
+          <a:chOff x="0" y="0"/>
+          <a:chExt cx="0" cy="0"/>
+        </a:xfrm>
+      </p:grpSpPr>
+      <p:sp>
+        <p:nvSpPr>
           <p:cNvPr id="111618" name="Rectangle 2"/>
           <p:cNvSpPr>
             <a:spLocks noGrp="1" noChangeArrowheads="1"/>
@@ -3900,7 +4169,7 @@
 </p:sld>
 </file>
 
-<file path=ppt/slides/slide11.xml><?xml version="1.0" encoding="utf-8"?>
+<file path=ppt/slides/slide12.xml><?xml version="1.0" encoding="utf-8"?>
 <p:sld xmlns:a="http://schemas.openxmlformats.org/drawingml/2006/main" xmlns:r="http://schemas.openxmlformats.org/officeDocument/2006/relationships" xmlns:p="http://schemas.openxmlformats.org/presentationml/2006/main" showMasterPhAnim="0">
   <p:cSld>
     <p:spTree>
@@ -4532,7 +4801,7 @@
 </p:sld>
 </file>
 
-<file path=ppt/slides/slide12.xml><?xml version="1.0" encoding="utf-8"?>
+<file path=ppt/slides/slide13.xml><?xml version="1.0" encoding="utf-8"?>
 <p:sld xmlns:a="http://schemas.openxmlformats.org/drawingml/2006/main" xmlns:r="http://schemas.openxmlformats.org/officeDocument/2006/relationships" xmlns:p="http://schemas.openxmlformats.org/presentationml/2006/main" showMasterPhAnim="0">
   <p:cSld>
     <p:spTree>
@@ -5017,7 +5286,7 @@
 </p:sld>
 </file>
 
-<file path=ppt/slides/slide13.xml><?xml version="1.0" encoding="utf-8"?>
+<file path=ppt/slides/slide14.xml><?xml version="1.0" encoding="utf-8"?>
 <p:sld xmlns:a="http://schemas.openxmlformats.org/drawingml/2006/main" xmlns:r="http://schemas.openxmlformats.org/officeDocument/2006/relationships" xmlns:p="http://schemas.openxmlformats.org/presentationml/2006/main">
   <p:cSld>
     <p:spTree>
@@ -5205,7 +5474,7 @@
 </p:sld>
 </file>
 
-<file path=ppt/slides/slide14.xml><?xml version="1.0" encoding="utf-8"?>
+<file path=ppt/slides/slide15.xml><?xml version="1.0" encoding="utf-8"?>
 <p:sld xmlns:a="http://schemas.openxmlformats.org/drawingml/2006/main" xmlns:r="http://schemas.openxmlformats.org/officeDocument/2006/relationships" xmlns:p="http://schemas.openxmlformats.org/presentationml/2006/main">
   <p:cSld>
     <p:spTree>
@@ -5331,7 +5600,7 @@
 </p:sld>
 </file>
 
-<file path=ppt/slides/slide15.xml><?xml version="1.0" encoding="utf-8"?>
+<file path=ppt/slides/slide16.xml><?xml version="1.0" encoding="utf-8"?>
 <p:sld xmlns:a="http://schemas.openxmlformats.org/drawingml/2006/main" xmlns:r="http://schemas.openxmlformats.org/officeDocument/2006/relationships" xmlns:p="http://schemas.openxmlformats.org/presentationml/2006/main">
   <p:cSld>
     <p:spTree>
@@ -6658,7 +6927,7 @@
 </p:sld>
 </file>
 
-<file path=ppt/slides/slide16.xml><?xml version="1.0" encoding="utf-8"?>
+<file path=ppt/slides/slide17.xml><?xml version="1.0" encoding="utf-8"?>
 <p:sld xmlns:a="http://schemas.openxmlformats.org/drawingml/2006/main" xmlns:r="http://schemas.openxmlformats.org/officeDocument/2006/relationships" xmlns:p="http://schemas.openxmlformats.org/presentationml/2006/main" showMasterPhAnim="0">
   <p:cSld>
     <p:spTree>
@@ -7072,7 +7341,7 @@
 </p:sld>
 </file>
 
-<file path=ppt/slides/slide17.xml><?xml version="1.0" encoding="utf-8"?>
+<file path=ppt/slides/slide18.xml><?xml version="1.0" encoding="utf-8"?>
 <p:sld xmlns:a="http://schemas.openxmlformats.org/drawingml/2006/main" xmlns:r="http://schemas.openxmlformats.org/officeDocument/2006/relationships" xmlns:p="http://schemas.openxmlformats.org/presentationml/2006/main">
   <p:cSld>
     <p:spTree>
@@ -7212,7 +7481,7 @@
 </p:sld>
 </file>
 
-<file path=ppt/slides/slide18.xml><?xml version="1.0" encoding="utf-8"?>
+<file path=ppt/slides/slide19.xml><?xml version="1.0" encoding="utf-8"?>
 <p:sld xmlns:a="http://schemas.openxmlformats.org/drawingml/2006/main" xmlns:r="http://schemas.openxmlformats.org/officeDocument/2006/relationships" xmlns:p="http://schemas.openxmlformats.org/presentationml/2006/main">
   <p:cSld>
     <p:spTree>
@@ -7635,107 +7904,6 @@
       <p:bldP spid="5" grpId="0"/>
     </p:bldLst>
   </p:timing>
-</p:sld>
-</file>
-
-<file path=ppt/slides/slide19.xml><?xml version="1.0" encoding="utf-8"?>
-<p:sld xmlns:a="http://schemas.openxmlformats.org/drawingml/2006/main" xmlns:r="http://schemas.openxmlformats.org/officeDocument/2006/relationships" xmlns:p="http://schemas.openxmlformats.org/presentationml/2006/main">
-  <p:cSld>
-    <p:spTree>
-      <p:nvGrpSpPr>
-        <p:cNvPr id="1" name=""/>
-        <p:cNvGrpSpPr/>
-        <p:nvPr/>
-      </p:nvGrpSpPr>
-      <p:grpSpPr>
-        <a:xfrm>
-          <a:off x="0" y="0"/>
-          <a:ext cx="0" cy="0"/>
-          <a:chOff x="0" y="0"/>
-          <a:chExt cx="0" cy="0"/>
-        </a:xfrm>
-      </p:grpSpPr>
-      <p:sp>
-        <p:nvSpPr>
-          <p:cNvPr id="2" name="Title 1">
-            <a:extLst>
-              <a:ext uri="{FF2B5EF4-FFF2-40B4-BE49-F238E27FC236}">
-                <a16:creationId xmlns:a16="http://schemas.microsoft.com/office/drawing/2014/main" id="{DB30793A-A43E-4F73-91D1-A8EF69139FE5}"/>
-              </a:ext>
-            </a:extLst>
-          </p:cNvPr>
-          <p:cNvSpPr>
-            <a:spLocks noGrp="1"/>
-          </p:cNvSpPr>
-          <p:nvPr>
-            <p:ph type="title"/>
-          </p:nvPr>
-        </p:nvSpPr>
-        <p:spPr/>
-        <p:txBody>
-          <a:bodyPr/>
-          <a:lstStyle/>
-          <a:p>
-            <a:r>
-              <a:rPr lang="en-US" dirty="0"/>
-              <a:t>Live coding demo (first implementation)</a:t>
-            </a:r>
-          </a:p>
-        </p:txBody>
-      </p:sp>
-      <p:sp>
-        <p:nvSpPr>
-          <p:cNvPr id="3" name="Content Placeholder 2">
-            <a:extLst>
-              <a:ext uri="{FF2B5EF4-FFF2-40B4-BE49-F238E27FC236}">
-                <a16:creationId xmlns:a16="http://schemas.microsoft.com/office/drawing/2014/main" id="{E549CC3F-C5F4-4F7B-ADC7-59D1F6CEAF2B}"/>
-              </a:ext>
-            </a:extLst>
-          </p:cNvPr>
-          <p:cNvSpPr>
-            <a:spLocks noGrp="1"/>
-          </p:cNvSpPr>
-          <p:nvPr>
-            <p:ph idx="1"/>
-          </p:nvPr>
-        </p:nvSpPr>
-        <p:spPr/>
-        <p:txBody>
-          <a:bodyPr/>
-          <a:lstStyle/>
-          <a:p>
-            <a:r>
-              <a:rPr lang="en-US" dirty="0"/>
-              <a:t>The starting code is in the live-in-class folder.</a:t>
-            </a:r>
-          </a:p>
-          <a:p>
-            <a:r>
-              <a:rPr lang="en-US" dirty="0"/>
-              <a:t>The live demo is on a video (14 minutes).</a:t>
-            </a:r>
-          </a:p>
-          <a:p>
-            <a:r>
-              <a:rPr lang="en-US" dirty="0"/>
-              <a:t>View it before Thursday’s class.</a:t>
-            </a:r>
-          </a:p>
-          <a:p>
-            <a:endParaRPr lang="en-US" dirty="0"/>
-          </a:p>
-        </p:txBody>
-      </p:sp>
-    </p:spTree>
-    <p:extLst>
-      <p:ext uri="{BB962C8B-B14F-4D97-AF65-F5344CB8AC3E}">
-        <p14:creationId xmlns:p14="http://schemas.microsoft.com/office/powerpoint/2010/main" val="920376832"/>
-      </p:ext>
-    </p:extLst>
-  </p:cSld>
-  <p:clrMapOvr>
-    <a:masterClrMapping/>
-  </p:clrMapOvr>
 </p:sld>
 </file>
 
@@ -8180,8 +8348,8 @@
 </p:sld>
 </file>
 
-<file path=ppt/slides/slide3.xml><?xml version="1.0" encoding="utf-8"?>
-<p:sld xmlns:a="http://schemas.openxmlformats.org/drawingml/2006/main" xmlns:r="http://schemas.openxmlformats.org/officeDocument/2006/relationships" xmlns:p="http://schemas.openxmlformats.org/presentationml/2006/main" showMasterPhAnim="0">
+<file path=ppt/slides/slide20.xml><?xml version="1.0" encoding="utf-8"?>
+<p:sld xmlns:a="http://schemas.openxmlformats.org/drawingml/2006/main" xmlns:r="http://schemas.openxmlformats.org/officeDocument/2006/relationships" xmlns:p="http://schemas.openxmlformats.org/presentationml/2006/main">
   <p:cSld>
     <p:spTree>
       <p:nvGrpSpPr>
@@ -8199,9 +8367,15 @@
       </p:grpSpPr>
       <p:sp>
         <p:nvSpPr>
-          <p:cNvPr id="115714" name="Rectangle 2"/>
+          <p:cNvPr id="2" name="Title 1">
+            <a:extLst>
+              <a:ext uri="{FF2B5EF4-FFF2-40B4-BE49-F238E27FC236}">
+                <a16:creationId xmlns:a16="http://schemas.microsoft.com/office/drawing/2014/main" id="{DB30793A-A43E-4F73-91D1-A8EF69139FE5}"/>
+              </a:ext>
+            </a:extLst>
+          </p:cNvPr>
           <p:cNvSpPr>
-            <a:spLocks noGrp="1" noChangeArrowheads="1"/>
+            <a:spLocks noGrp="1"/>
           </p:cNvSpPr>
           <p:nvPr>
             <p:ph type="title"/>
@@ -8214,397 +8388,637 @@
           <a:p>
             <a:r>
               <a:rPr lang="en-US" dirty="0"/>
-              <a:t>Control flow in Scheme</a:t>
+              <a:t>Live coding demo (first implementation)</a:t>
             </a:r>
           </a:p>
         </p:txBody>
       </p:sp>
       <p:sp>
         <p:nvSpPr>
-          <p:cNvPr id="115715" name="Rectangle 3"/>
+          <p:cNvPr id="3" name="Content Placeholder 2">
+            <a:extLst>
+              <a:ext uri="{FF2B5EF4-FFF2-40B4-BE49-F238E27FC236}">
+                <a16:creationId xmlns:a16="http://schemas.microsoft.com/office/drawing/2014/main" id="{E549CC3F-C5F4-4F7B-ADC7-59D1F6CEAF2B}"/>
+              </a:ext>
+            </a:extLst>
+          </p:cNvPr>
           <p:cNvSpPr>
-            <a:spLocks noGrp="1" noChangeArrowheads="1"/>
+            <a:spLocks noGrp="1"/>
           </p:cNvSpPr>
           <p:nvPr>
-            <p:ph type="body" idx="1"/>
+            <p:ph idx="1"/>
           </p:nvPr>
         </p:nvSpPr>
-        <p:spPr>
-          <a:xfrm>
-            <a:off x="2133600" y="1600200"/>
-            <a:ext cx="8305800" cy="4724400"/>
-          </a:xfrm>
-        </p:spPr>
+        <p:spPr/>
         <p:txBody>
           <a:bodyPr/>
           <a:lstStyle/>
           <a:p>
             <a:r>
               <a:rPr lang="en-US" dirty="0"/>
-              <a:t>The two most basic things that affect flow of control in a program are:</a:t>
+              <a:t>The starting code is in the live-in-class folder.</a:t>
             </a:r>
           </a:p>
           <a:p>
             <a:r>
               <a:rPr lang="en-US" dirty="0"/>
-              <a:t>The current ______________ to be evaluated.</a:t>
+              <a:t>The live demo is on a video (14 minutes).</a:t>
             </a:r>
           </a:p>
           <a:p>
             <a:r>
               <a:rPr lang="en-US" dirty="0"/>
-              <a:t>The __________________ which tells what is to be done with that value in order to complete the entire computation.</a:t>
-            </a:r>
-          </a:p>
-        </p:txBody>
-      </p:sp>
-      <p:sp>
-        <p:nvSpPr>
-          <p:cNvPr id="115716" name="Text Box 4"/>
-          <p:cNvSpPr txBox="1">
-            <a:spLocks noChangeArrowheads="1"/>
-          </p:cNvSpPr>
-          <p:nvPr/>
-        </p:nvSpPr>
-        <p:spPr bwMode="auto">
-          <a:xfrm>
-            <a:off x="5181600" y="2590800"/>
-            <a:ext cx="3505200" cy="579438"/>
-          </a:xfrm>
-          <a:prstGeom prst="rect">
-            <a:avLst/>
-          </a:prstGeom>
-          <a:noFill/>
-          <a:ln w="9525">
-            <a:noFill/>
-            <a:miter lim="800000"/>
-            <a:headEnd/>
-            <a:tailEnd/>
-          </a:ln>
-          <a:effectLst/>
-        </p:spPr>
-        <p:txBody>
-          <a:bodyPr>
-            <a:spAutoFit/>
-          </a:bodyPr>
-          <a:lstStyle/>
-          <a:p>
-            <a:pPr>
-              <a:spcBef>
-                <a:spcPct val="50000"/>
-              </a:spcBef>
-            </a:pPr>
-            <a:r>
-              <a:rPr lang="en-US" sz="3200" dirty="0">
-                <a:solidFill>
-                  <a:srgbClr val="CC0099"/>
-                </a:solidFill>
-              </a:rPr>
-              <a:t>expression</a:t>
-            </a:r>
-          </a:p>
-        </p:txBody>
-      </p:sp>
-      <p:sp>
-        <p:nvSpPr>
-          <p:cNvPr id="115717" name="Text Box 5"/>
-          <p:cNvSpPr txBox="1">
-            <a:spLocks noChangeArrowheads="1"/>
-          </p:cNvSpPr>
-          <p:nvPr/>
-        </p:nvSpPr>
-        <p:spPr bwMode="auto">
-          <a:xfrm>
-            <a:off x="3962400" y="3733800"/>
-            <a:ext cx="3505200" cy="579438"/>
-          </a:xfrm>
-          <a:prstGeom prst="rect">
-            <a:avLst/>
-          </a:prstGeom>
-          <a:noFill/>
-          <a:ln w="9525">
-            <a:noFill/>
-            <a:miter lim="800000"/>
-            <a:headEnd/>
-            <a:tailEnd/>
-          </a:ln>
-          <a:effectLst/>
-        </p:spPr>
-        <p:txBody>
-          <a:bodyPr>
-            <a:spAutoFit/>
-          </a:bodyPr>
-          <a:lstStyle/>
-          <a:p>
-            <a:pPr>
-              <a:spcBef>
-                <a:spcPct val="50000"/>
-              </a:spcBef>
-            </a:pPr>
-            <a:r>
-              <a:rPr lang="en-US" sz="3200" dirty="0">
-                <a:solidFill>
-                  <a:srgbClr val="CC0099"/>
-                </a:solidFill>
-              </a:rPr>
-              <a:t>continuation</a:t>
-            </a:r>
+              <a:t>View it before Thursday’s class.</a:t>
+            </a:r>
+          </a:p>
+          <a:p>
+            <a:endParaRPr lang="en-US" dirty="0"/>
           </a:p>
         </p:txBody>
       </p:sp>
     </p:spTree>
     <p:extLst>
       <p:ext uri="{BB962C8B-B14F-4D97-AF65-F5344CB8AC3E}">
-        <p14:creationId xmlns:p14="http://schemas.microsoft.com/office/powerpoint/2010/main" val="1897043576"/>
+        <p14:creationId xmlns:p14="http://schemas.microsoft.com/office/powerpoint/2010/main" val="920376832"/>
       </p:ext>
     </p:extLst>
   </p:cSld>
   <p:clrMapOvr>
     <a:masterClrMapping/>
   </p:clrMapOvr>
-  <p:timing>
-    <p:tnLst>
-      <p:par>
-        <p:cTn id="1" dur="indefinite" restart="never" nodeType="tmRoot">
-          <p:childTnLst>
-            <p:seq concurrent="1" nextAc="seek">
-              <p:cTn id="2" dur="indefinite" nodeType="mainSeq">
-                <p:childTnLst>
-                  <p:par>
-                    <p:cTn id="3" fill="hold">
-                      <p:stCondLst>
-                        <p:cond delay="indefinite"/>
-                        <p:cond evt="onBegin" delay="0">
-                          <p:tn val="2"/>
-                        </p:cond>
-                      </p:stCondLst>
-                      <p:childTnLst>
-                        <p:par>
-                          <p:cTn id="4" fill="hold">
-                            <p:stCondLst>
-                              <p:cond delay="0"/>
-                            </p:stCondLst>
-                            <p:childTnLst>
-                              <p:par>
-                                <p:cTn id="5" presetID="1" presetClass="entr" presetSubtype="0" fill="hold" grpId="0" nodeType="withEffect">
-                                  <p:stCondLst>
-                                    <p:cond delay="0"/>
-                                  </p:stCondLst>
-                                  <p:childTnLst>
-                                    <p:set>
-                                      <p:cBhvr>
-                                        <p:cTn id="6" dur="1" fill="hold">
-                                          <p:stCondLst>
-                                            <p:cond delay="0"/>
-                                          </p:stCondLst>
-                                        </p:cTn>
-                                        <p:tgtEl>
-                                          <p:spTgt spid="115715">
-                                            <p:txEl>
-                                              <p:pRg st="0" end="0"/>
-                                            </p:txEl>
-                                          </p:spTgt>
-                                        </p:tgtEl>
-                                        <p:attrNameLst>
-                                          <p:attrName>style.visibility</p:attrName>
-                                        </p:attrNameLst>
-                                      </p:cBhvr>
-                                      <p:to>
-                                        <p:strVal val="visible"/>
-                                      </p:to>
-                                    </p:set>
-                                  </p:childTnLst>
-                                </p:cTn>
-                              </p:par>
-                              <p:par>
-                                <p:cTn id="7" presetID="1" presetClass="entr" presetSubtype="0" fill="hold" grpId="0" nodeType="withEffect">
-                                  <p:stCondLst>
-                                    <p:cond delay="0"/>
-                                  </p:stCondLst>
-                                  <p:childTnLst>
-                                    <p:set>
-                                      <p:cBhvr>
-                                        <p:cTn id="8" dur="1" fill="hold">
-                                          <p:stCondLst>
-                                            <p:cond delay="0"/>
-                                          </p:stCondLst>
-                                        </p:cTn>
-                                        <p:tgtEl>
-                                          <p:spTgt spid="115715">
-                                            <p:txEl>
-                                              <p:pRg st="1" end="1"/>
-                                            </p:txEl>
-                                          </p:spTgt>
-                                        </p:tgtEl>
-                                        <p:attrNameLst>
-                                          <p:attrName>style.visibility</p:attrName>
-                                        </p:attrNameLst>
-                                      </p:cBhvr>
-                                      <p:to>
-                                        <p:strVal val="visible"/>
-                                      </p:to>
-                                    </p:set>
-                                  </p:childTnLst>
-                                </p:cTn>
-                              </p:par>
-                              <p:par>
-                                <p:cTn id="9" presetID="1" presetClass="entr" presetSubtype="0" fill="hold" grpId="0" nodeType="withEffect">
-                                  <p:stCondLst>
-                                    <p:cond delay="0"/>
-                                  </p:stCondLst>
-                                  <p:childTnLst>
-                                    <p:set>
-                                      <p:cBhvr>
-                                        <p:cTn id="10" dur="1" fill="hold">
-                                          <p:stCondLst>
-                                            <p:cond delay="0"/>
-                                          </p:stCondLst>
-                                        </p:cTn>
-                                        <p:tgtEl>
-                                          <p:spTgt spid="115715">
-                                            <p:txEl>
-                                              <p:pRg st="2" end="2"/>
-                                            </p:txEl>
-                                          </p:spTgt>
-                                        </p:tgtEl>
-                                        <p:attrNameLst>
-                                          <p:attrName>style.visibility</p:attrName>
-                                        </p:attrNameLst>
-                                      </p:cBhvr>
-                                      <p:to>
-                                        <p:strVal val="visible"/>
-                                      </p:to>
-                                    </p:set>
-                                  </p:childTnLst>
-                                </p:cTn>
-                              </p:par>
-                            </p:childTnLst>
-                          </p:cTn>
-                        </p:par>
-                      </p:childTnLst>
-                    </p:cTn>
-                  </p:par>
-                  <p:par>
-                    <p:cTn id="11" fill="hold">
-                      <p:stCondLst>
-                        <p:cond delay="indefinite"/>
-                      </p:stCondLst>
-                      <p:childTnLst>
-                        <p:par>
-                          <p:cTn id="12" fill="hold">
-                            <p:stCondLst>
-                              <p:cond delay="0"/>
-                            </p:stCondLst>
-                            <p:childTnLst>
-                              <p:par>
-                                <p:cTn id="13" presetID="1" presetClass="entr" presetSubtype="0" fill="hold" grpId="0" nodeType="clickEffect">
-                                  <p:stCondLst>
-                                    <p:cond delay="0"/>
-                                  </p:stCondLst>
-                                  <p:childTnLst>
-                                    <p:set>
-                                      <p:cBhvr>
-                                        <p:cTn id="14" dur="1" fill="hold">
-                                          <p:stCondLst>
-                                            <p:cond delay="0"/>
-                                          </p:stCondLst>
-                                        </p:cTn>
-                                        <p:tgtEl>
-                                          <p:spTgt spid="115716"/>
-                                        </p:tgtEl>
-                                        <p:attrNameLst>
-                                          <p:attrName>style.visibility</p:attrName>
-                                        </p:attrNameLst>
-                                      </p:cBhvr>
-                                      <p:to>
-                                        <p:strVal val="visible"/>
-                                      </p:to>
-                                    </p:set>
-                                  </p:childTnLst>
-                                </p:cTn>
-                              </p:par>
-                            </p:childTnLst>
-                          </p:cTn>
-                        </p:par>
-                      </p:childTnLst>
-                    </p:cTn>
-                  </p:par>
-                  <p:par>
-                    <p:cTn id="15" fill="hold">
-                      <p:stCondLst>
-                        <p:cond delay="indefinite"/>
-                      </p:stCondLst>
-                      <p:childTnLst>
-                        <p:par>
-                          <p:cTn id="16" fill="hold">
-                            <p:stCondLst>
-                              <p:cond delay="0"/>
-                            </p:stCondLst>
-                            <p:childTnLst>
-                              <p:par>
-                                <p:cTn id="17" presetID="1" presetClass="entr" presetSubtype="0" fill="hold" grpId="0" nodeType="clickEffect">
-                                  <p:stCondLst>
-                                    <p:cond delay="0"/>
-                                  </p:stCondLst>
-                                  <p:childTnLst>
-                                    <p:set>
-                                      <p:cBhvr>
-                                        <p:cTn id="18" dur="1" fill="hold">
-                                          <p:stCondLst>
-                                            <p:cond delay="0"/>
-                                          </p:stCondLst>
-                                        </p:cTn>
-                                        <p:tgtEl>
-                                          <p:spTgt spid="115717"/>
-                                        </p:tgtEl>
-                                        <p:attrNameLst>
-                                          <p:attrName>style.visibility</p:attrName>
-                                        </p:attrNameLst>
-                                      </p:cBhvr>
-                                      <p:to>
-                                        <p:strVal val="visible"/>
-                                      </p:to>
-                                    </p:set>
-                                  </p:childTnLst>
-                                </p:cTn>
-                              </p:par>
-                            </p:childTnLst>
-                          </p:cTn>
-                        </p:par>
-                      </p:childTnLst>
-                    </p:cTn>
-                  </p:par>
-                </p:childTnLst>
-              </p:cTn>
-              <p:prevCondLst>
-                <p:cond evt="onPrev" delay="0">
-                  <p:tgtEl>
-                    <p:sldTgt/>
-                  </p:tgtEl>
-                </p:cond>
-              </p:prevCondLst>
-              <p:nextCondLst>
-                <p:cond evt="onNext" delay="0">
-                  <p:tgtEl>
-                    <p:sldTgt/>
-                  </p:tgtEl>
-                </p:cond>
-              </p:nextCondLst>
-            </p:seq>
-          </p:childTnLst>
-        </p:cTn>
-      </p:par>
-    </p:tnLst>
-    <p:bldLst>
-      <p:bldP spid="115715" grpId="0" build="p"/>
-      <p:bldP spid="115716" grpId="0"/>
-      <p:bldP spid="115717" grpId="0"/>
-    </p:bldLst>
-  </p:timing>
+</p:sld>
+</file>
+
+<file path=ppt/slides/slide3.xml><?xml version="1.0" encoding="utf-8"?>
+<p:sld xmlns:a="http://schemas.openxmlformats.org/drawingml/2006/main" xmlns:r="http://schemas.openxmlformats.org/officeDocument/2006/relationships" xmlns:p="http://schemas.openxmlformats.org/presentationml/2006/main">
+  <p:cSld>
+    <p:spTree>
+      <p:nvGrpSpPr>
+        <p:cNvPr id="1" name=""/>
+        <p:cNvGrpSpPr/>
+        <p:nvPr/>
+      </p:nvGrpSpPr>
+      <p:grpSpPr>
+        <a:xfrm>
+          <a:off x="0" y="0"/>
+          <a:ext cx="0" cy="0"/>
+          <a:chOff x="0" y="0"/>
+          <a:chExt cx="0" cy="0"/>
+        </a:xfrm>
+      </p:grpSpPr>
+      <p:sp>
+        <p:nvSpPr>
+          <p:cNvPr id="2" name="Title 1">
+            <a:extLst>
+              <a:ext uri="{FF2B5EF4-FFF2-40B4-BE49-F238E27FC236}">
+                <a16:creationId xmlns:a16="http://schemas.microsoft.com/office/drawing/2014/main" id="{4A1AF2DB-45B4-74BD-9711-4D0997F44DD8}"/>
+              </a:ext>
+            </a:extLst>
+          </p:cNvPr>
+          <p:cNvSpPr>
+            <a:spLocks noGrp="1"/>
+          </p:cNvSpPr>
+          <p:nvPr>
+            <p:ph type="title"/>
+          </p:nvPr>
+        </p:nvSpPr>
+        <p:spPr/>
+        <p:txBody>
+          <a:bodyPr/>
+          <a:lstStyle/>
+          <a:p>
+            <a:r>
+              <a:rPr lang="en-US" dirty="0" err="1"/>
+              <a:t>Todo</a:t>
+            </a:r>
+            <a:r>
+              <a:rPr lang="en-US" dirty="0"/>
+              <a:t> lists.  Consider this code:</a:t>
+            </a:r>
+          </a:p>
+        </p:txBody>
+      </p:sp>
+      <p:sp>
+        <p:nvSpPr>
+          <p:cNvPr id="3" name="Content Placeholder 2">
+            <a:extLst>
+              <a:ext uri="{FF2B5EF4-FFF2-40B4-BE49-F238E27FC236}">
+                <a16:creationId xmlns:a16="http://schemas.microsoft.com/office/drawing/2014/main" id="{4028FB9B-8D80-77AA-77BF-6051FAF74642}"/>
+              </a:ext>
+            </a:extLst>
+          </p:cNvPr>
+          <p:cNvSpPr>
+            <a:spLocks noGrp="1"/>
+          </p:cNvSpPr>
+          <p:nvPr>
+            <p:ph idx="1"/>
+          </p:nvPr>
+        </p:nvSpPr>
+        <p:spPr>
+          <a:xfrm>
+            <a:off x="609600" y="1600201"/>
+            <a:ext cx="10972800" cy="761999"/>
+          </a:xfrm>
+        </p:spPr>
+        <p:txBody>
+          <a:bodyPr/>
+          <a:lstStyle/>
+          <a:p>
+            <a:pPr marL="0" indent="0">
+              <a:buNone/>
+            </a:pPr>
+            <a:r>
+              <a:rPr lang="en-US" dirty="0"/>
+              <a:t>(+ 3 (fun1 (+ 4 5)) (fun2 6))</a:t>
+            </a:r>
+          </a:p>
+          <a:p>
+            <a:pPr marL="0" indent="0">
+              <a:buNone/>
+            </a:pPr>
+            <a:endParaRPr lang="en-US" dirty="0"/>
+          </a:p>
+        </p:txBody>
+      </p:sp>
+      <p:sp>
+        <p:nvSpPr>
+          <p:cNvPr id="4" name="TextBox 3">
+            <a:extLst>
+              <a:ext uri="{FF2B5EF4-FFF2-40B4-BE49-F238E27FC236}">
+                <a16:creationId xmlns:a16="http://schemas.microsoft.com/office/drawing/2014/main" id="{AB719111-1205-DE15-EE30-54658E95CA96}"/>
+              </a:ext>
+            </a:extLst>
+          </p:cNvPr>
+          <p:cNvSpPr txBox="1"/>
+          <p:nvPr/>
+        </p:nvSpPr>
+        <p:spPr>
+          <a:xfrm>
+            <a:off x="304800" y="2362200"/>
+            <a:ext cx="3200400" cy="3816429"/>
+          </a:xfrm>
+          <a:prstGeom prst="rect">
+            <a:avLst/>
+          </a:prstGeom>
+          <a:noFill/>
+        </p:spPr>
+        <p:txBody>
+          <a:bodyPr wrap="square" rtlCol="0">
+            <a:spAutoFit/>
+          </a:bodyPr>
+          <a:lstStyle/>
+          <a:p>
+            <a:r>
+              <a:rPr lang="en-US" sz="3200" dirty="0"/>
+              <a:t>Initially</a:t>
+            </a:r>
+          </a:p>
+          <a:p>
+            <a:endParaRPr lang="en-US" sz="3200" dirty="0"/>
+          </a:p>
+          <a:p>
+            <a:pPr marL="342900" indent="-342900">
+              <a:buAutoNum type="arabicPeriod"/>
+            </a:pPr>
+            <a:r>
+              <a:rPr lang="en-US" sz="3200" dirty="0"/>
+              <a:t>Finish  (+ 3 (fun1 (+ 4 5)) (fun2 6)).</a:t>
+            </a:r>
+          </a:p>
+          <a:p>
+            <a:pPr marL="342900" indent="-342900">
+              <a:buAutoNum type="arabicPeriod"/>
+            </a:pPr>
+            <a:r>
+              <a:rPr lang="en-US" sz="3200" dirty="0"/>
+              <a:t>And we’re done</a:t>
+            </a:r>
+          </a:p>
+          <a:p>
+            <a:r>
+              <a:rPr lang="en-US" dirty="0"/>
+              <a:t> </a:t>
+            </a:r>
+          </a:p>
+        </p:txBody>
+      </p:sp>
+      <p:sp>
+        <p:nvSpPr>
+          <p:cNvPr id="5" name="TextBox 4">
+            <a:extLst>
+              <a:ext uri="{FF2B5EF4-FFF2-40B4-BE49-F238E27FC236}">
+                <a16:creationId xmlns:a16="http://schemas.microsoft.com/office/drawing/2014/main" id="{BCA25D9C-B64A-0215-7002-B0689E8FAF2D}"/>
+              </a:ext>
+            </a:extLst>
+          </p:cNvPr>
+          <p:cNvSpPr txBox="1"/>
+          <p:nvPr/>
+        </p:nvSpPr>
+        <p:spPr>
+          <a:xfrm>
+            <a:off x="3581400" y="2362199"/>
+            <a:ext cx="3200400" cy="3816429"/>
+          </a:xfrm>
+          <a:prstGeom prst="rect">
+            <a:avLst/>
+          </a:prstGeom>
+          <a:noFill/>
+        </p:spPr>
+        <p:txBody>
+          <a:bodyPr wrap="square" rtlCol="0">
+            <a:spAutoFit/>
+          </a:bodyPr>
+          <a:lstStyle/>
+          <a:p>
+            <a:r>
+              <a:rPr lang="en-US" sz="3200" dirty="0"/>
+              <a:t>As we call fun1</a:t>
+            </a:r>
+          </a:p>
+          <a:p>
+            <a:endParaRPr lang="en-US" sz="3200" dirty="0"/>
+          </a:p>
+          <a:p>
+            <a:pPr marL="342900" indent="-342900">
+              <a:buAutoNum type="arabicPeriod"/>
+            </a:pPr>
+            <a:r>
+              <a:rPr lang="en-US" sz="3200" dirty="0"/>
+              <a:t>Finish (fun1 9)</a:t>
+            </a:r>
+          </a:p>
+          <a:p>
+            <a:pPr marL="342900" indent="-342900">
+              <a:buAutoNum type="arabicPeriod"/>
+            </a:pPr>
+            <a:r>
+              <a:rPr lang="en-US" sz="3200" dirty="0"/>
+              <a:t>Eval (fun2 6)</a:t>
+            </a:r>
+          </a:p>
+          <a:p>
+            <a:pPr marL="342900" indent="-342900">
+              <a:buAutoNum type="arabicPeriod"/>
+            </a:pPr>
+            <a:r>
+              <a:rPr lang="en-US" sz="3200" dirty="0"/>
+              <a:t>Eval (+ 3 ? ?)</a:t>
+            </a:r>
+          </a:p>
+          <a:p>
+            <a:pPr marL="342900" indent="-342900">
+              <a:buAutoNum type="arabicPeriod"/>
+            </a:pPr>
+            <a:r>
+              <a:rPr lang="en-US" sz="3200" dirty="0"/>
+              <a:t>And we’re done</a:t>
+            </a:r>
+          </a:p>
+          <a:p>
+            <a:r>
+              <a:rPr lang="en-US" dirty="0"/>
+              <a:t> </a:t>
+            </a:r>
+          </a:p>
+        </p:txBody>
+      </p:sp>
+      <p:sp>
+        <p:nvSpPr>
+          <p:cNvPr id="6" name="TextBox 5">
+            <a:extLst>
+              <a:ext uri="{FF2B5EF4-FFF2-40B4-BE49-F238E27FC236}">
+                <a16:creationId xmlns:a16="http://schemas.microsoft.com/office/drawing/2014/main" id="{8265366C-D741-7985-57C2-1851AA67A6A8}"/>
+              </a:ext>
+            </a:extLst>
+          </p:cNvPr>
+          <p:cNvSpPr txBox="1"/>
+          <p:nvPr/>
+        </p:nvSpPr>
+        <p:spPr>
+          <a:xfrm>
+            <a:off x="6858000" y="2387599"/>
+            <a:ext cx="3200400" cy="3323987"/>
+          </a:xfrm>
+          <a:prstGeom prst="rect">
+            <a:avLst/>
+          </a:prstGeom>
+          <a:noFill/>
+        </p:spPr>
+        <p:txBody>
+          <a:bodyPr wrap="square" rtlCol="0">
+            <a:spAutoFit/>
+          </a:bodyPr>
+          <a:lstStyle/>
+          <a:p>
+            <a:r>
+              <a:rPr lang="en-US" sz="3200" dirty="0"/>
+              <a:t>As we call fun2</a:t>
+            </a:r>
+          </a:p>
+          <a:p>
+            <a:endParaRPr lang="en-US" sz="3200" dirty="0"/>
+          </a:p>
+          <a:p>
+            <a:pPr marL="342900" indent="-342900">
+              <a:buAutoNum type="arabicPeriod"/>
+            </a:pPr>
+            <a:r>
+              <a:rPr lang="en-US" sz="3200" dirty="0"/>
+              <a:t>Finish (fun2 6)</a:t>
+            </a:r>
+          </a:p>
+          <a:p>
+            <a:pPr marL="342900" indent="-342900">
+              <a:buAutoNum type="arabicPeriod"/>
+            </a:pPr>
+            <a:r>
+              <a:rPr lang="en-US" sz="3200" dirty="0"/>
+              <a:t>Eval (+ 3 10 ?)</a:t>
+            </a:r>
+          </a:p>
+          <a:p>
+            <a:pPr marL="342900" indent="-342900">
+              <a:buAutoNum type="arabicPeriod"/>
+            </a:pPr>
+            <a:r>
+              <a:rPr lang="en-US" sz="3200" dirty="0"/>
+              <a:t>And we’re done</a:t>
+            </a:r>
+          </a:p>
+          <a:p>
+            <a:r>
+              <a:rPr lang="en-US" dirty="0"/>
+              <a:t> </a:t>
+            </a:r>
+          </a:p>
+        </p:txBody>
+      </p:sp>
+    </p:spTree>
+    <p:extLst>
+      <p:ext uri="{BB962C8B-B14F-4D97-AF65-F5344CB8AC3E}">
+        <p14:creationId xmlns:p14="http://schemas.microsoft.com/office/powerpoint/2010/main" val="2638576382"/>
+      </p:ext>
+    </p:extLst>
+  </p:cSld>
+  <p:clrMapOvr>
+    <a:masterClrMapping/>
+  </p:clrMapOvr>
 </p:sld>
 </file>
 
 <file path=ppt/slides/slide4.xml><?xml version="1.0" encoding="utf-8"?>
+<p:sld xmlns:a="http://schemas.openxmlformats.org/drawingml/2006/main" xmlns:r="http://schemas.openxmlformats.org/officeDocument/2006/relationships" xmlns:p="http://schemas.openxmlformats.org/presentationml/2006/main">
+  <p:cSld>
+    <p:spTree>
+      <p:nvGrpSpPr>
+        <p:cNvPr id="1" name=""/>
+        <p:cNvGrpSpPr/>
+        <p:nvPr/>
+      </p:nvGrpSpPr>
+      <p:grpSpPr>
+        <a:xfrm>
+          <a:off x="0" y="0"/>
+          <a:ext cx="0" cy="0"/>
+          <a:chOff x="0" y="0"/>
+          <a:chExt cx="0" cy="0"/>
+        </a:xfrm>
+      </p:grpSpPr>
+      <p:sp>
+        <p:nvSpPr>
+          <p:cNvPr id="2" name="Title 1">
+            <a:extLst>
+              <a:ext uri="{FF2B5EF4-FFF2-40B4-BE49-F238E27FC236}">
+                <a16:creationId xmlns:a16="http://schemas.microsoft.com/office/drawing/2014/main" id="{4A1AF2DB-45B4-74BD-9711-4D0997F44DD8}"/>
+              </a:ext>
+            </a:extLst>
+          </p:cNvPr>
+          <p:cNvSpPr>
+            <a:spLocks noGrp="1"/>
+          </p:cNvSpPr>
+          <p:nvPr>
+            <p:ph type="title"/>
+          </p:nvPr>
+        </p:nvSpPr>
+        <p:spPr/>
+        <p:txBody>
+          <a:bodyPr/>
+          <a:lstStyle/>
+          <a:p>
+            <a:r>
+              <a:rPr lang="en-US" dirty="0" err="1"/>
+              <a:t>Todo</a:t>
+            </a:r>
+            <a:r>
+              <a:rPr lang="en-US" dirty="0"/>
+              <a:t> lists as functions</a:t>
+            </a:r>
+          </a:p>
+        </p:txBody>
+      </p:sp>
+      <p:sp>
+        <p:nvSpPr>
+          <p:cNvPr id="3" name="Content Placeholder 2">
+            <a:extLst>
+              <a:ext uri="{FF2B5EF4-FFF2-40B4-BE49-F238E27FC236}">
+                <a16:creationId xmlns:a16="http://schemas.microsoft.com/office/drawing/2014/main" id="{4028FB9B-8D80-77AA-77BF-6051FAF74642}"/>
+              </a:ext>
+            </a:extLst>
+          </p:cNvPr>
+          <p:cNvSpPr>
+            <a:spLocks noGrp="1"/>
+          </p:cNvSpPr>
+          <p:nvPr>
+            <p:ph idx="1"/>
+          </p:nvPr>
+        </p:nvSpPr>
+        <p:spPr>
+          <a:xfrm>
+            <a:off x="609600" y="1600201"/>
+            <a:ext cx="10972800" cy="761999"/>
+          </a:xfrm>
+        </p:spPr>
+        <p:txBody>
+          <a:bodyPr/>
+          <a:lstStyle/>
+          <a:p>
+            <a:pPr marL="0" indent="0">
+              <a:buNone/>
+            </a:pPr>
+            <a:r>
+              <a:rPr lang="en-US" dirty="0"/>
+              <a:t>(+ 3 (fun1 (+ 4 5)) (fun2 6))</a:t>
+            </a:r>
+          </a:p>
+          <a:p>
+            <a:pPr marL="0" indent="0">
+              <a:buNone/>
+            </a:pPr>
+            <a:endParaRPr lang="en-US" dirty="0"/>
+          </a:p>
+        </p:txBody>
+      </p:sp>
+      <p:sp>
+        <p:nvSpPr>
+          <p:cNvPr id="5" name="TextBox 4">
+            <a:extLst>
+              <a:ext uri="{FF2B5EF4-FFF2-40B4-BE49-F238E27FC236}">
+                <a16:creationId xmlns:a16="http://schemas.microsoft.com/office/drawing/2014/main" id="{BCA25D9C-B64A-0215-7002-B0689E8FAF2D}"/>
+              </a:ext>
+            </a:extLst>
+          </p:cNvPr>
+          <p:cNvSpPr txBox="1"/>
+          <p:nvPr/>
+        </p:nvSpPr>
+        <p:spPr>
+          <a:xfrm>
+            <a:off x="762000" y="2362200"/>
+            <a:ext cx="3200400" cy="3816429"/>
+          </a:xfrm>
+          <a:prstGeom prst="rect">
+            <a:avLst/>
+          </a:prstGeom>
+          <a:noFill/>
+        </p:spPr>
+        <p:txBody>
+          <a:bodyPr wrap="square" rtlCol="0">
+            <a:spAutoFit/>
+          </a:bodyPr>
+          <a:lstStyle/>
+          <a:p>
+            <a:r>
+              <a:rPr lang="en-US" sz="3200" dirty="0"/>
+              <a:t>As we call fun1</a:t>
+            </a:r>
+          </a:p>
+          <a:p>
+            <a:endParaRPr lang="en-US" sz="3200" dirty="0"/>
+          </a:p>
+          <a:p>
+            <a:pPr marL="342900" indent="-342900">
+              <a:buAutoNum type="arabicPeriod"/>
+            </a:pPr>
+            <a:r>
+              <a:rPr lang="en-US" sz="3200" dirty="0"/>
+              <a:t>Eval (fun1 9)</a:t>
+            </a:r>
+          </a:p>
+          <a:p>
+            <a:pPr marL="342900" indent="-342900">
+              <a:buAutoNum type="arabicPeriod"/>
+            </a:pPr>
+            <a:r>
+              <a:rPr lang="en-US" sz="3200" dirty="0"/>
+              <a:t>Eval (fun2 6)</a:t>
+            </a:r>
+          </a:p>
+          <a:p>
+            <a:pPr marL="342900" indent="-342900">
+              <a:buAutoNum type="arabicPeriod"/>
+            </a:pPr>
+            <a:r>
+              <a:rPr lang="en-US" sz="3200" dirty="0"/>
+              <a:t>Eval (+ 3 ? ?)</a:t>
+            </a:r>
+          </a:p>
+          <a:p>
+            <a:pPr marL="342900" indent="-342900">
+              <a:buAutoNum type="arabicPeriod"/>
+            </a:pPr>
+            <a:r>
+              <a:rPr lang="en-US" sz="3200" dirty="0"/>
+              <a:t>And we’re done</a:t>
+            </a:r>
+          </a:p>
+          <a:p>
+            <a:r>
+              <a:rPr lang="en-US" dirty="0"/>
+              <a:t> </a:t>
+            </a:r>
+          </a:p>
+        </p:txBody>
+      </p:sp>
+      <p:sp>
+        <p:nvSpPr>
+          <p:cNvPr id="6" name="TextBox 5">
+            <a:extLst>
+              <a:ext uri="{FF2B5EF4-FFF2-40B4-BE49-F238E27FC236}">
+                <a16:creationId xmlns:a16="http://schemas.microsoft.com/office/drawing/2014/main" id="{8265366C-D741-7985-57C2-1851AA67A6A8}"/>
+              </a:ext>
+            </a:extLst>
+          </p:cNvPr>
+          <p:cNvSpPr txBox="1"/>
+          <p:nvPr/>
+        </p:nvSpPr>
+        <p:spPr>
+          <a:xfrm>
+            <a:off x="6858000" y="2387599"/>
+            <a:ext cx="3200400" cy="3323987"/>
+          </a:xfrm>
+          <a:prstGeom prst="rect">
+            <a:avLst/>
+          </a:prstGeom>
+          <a:noFill/>
+        </p:spPr>
+        <p:txBody>
+          <a:bodyPr wrap="square" rtlCol="0">
+            <a:spAutoFit/>
+          </a:bodyPr>
+          <a:lstStyle/>
+          <a:p>
+            <a:r>
+              <a:rPr lang="en-US" sz="3200" dirty="0"/>
+              <a:t>Expression:</a:t>
+            </a:r>
+          </a:p>
+          <a:p>
+            <a:r>
+              <a:rPr lang="en-US" sz="3200" dirty="0"/>
+              <a:t>(fun1 9)</a:t>
+            </a:r>
+          </a:p>
+          <a:p>
+            <a:endParaRPr lang="en-US" sz="3200" dirty="0"/>
+          </a:p>
+          <a:p>
+            <a:r>
+              <a:rPr lang="en-US" sz="3200" dirty="0"/>
+              <a:t>Continuation:</a:t>
+            </a:r>
+          </a:p>
+          <a:p>
+            <a:r>
+              <a:rPr lang="en-US" sz="3200" dirty="0"/>
+              <a:t>(lambda (x) </a:t>
+            </a:r>
+          </a:p>
+          <a:p>
+            <a:r>
+              <a:rPr lang="en-US" sz="3200" dirty="0"/>
+              <a:t>(+3 x (fun2 6)))</a:t>
+            </a:r>
+          </a:p>
+          <a:p>
+            <a:r>
+              <a:rPr lang="en-US" dirty="0"/>
+              <a:t> </a:t>
+            </a:r>
+          </a:p>
+        </p:txBody>
+      </p:sp>
+    </p:spTree>
+    <p:extLst>
+      <p:ext uri="{BB962C8B-B14F-4D97-AF65-F5344CB8AC3E}">
+        <p14:creationId xmlns:p14="http://schemas.microsoft.com/office/powerpoint/2010/main" val="3679751856"/>
+      </p:ext>
+    </p:extLst>
+  </p:cSld>
+  <p:clrMapOvr>
+    <a:masterClrMapping/>
+  </p:clrMapOvr>
+</p:sld>
+</file>
+
+<file path=ppt/slides/slide5.xml><?xml version="1.0" encoding="utf-8"?>
 <p:sld xmlns:a="http://schemas.openxmlformats.org/drawingml/2006/main" xmlns:r="http://schemas.openxmlformats.org/officeDocument/2006/relationships" xmlns:p="http://schemas.openxmlformats.org/presentationml/2006/main" showMasterPhAnim="0">
   <p:cSld>
     <p:spTree>
@@ -9404,210 +9818,6 @@
 </p:sld>
 </file>
 
-<file path=ppt/slides/slide5.xml><?xml version="1.0" encoding="utf-8"?>
-<p:sld xmlns:a="http://schemas.openxmlformats.org/drawingml/2006/main" xmlns:r="http://schemas.openxmlformats.org/officeDocument/2006/relationships" xmlns:p="http://schemas.openxmlformats.org/presentationml/2006/main">
-  <p:cSld>
-    <p:spTree>
-      <p:nvGrpSpPr>
-        <p:cNvPr id="1" name=""/>
-        <p:cNvGrpSpPr/>
-        <p:nvPr/>
-      </p:nvGrpSpPr>
-      <p:grpSpPr>
-        <a:xfrm>
-          <a:off x="0" y="0"/>
-          <a:ext cx="0" cy="0"/>
-          <a:chOff x="0" y="0"/>
-          <a:chExt cx="0" cy="0"/>
-        </a:xfrm>
-      </p:grpSpPr>
-      <p:sp>
-        <p:nvSpPr>
-          <p:cNvPr id="129026" name="Rectangle 2"/>
-          <p:cNvSpPr>
-            <a:spLocks noGrp="1" noChangeArrowheads="1"/>
-          </p:cNvSpPr>
-          <p:nvPr>
-            <p:ph type="title"/>
-          </p:nvPr>
-        </p:nvSpPr>
-        <p:spPr/>
-        <p:txBody>
-          <a:bodyPr/>
-          <a:lstStyle/>
-          <a:p>
-            <a:r>
-              <a:rPr lang="en-US" dirty="0"/>
-              <a:t>More Examples</a:t>
-            </a:r>
-          </a:p>
-        </p:txBody>
-      </p:sp>
-      <p:sp>
-        <p:nvSpPr>
-          <p:cNvPr id="129027" name="Rectangle 3"/>
-          <p:cNvSpPr>
-            <a:spLocks noGrp="1" noChangeArrowheads="1"/>
-          </p:cNvSpPr>
-          <p:nvPr>
-            <p:ph type="body" idx="1"/>
-          </p:nvPr>
-        </p:nvSpPr>
-        <p:spPr>
-          <a:xfrm>
-            <a:off x="609600" y="1295400"/>
-            <a:ext cx="10972800" cy="4525963"/>
-          </a:xfrm>
-        </p:spPr>
-        <p:txBody>
-          <a:bodyPr/>
-          <a:lstStyle/>
-          <a:p>
-            <a:r>
-              <a:rPr lang="en-US" sz="3600" dirty="0"/>
-              <a:t>What is the continuation of </a:t>
-            </a:r>
-            <a:r>
-              <a:rPr lang="en-US" sz="3600" b="1" dirty="0">
-                <a:solidFill>
-                  <a:srgbClr val="CC0099"/>
-                </a:solidFill>
-                <a:latin typeface="Courier New" pitchFamily="49" charset="0"/>
-              </a:rPr>
-              <a:t>(&lt; x 5)</a:t>
-            </a:r>
-            <a:r>
-              <a:rPr lang="en-US" sz="3600" dirty="0">
-                <a:solidFill>
-                  <a:srgbClr val="CC0099"/>
-                </a:solidFill>
-              </a:rPr>
-              <a:t> </a:t>
-            </a:r>
-            <a:r>
-              <a:rPr lang="en-US" sz="3600" dirty="0"/>
-              <a:t>in </a:t>
-            </a:r>
-            <a:br>
-              <a:rPr lang="en-US" sz="3600" dirty="0"/>
-            </a:br>
-            <a:r>
-              <a:rPr lang="en-US" sz="3600" b="1" dirty="0">
-                <a:solidFill>
-                  <a:srgbClr val="CC0099"/>
-                </a:solidFill>
-                <a:latin typeface="Courier New" pitchFamily="49" charset="0"/>
-              </a:rPr>
-              <a:t>(if (&lt; x 5) (+ x 3) (* x 2)) </a:t>
-            </a:r>
-            <a:r>
-              <a:rPr lang="en-US" sz="3600" dirty="0"/>
-              <a:t>?</a:t>
-            </a:r>
-          </a:p>
-          <a:p>
-            <a:pPr lvl="1"/>
-            <a:endParaRPr lang="en-US" sz="3200" b="1" dirty="0">
-              <a:solidFill>
-                <a:srgbClr val="0033CC"/>
-              </a:solidFill>
-              <a:effectLst>
-                <a:outerShdw blurRad="38100" dist="38100" dir="2700000" algn="tl">
-                  <a:srgbClr val="000000">
-                    <a:alpha val="43137"/>
-                  </a:srgbClr>
-                </a:outerShdw>
-              </a:effectLst>
-              <a:latin typeface="Consolas" panose="020B0609020204030204" pitchFamily="49" charset="0"/>
-              <a:cs typeface="Consolas" panose="020B0609020204030204" pitchFamily="49" charset="0"/>
-            </a:endParaRPr>
-          </a:p>
-          <a:p>
-            <a:pPr lvl="1"/>
-            <a:endParaRPr lang="en-US" sz="3200" b="1" dirty="0">
-              <a:solidFill>
-                <a:srgbClr val="0033CC"/>
-              </a:solidFill>
-              <a:effectLst>
-                <a:outerShdw blurRad="38100" dist="38100" dir="2700000" algn="tl">
-                  <a:srgbClr val="000000">
-                    <a:alpha val="43137"/>
-                  </a:srgbClr>
-                </a:outerShdw>
-              </a:effectLst>
-              <a:latin typeface="Consolas" panose="020B0609020204030204" pitchFamily="49" charset="0"/>
-              <a:cs typeface="Consolas" panose="020B0609020204030204" pitchFamily="49" charset="0"/>
-            </a:endParaRPr>
-          </a:p>
-          <a:p>
-            <a:r>
-              <a:rPr lang="en-US" sz="3600" dirty="0"/>
-              <a:t>What is the continuation of </a:t>
-            </a:r>
-            <a:r>
-              <a:rPr lang="en-US" sz="3600" b="1" dirty="0">
-                <a:solidFill>
-                  <a:srgbClr val="CC0099"/>
-                </a:solidFill>
-                <a:latin typeface="Courier New" pitchFamily="49" charset="0"/>
-              </a:rPr>
-              <a:t>(+ x 3)</a:t>
-            </a:r>
-            <a:r>
-              <a:rPr lang="en-US" sz="3600" dirty="0">
-                <a:solidFill>
-                  <a:srgbClr val="CC0099"/>
-                </a:solidFill>
-              </a:rPr>
-              <a:t> </a:t>
-            </a:r>
-            <a:r>
-              <a:rPr lang="en-US" sz="3600" dirty="0"/>
-              <a:t>in </a:t>
-            </a:r>
-            <a:br>
-              <a:rPr lang="en-US" sz="3600" dirty="0"/>
-            </a:br>
-            <a:r>
-              <a:rPr lang="en-US" sz="3600" b="1" dirty="0">
-                <a:solidFill>
-                  <a:srgbClr val="CC0099"/>
-                </a:solidFill>
-                <a:latin typeface="Courier New" pitchFamily="49" charset="0"/>
-              </a:rPr>
-              <a:t>(if (&lt; x 5) (+ x 3) (* x 2)) </a:t>
-            </a:r>
-            <a:r>
-              <a:rPr lang="en-US" sz="3600" dirty="0"/>
-              <a:t>?</a:t>
-            </a:r>
-          </a:p>
-          <a:p>
-            <a:pPr lvl="1"/>
-            <a:endParaRPr lang="en-US" b="1" dirty="0">
-              <a:solidFill>
-                <a:srgbClr val="0033CC"/>
-              </a:solidFill>
-            </a:endParaRPr>
-          </a:p>
-          <a:p>
-            <a:endParaRPr lang="en-US" dirty="0"/>
-          </a:p>
-        </p:txBody>
-      </p:sp>
-    </p:spTree>
-    <p:extLst>
-      <p:ext uri="{BB962C8B-B14F-4D97-AF65-F5344CB8AC3E}">
-        <p14:creationId xmlns:p14="http://schemas.microsoft.com/office/powerpoint/2010/main" val="2944387126"/>
-      </p:ext>
-    </p:extLst>
-  </p:cSld>
-  <p:clrMapOvr>
-    <a:masterClrMapping/>
-  </p:clrMapOvr>
-</p:sld>
-</file>
-
 <file path=ppt/slides/slide6.xml><?xml version="1.0" encoding="utf-8"?>
 <p:sld xmlns:a="http://schemas.openxmlformats.org/drawingml/2006/main" xmlns:r="http://schemas.openxmlformats.org/officeDocument/2006/relationships" xmlns:p="http://schemas.openxmlformats.org/presentationml/2006/main">
   <p:cSld>
@@ -9657,7 +9867,12 @@
             <p:ph type="body" idx="1"/>
           </p:nvPr>
         </p:nvSpPr>
-        <p:spPr/>
+        <p:spPr>
+          <a:xfrm>
+            <a:off x="609600" y="1295400"/>
+            <a:ext cx="10972800" cy="4525963"/>
+          </a:xfrm>
+        </p:spPr>
         <p:txBody>
           <a:bodyPr/>
           <a:lstStyle/>
@@ -9673,17 +9888,23 @@
                 </a:solidFill>
                 <a:latin typeface="Courier New" pitchFamily="49" charset="0"/>
               </a:rPr>
-              <a:t>(&lt;</a:t>
-            </a:r>
-            <a:r>
-              <a:rPr lang="en-US" sz="3600" b="1" dirty="0">
+              <a:t>(&lt; x 5)</a:t>
+            </a:r>
+            <a:r>
+              <a:rPr lang="en-US" sz="3600" dirty="0">
                 <a:solidFill>
-                  <a:srgbClr val="FF3300"/>
+                  <a:srgbClr val="CC0099"/>
                 </a:solidFill>
-                <a:latin typeface="Courier New" pitchFamily="49" charset="0"/>
               </a:rPr>
               <a:t> </a:t>
             </a:r>
+            <a:r>
+              <a:rPr lang="en-US" sz="3600" dirty="0"/>
+              <a:t>in </a:t>
+            </a:r>
+            <a:br>
+              <a:rPr lang="en-US" sz="3600" dirty="0"/>
+            </a:br>
             <a:r>
               <a:rPr lang="en-US" sz="3600" b="1" dirty="0">
                 <a:solidFill>
@@ -9691,48 +9912,11 @@
                 </a:solidFill>
                 <a:latin typeface="Courier New" pitchFamily="49" charset="0"/>
               </a:rPr>
-              <a:t>x 5) in </a:t>
-            </a:r>
-            <a:br>
-              <a:rPr lang="en-US" sz="3600" b="1" dirty="0">
-                <a:solidFill>
-                  <a:srgbClr val="CC0099"/>
-                </a:solidFill>
-                <a:latin typeface="Courier New" pitchFamily="49" charset="0"/>
-              </a:rPr>
-            </a:br>
-            <a:r>
-              <a:rPr lang="en-US" sz="3600" b="1" dirty="0">
-                <a:solidFill>
-                  <a:srgbClr val="CC0099"/>
-                </a:solidFill>
-                <a:latin typeface="Courier New" pitchFamily="49" charset="0"/>
-              </a:rPr>
               <a:t>(if (&lt; x 5) (+ x 3) (* x 2)) </a:t>
             </a:r>
             <a:r>
               <a:rPr lang="en-US" sz="3600" dirty="0"/>
               <a:t>?</a:t>
-            </a:r>
-          </a:p>
-          <a:p>
-            <a:pPr lvl="1"/>
-            <a:r>
-              <a:rPr lang="en-US" sz="3200" b="1" dirty="0">
-                <a:solidFill>
-                  <a:srgbClr val="0033CC"/>
-                </a:solidFill>
-                <a:effectLst>
-                  <a:outerShdw blurRad="38100" dist="38100" dir="2700000" algn="tl">
-                    <a:srgbClr val="000000">
-                      <a:alpha val="43137"/>
-                    </a:srgbClr>
-                  </a:outerShdw>
-                </a:effectLst>
-                <a:latin typeface="Consolas" panose="020B0609020204030204" pitchFamily="49" charset="0"/>
-                <a:cs typeface="Consolas" panose="020B0609020204030204" pitchFamily="49" charset="0"/>
-              </a:rPr>
-              <a:t>(lambda (v) (if v (+ x 3) (* x 2))</a:t>
             </a:r>
           </a:p>
           <a:p>
@@ -9753,6 +9937,236 @@
             </a:endParaRPr>
           </a:p>
           <a:p>
+            <a:pPr lvl="1"/>
+            <a:endParaRPr lang="en-US" sz="3200" b="1" dirty="0">
+              <a:solidFill>
+                <a:srgbClr val="0033CC"/>
+              </a:solidFill>
+              <a:effectLst>
+                <a:outerShdw blurRad="38100" dist="38100" dir="2700000" algn="tl">
+                  <a:srgbClr val="000000">
+                    <a:alpha val="43137"/>
+                  </a:srgbClr>
+                </a:outerShdw>
+              </a:effectLst>
+              <a:latin typeface="Consolas" panose="020B0609020204030204" pitchFamily="49" charset="0"/>
+              <a:cs typeface="Consolas" panose="020B0609020204030204" pitchFamily="49" charset="0"/>
+            </a:endParaRPr>
+          </a:p>
+          <a:p>
+            <a:r>
+              <a:rPr lang="en-US" sz="3600" dirty="0"/>
+              <a:t>What is the continuation of </a:t>
+            </a:r>
+            <a:r>
+              <a:rPr lang="en-US" sz="3600" b="1" dirty="0">
+                <a:solidFill>
+                  <a:srgbClr val="CC0099"/>
+                </a:solidFill>
+                <a:latin typeface="Courier New" pitchFamily="49" charset="0"/>
+              </a:rPr>
+              <a:t>(+ x 3)</a:t>
+            </a:r>
+            <a:r>
+              <a:rPr lang="en-US" sz="3600" dirty="0">
+                <a:solidFill>
+                  <a:srgbClr val="CC0099"/>
+                </a:solidFill>
+              </a:rPr>
+              <a:t> </a:t>
+            </a:r>
+            <a:r>
+              <a:rPr lang="en-US" sz="3600" dirty="0"/>
+              <a:t>in </a:t>
+            </a:r>
+            <a:br>
+              <a:rPr lang="en-US" sz="3600" dirty="0"/>
+            </a:br>
+            <a:r>
+              <a:rPr lang="en-US" sz="3600" b="1" dirty="0">
+                <a:solidFill>
+                  <a:srgbClr val="CC0099"/>
+                </a:solidFill>
+                <a:latin typeface="Courier New" pitchFamily="49" charset="0"/>
+              </a:rPr>
+              <a:t>(if (&lt; x 5) (+ x 3) (* x 2)) </a:t>
+            </a:r>
+            <a:r>
+              <a:rPr lang="en-US" sz="3600" dirty="0"/>
+              <a:t>?</a:t>
+            </a:r>
+          </a:p>
+          <a:p>
+            <a:pPr lvl="1"/>
+            <a:endParaRPr lang="en-US" b="1" dirty="0">
+              <a:solidFill>
+                <a:srgbClr val="0033CC"/>
+              </a:solidFill>
+            </a:endParaRPr>
+          </a:p>
+          <a:p>
+            <a:endParaRPr lang="en-US" dirty="0"/>
+          </a:p>
+        </p:txBody>
+      </p:sp>
+    </p:spTree>
+    <p:extLst>
+      <p:ext uri="{BB962C8B-B14F-4D97-AF65-F5344CB8AC3E}">
+        <p14:creationId xmlns:p14="http://schemas.microsoft.com/office/powerpoint/2010/main" val="2944387126"/>
+      </p:ext>
+    </p:extLst>
+  </p:cSld>
+  <p:clrMapOvr>
+    <a:masterClrMapping/>
+  </p:clrMapOvr>
+</p:sld>
+</file>
+
+<file path=ppt/slides/slide7.xml><?xml version="1.0" encoding="utf-8"?>
+<p:sld xmlns:a="http://schemas.openxmlformats.org/drawingml/2006/main" xmlns:r="http://schemas.openxmlformats.org/officeDocument/2006/relationships" xmlns:p="http://schemas.openxmlformats.org/presentationml/2006/main">
+  <p:cSld>
+    <p:spTree>
+      <p:nvGrpSpPr>
+        <p:cNvPr id="1" name=""/>
+        <p:cNvGrpSpPr/>
+        <p:nvPr/>
+      </p:nvGrpSpPr>
+      <p:grpSpPr>
+        <a:xfrm>
+          <a:off x="0" y="0"/>
+          <a:ext cx="0" cy="0"/>
+          <a:chOff x="0" y="0"/>
+          <a:chExt cx="0" cy="0"/>
+        </a:xfrm>
+      </p:grpSpPr>
+      <p:sp>
+        <p:nvSpPr>
+          <p:cNvPr id="129026" name="Rectangle 2"/>
+          <p:cNvSpPr>
+            <a:spLocks noGrp="1" noChangeArrowheads="1"/>
+          </p:cNvSpPr>
+          <p:nvPr>
+            <p:ph type="title"/>
+          </p:nvPr>
+        </p:nvSpPr>
+        <p:spPr/>
+        <p:txBody>
+          <a:bodyPr/>
+          <a:lstStyle/>
+          <a:p>
+            <a:r>
+              <a:rPr lang="en-US" dirty="0"/>
+              <a:t>More Examples</a:t>
+            </a:r>
+          </a:p>
+        </p:txBody>
+      </p:sp>
+      <p:sp>
+        <p:nvSpPr>
+          <p:cNvPr id="129027" name="Rectangle 3"/>
+          <p:cNvSpPr>
+            <a:spLocks noGrp="1" noChangeArrowheads="1"/>
+          </p:cNvSpPr>
+          <p:nvPr>
+            <p:ph type="body" idx="1"/>
+          </p:nvPr>
+        </p:nvSpPr>
+        <p:spPr/>
+        <p:txBody>
+          <a:bodyPr/>
+          <a:lstStyle/>
+          <a:p>
+            <a:r>
+              <a:rPr lang="en-US" sz="3600" dirty="0"/>
+              <a:t>What is the continuation of </a:t>
+            </a:r>
+            <a:r>
+              <a:rPr lang="en-US" sz="3600" b="1" dirty="0">
+                <a:solidFill>
+                  <a:srgbClr val="CC0099"/>
+                </a:solidFill>
+                <a:latin typeface="Courier New" pitchFamily="49" charset="0"/>
+              </a:rPr>
+              <a:t>(&lt;</a:t>
+            </a:r>
+            <a:r>
+              <a:rPr lang="en-US" sz="3600" b="1" dirty="0">
+                <a:solidFill>
+                  <a:srgbClr val="FF3300"/>
+                </a:solidFill>
+                <a:latin typeface="Courier New" pitchFamily="49" charset="0"/>
+              </a:rPr>
+              <a:t> </a:t>
+            </a:r>
+            <a:r>
+              <a:rPr lang="en-US" sz="3600" b="1" dirty="0">
+                <a:solidFill>
+                  <a:srgbClr val="CC0099"/>
+                </a:solidFill>
+                <a:latin typeface="Courier New" pitchFamily="49" charset="0"/>
+              </a:rPr>
+              <a:t>x 5) in </a:t>
+            </a:r>
+            <a:br>
+              <a:rPr lang="en-US" sz="3600" b="1" dirty="0">
+                <a:solidFill>
+                  <a:srgbClr val="CC0099"/>
+                </a:solidFill>
+                <a:latin typeface="Courier New" pitchFamily="49" charset="0"/>
+              </a:rPr>
+            </a:br>
+            <a:r>
+              <a:rPr lang="en-US" sz="3600" b="1" dirty="0">
+                <a:solidFill>
+                  <a:srgbClr val="CC0099"/>
+                </a:solidFill>
+                <a:latin typeface="Courier New" pitchFamily="49" charset="0"/>
+              </a:rPr>
+              <a:t>(if (&lt; x 5) (+ x 3) (* x 2)) </a:t>
+            </a:r>
+            <a:r>
+              <a:rPr lang="en-US" sz="3600" dirty="0"/>
+              <a:t>?</a:t>
+            </a:r>
+          </a:p>
+          <a:p>
+            <a:pPr lvl="1"/>
+            <a:r>
+              <a:rPr lang="en-US" sz="3200" b="1" dirty="0">
+                <a:solidFill>
+                  <a:srgbClr val="0033CC"/>
+                </a:solidFill>
+                <a:effectLst>
+                  <a:outerShdw blurRad="38100" dist="38100" dir="2700000" algn="tl">
+                    <a:srgbClr val="000000">
+                      <a:alpha val="43137"/>
+                    </a:srgbClr>
+                  </a:outerShdw>
+                </a:effectLst>
+                <a:latin typeface="Consolas" panose="020B0609020204030204" pitchFamily="49" charset="0"/>
+                <a:cs typeface="Consolas" panose="020B0609020204030204" pitchFamily="49" charset="0"/>
+              </a:rPr>
+              <a:t>(lambda (v) (if v (+ x 3) (* x 2))</a:t>
+            </a:r>
+          </a:p>
+          <a:p>
+            <a:pPr lvl="1"/>
+            <a:endParaRPr lang="en-US" sz="3200" b="1" dirty="0">
+              <a:solidFill>
+                <a:srgbClr val="0033CC"/>
+              </a:solidFill>
+              <a:effectLst>
+                <a:outerShdw blurRad="38100" dist="38100" dir="2700000" algn="tl">
+                  <a:srgbClr val="000000">
+                    <a:alpha val="43137"/>
+                  </a:srgbClr>
+                </a:outerShdw>
+              </a:effectLst>
+              <a:latin typeface="Consolas" panose="020B0609020204030204" pitchFamily="49" charset="0"/>
+              <a:cs typeface="Consolas" panose="020B0609020204030204" pitchFamily="49" charset="0"/>
+            </a:endParaRPr>
+          </a:p>
+          <a:p>
             <a:r>
               <a:rPr lang="en-US" sz="3600" dirty="0"/>
               <a:t>What is the continuation of </a:t>
@@ -9842,7 +10256,7 @@
 </p:sld>
 </file>
 
-<file path=ppt/slides/slide7.xml><?xml version="1.0" encoding="utf-8"?>
+<file path=ppt/slides/slide8.xml><?xml version="1.0" encoding="utf-8"?>
 <p:sld xmlns:a="http://schemas.openxmlformats.org/drawingml/2006/main" xmlns:r="http://schemas.openxmlformats.org/officeDocument/2006/relationships" xmlns:p="http://schemas.openxmlformats.org/presentationml/2006/main">
   <p:cSld>
     <p:spTree>
@@ -10436,7 +10850,7 @@
 </p:sld>
 </file>
 
-<file path=ppt/slides/slide8.xml><?xml version="1.0" encoding="utf-8"?>
+<file path=ppt/slides/slide9.xml><?xml version="1.0" encoding="utf-8"?>
 <p:sld xmlns:a="http://schemas.openxmlformats.org/drawingml/2006/main" xmlns:r="http://schemas.openxmlformats.org/officeDocument/2006/relationships" xmlns:p="http://schemas.openxmlformats.org/presentationml/2006/main" showMasterPhAnim="0">
   <p:cSld>
     <p:spTree>
@@ -10811,149 +11225,6 @@
       <p:bldP spid="116739" grpId="0" build="p"/>
     </p:bldLst>
   </p:timing>
-</p:sld>
-</file>
-
-<file path=ppt/slides/slide9.xml><?xml version="1.0" encoding="utf-8"?>
-<p:sld xmlns:a="http://schemas.openxmlformats.org/drawingml/2006/main" xmlns:r="http://schemas.openxmlformats.org/officeDocument/2006/relationships" xmlns:p="http://schemas.openxmlformats.org/presentationml/2006/main">
-  <p:cSld>
-    <p:spTree>
-      <p:nvGrpSpPr>
-        <p:cNvPr id="1" name=""/>
-        <p:cNvGrpSpPr/>
-        <p:nvPr/>
-      </p:nvGrpSpPr>
-      <p:grpSpPr>
-        <a:xfrm>
-          <a:off x="0" y="0"/>
-          <a:ext cx="0" cy="0"/>
-          <a:chOff x="0" y="0"/>
-          <a:chExt cx="0" cy="0"/>
-        </a:xfrm>
-      </p:grpSpPr>
-      <p:sp>
-        <p:nvSpPr>
-          <p:cNvPr id="4" name="Title 3">
-            <a:extLst>
-              <a:ext uri="{FF2B5EF4-FFF2-40B4-BE49-F238E27FC236}">
-                <a16:creationId xmlns:a16="http://schemas.microsoft.com/office/drawing/2014/main" id="{5C1786C3-9775-4C06-A740-F437044A6A1E}"/>
-              </a:ext>
-            </a:extLst>
-          </p:cNvPr>
-          <p:cNvSpPr>
-            <a:spLocks noGrp="1"/>
-          </p:cNvSpPr>
-          <p:nvPr>
-            <p:ph type="title"/>
-          </p:nvPr>
-        </p:nvSpPr>
-        <p:spPr/>
-        <p:txBody>
-          <a:bodyPr/>
-          <a:lstStyle/>
-          <a:p>
-            <a:r>
-              <a:rPr lang="en-US" dirty="0"/>
-              <a:t>Primitive vs. Substantial Procedures</a:t>
-            </a:r>
-          </a:p>
-        </p:txBody>
-      </p:sp>
-      <p:sp>
-        <p:nvSpPr>
-          <p:cNvPr id="5" name="Content Placeholder 4">
-            <a:extLst>
-              <a:ext uri="{FF2B5EF4-FFF2-40B4-BE49-F238E27FC236}">
-                <a16:creationId xmlns:a16="http://schemas.microsoft.com/office/drawing/2014/main" id="{0304A7FD-E433-43AB-965E-D7995732A6B5}"/>
-              </a:ext>
-            </a:extLst>
-          </p:cNvPr>
-          <p:cNvSpPr>
-            <a:spLocks noGrp="1"/>
-          </p:cNvSpPr>
-          <p:nvPr>
-            <p:ph idx="1"/>
-          </p:nvPr>
-        </p:nvSpPr>
-        <p:spPr/>
-        <p:txBody>
-          <a:bodyPr/>
-          <a:lstStyle/>
-          <a:p>
-            <a:r>
-              <a:rPr lang="en-US" sz="2800" dirty="0"/>
-              <a:t>When </a:t>
-            </a:r>
-            <a:r>
-              <a:rPr lang="en-US" sz="2800" dirty="0" err="1"/>
-              <a:t>CPSing</a:t>
-            </a:r>
-            <a:r>
-              <a:rPr lang="en-US" sz="2800" dirty="0"/>
-              <a:t> our code, we divide the set of procedures into two groups:</a:t>
-            </a:r>
-          </a:p>
-          <a:p>
-            <a:pPr lvl="1"/>
-            <a:r>
-              <a:rPr lang="en-US" sz="2400" b="1" dirty="0">
-                <a:solidFill>
-                  <a:srgbClr val="C00000"/>
-                </a:solidFill>
-              </a:rPr>
-              <a:t>Primitive</a:t>
-            </a:r>
-            <a:r>
-              <a:rPr lang="en-US" sz="2400" dirty="0"/>
-              <a:t> procedures can be called without a continuation argument.</a:t>
-            </a:r>
-            <a:br>
-              <a:rPr lang="en-US" sz="2400" dirty="0"/>
-            </a:br>
-            <a:r>
-              <a:rPr lang="en-US" sz="2400" dirty="0"/>
-              <a:t>This is a superset of what we call “primitive” procedures in our interpreter discussions.</a:t>
-            </a:r>
-          </a:p>
-          <a:p>
-            <a:pPr lvl="1"/>
-            <a:r>
-              <a:rPr lang="en-US" sz="2400" b="1" dirty="0">
-                <a:solidFill>
-                  <a:srgbClr val="C00000"/>
-                </a:solidFill>
-              </a:rPr>
-              <a:t>Substantial</a:t>
-            </a:r>
-            <a:r>
-              <a:rPr lang="en-US" sz="2400" dirty="0"/>
-              <a:t> procedures (I made up this name) expect a continuation argument.</a:t>
-            </a:r>
-          </a:p>
-          <a:p>
-            <a:r>
-              <a:rPr lang="en-US" sz="2800" dirty="0"/>
-              <a:t>By default, built-in procedures and non-recursive procedures will be considered primitive; recursive procedures are substantial.</a:t>
-            </a:r>
-          </a:p>
-          <a:p>
-            <a:r>
-              <a:rPr lang="en-US" sz="2800" dirty="0"/>
-              <a:t>Sometimes it will be useful to write a substantial version of a procedure that would normally be primitive.</a:t>
-            </a:r>
-          </a:p>
-        </p:txBody>
-      </p:sp>
-    </p:spTree>
-    <p:extLst>
-      <p:ext uri="{BB962C8B-B14F-4D97-AF65-F5344CB8AC3E}">
-        <p14:creationId xmlns:p14="http://schemas.microsoft.com/office/powerpoint/2010/main" val="691614542"/>
-      </p:ext>
-    </p:extLst>
-  </p:cSld>
-  <p:clrMapOvr>
-    <a:masterClrMapping/>
-  </p:clrMapOvr>
 </p:sld>
 </file>
 
